--- a/Documentation/presentation.pptx
+++ b/Documentation/presentation.pptx
@@ -365,7 +365,8 @@
           <a:p>
             <a:fld id="{4A640E62-3FA3-431E-88CE-8557D458FA1E}" type="datetimeFigureOut">
               <a:rPr lang="it-CH" smtClean="0"/>
-              <a:t>03.06.2010</a:t>
+              <a:pPr/>
+              <a:t>07.06.2010</a:t>
             </a:fld>
             <a:endParaRPr lang="it-CH"/>
           </a:p>
@@ -407,6 +408,7 @@
           <a:p>
             <a:fld id="{2A040678-3833-4170-8A22-528EF1F96AE5}" type="slidenum">
               <a:rPr lang="it-CH" smtClean="0"/>
+              <a:pPr/>
               <a:t>‹N°›</a:t>
             </a:fld>
             <a:endParaRPr lang="it-CH"/>
@@ -588,7 +590,8 @@
           <a:p>
             <a:fld id="{4A640E62-3FA3-431E-88CE-8557D458FA1E}" type="datetimeFigureOut">
               <a:rPr lang="it-CH" smtClean="0"/>
-              <a:t>03.06.2010</a:t>
+              <a:pPr/>
+              <a:t>07.06.2010</a:t>
             </a:fld>
             <a:endParaRPr lang="it-CH"/>
           </a:p>
@@ -630,6 +633,7 @@
           <a:p>
             <a:fld id="{2A040678-3833-4170-8A22-528EF1F96AE5}" type="slidenum">
               <a:rPr lang="it-CH" smtClean="0"/>
+              <a:pPr/>
               <a:t>‹N°›</a:t>
             </a:fld>
             <a:endParaRPr lang="it-CH"/>
@@ -868,7 +872,8 @@
           <a:p>
             <a:fld id="{4A640E62-3FA3-431E-88CE-8557D458FA1E}" type="datetimeFigureOut">
               <a:rPr lang="it-CH" smtClean="0"/>
-              <a:t>03.06.2010</a:t>
+              <a:pPr/>
+              <a:t>07.06.2010</a:t>
             </a:fld>
             <a:endParaRPr lang="it-CH"/>
           </a:p>
@@ -915,6 +920,7 @@
           <a:p>
             <a:fld id="{2A040678-3833-4170-8A22-528EF1F96AE5}" type="slidenum">
               <a:rPr lang="it-CH" smtClean="0"/>
+              <a:pPr/>
               <a:t>‹N°›</a:t>
             </a:fld>
             <a:endParaRPr lang="it-CH"/>
@@ -1047,7 +1053,8 @@
           <a:p>
             <a:fld id="{4A640E62-3FA3-431E-88CE-8557D458FA1E}" type="datetimeFigureOut">
               <a:rPr lang="it-CH" smtClean="0"/>
-              <a:t>03.06.2010</a:t>
+              <a:pPr/>
+              <a:t>07.06.2010</a:t>
             </a:fld>
             <a:endParaRPr lang="it-CH"/>
           </a:p>
@@ -1089,6 +1096,7 @@
           <a:p>
             <a:fld id="{2A040678-3833-4170-8A22-528EF1F96AE5}" type="slidenum">
               <a:rPr lang="it-CH" smtClean="0"/>
+              <a:pPr/>
               <a:t>‹N°›</a:t>
             </a:fld>
             <a:endParaRPr lang="it-CH"/>
@@ -1405,7 +1413,8 @@
           <a:p>
             <a:fld id="{4A640E62-3FA3-431E-88CE-8557D458FA1E}" type="datetimeFigureOut">
               <a:rPr lang="it-CH" smtClean="0"/>
-              <a:t>03.06.2010</a:t>
+              <a:pPr/>
+              <a:t>07.06.2010</a:t>
             </a:fld>
             <a:endParaRPr lang="it-CH"/>
           </a:p>
@@ -1447,6 +1456,7 @@
           <a:p>
             <a:fld id="{2A040678-3833-4170-8A22-528EF1F96AE5}" type="slidenum">
               <a:rPr lang="it-CH" smtClean="0"/>
+              <a:pPr/>
               <a:t>‹N°›</a:t>
             </a:fld>
             <a:endParaRPr lang="it-CH"/>
@@ -1692,7 +1702,8 @@
           <a:p>
             <a:fld id="{4A640E62-3FA3-431E-88CE-8557D458FA1E}" type="datetimeFigureOut">
               <a:rPr lang="it-CH" smtClean="0"/>
-              <a:t>03.06.2010</a:t>
+              <a:pPr/>
+              <a:t>07.06.2010</a:t>
             </a:fld>
             <a:endParaRPr lang="it-CH"/>
           </a:p>
@@ -1734,6 +1745,7 @@
           <a:p>
             <a:fld id="{2A040678-3833-4170-8A22-528EF1F96AE5}" type="slidenum">
               <a:rPr lang="it-CH" smtClean="0"/>
+              <a:pPr/>
               <a:t>‹N°›</a:t>
             </a:fld>
             <a:endParaRPr lang="it-CH"/>
@@ -2114,7 +2126,8 @@
           <a:p>
             <a:fld id="{4A640E62-3FA3-431E-88CE-8557D458FA1E}" type="datetimeFigureOut">
               <a:rPr lang="it-CH" smtClean="0"/>
-              <a:t>03.06.2010</a:t>
+              <a:pPr/>
+              <a:t>07.06.2010</a:t>
             </a:fld>
             <a:endParaRPr lang="it-CH"/>
           </a:p>
@@ -2156,6 +2169,7 @@
           <a:p>
             <a:fld id="{2A040678-3833-4170-8A22-528EF1F96AE5}" type="slidenum">
               <a:rPr lang="it-CH" smtClean="0"/>
+              <a:pPr/>
               <a:t>‹N°›</a:t>
             </a:fld>
             <a:endParaRPr lang="it-CH"/>
@@ -2229,7 +2243,8 @@
           <a:p>
             <a:fld id="{4A640E62-3FA3-431E-88CE-8557D458FA1E}" type="datetimeFigureOut">
               <a:rPr lang="it-CH" smtClean="0"/>
-              <a:t>03.06.2010</a:t>
+              <a:pPr/>
+              <a:t>07.06.2010</a:t>
             </a:fld>
             <a:endParaRPr lang="it-CH"/>
           </a:p>
@@ -2271,6 +2286,7 @@
           <a:p>
             <a:fld id="{2A040678-3833-4170-8A22-528EF1F96AE5}" type="slidenum">
               <a:rPr lang="it-CH" smtClean="0"/>
+              <a:pPr/>
               <a:t>‹N°›</a:t>
             </a:fld>
             <a:endParaRPr lang="it-CH"/>
@@ -2319,7 +2335,8 @@
           <a:p>
             <a:fld id="{4A640E62-3FA3-431E-88CE-8557D458FA1E}" type="datetimeFigureOut">
               <a:rPr lang="it-CH" smtClean="0"/>
-              <a:t>03.06.2010</a:t>
+              <a:pPr/>
+              <a:t>07.06.2010</a:t>
             </a:fld>
             <a:endParaRPr lang="it-CH"/>
           </a:p>
@@ -2361,6 +2378,7 @@
           <a:p>
             <a:fld id="{2A040678-3833-4170-8A22-528EF1F96AE5}" type="slidenum">
               <a:rPr lang="it-CH" smtClean="0"/>
+              <a:pPr/>
               <a:t>‹N°›</a:t>
             </a:fld>
             <a:endParaRPr lang="it-CH"/>
@@ -2597,7 +2615,8 @@
           <a:p>
             <a:fld id="{4A640E62-3FA3-431E-88CE-8557D458FA1E}" type="datetimeFigureOut">
               <a:rPr lang="it-CH" smtClean="0"/>
-              <a:t>03.06.2010</a:t>
+              <a:pPr/>
+              <a:t>07.06.2010</a:t>
             </a:fld>
             <a:endParaRPr lang="it-CH"/>
           </a:p>
@@ -2639,6 +2658,7 @@
           <a:p>
             <a:fld id="{2A040678-3833-4170-8A22-528EF1F96AE5}" type="slidenum">
               <a:rPr lang="it-CH" smtClean="0"/>
+              <a:pPr/>
               <a:t>‹N°›</a:t>
             </a:fld>
             <a:endParaRPr lang="it-CH"/>
@@ -2963,7 +2983,8 @@
           <a:p>
             <a:fld id="{4A640E62-3FA3-431E-88CE-8557D458FA1E}" type="datetimeFigureOut">
               <a:rPr lang="it-CH" smtClean="0"/>
-              <a:t>03.06.2010</a:t>
+              <a:pPr/>
+              <a:t>07.06.2010</a:t>
             </a:fld>
             <a:endParaRPr lang="it-CH"/>
           </a:p>
@@ -3119,6 +3140,7 @@
           <a:p>
             <a:fld id="{2A040678-3833-4170-8A22-528EF1F96AE5}" type="slidenum">
               <a:rPr lang="it-CH" smtClean="0"/>
+              <a:pPr/>
               <a:t>‹N°›</a:t>
             </a:fld>
             <a:endParaRPr lang="it-CH"/>
@@ -3400,7 +3422,8 @@
           <a:p>
             <a:fld id="{4A640E62-3FA3-431E-88CE-8557D458FA1E}" type="datetimeFigureOut">
               <a:rPr lang="it-CH" smtClean="0"/>
-              <a:t>03.06.2010</a:t>
+              <a:pPr/>
+              <a:t>07.06.2010</a:t>
             </a:fld>
             <a:endParaRPr lang="it-CH"/>
           </a:p>
@@ -3480,6 +3503,7 @@
           <a:p>
             <a:fld id="{2A040678-3833-4170-8A22-528EF1F96AE5}" type="slidenum">
               <a:rPr lang="it-CH" smtClean="0"/>
+              <a:pPr/>
               <a:t>‹N°›</a:t>
             </a:fld>
             <a:endParaRPr lang="it-CH"/>
@@ -3876,28 +3900,56 @@
             </a:br>
             <a:r>
               <a:rPr lang="it-CH" dirty="0" smtClean="0"/>
-              <a:t>Berdoz Jonas</a:t>
+              <a:t> Jonas </a:t>
+            </a:r>
+            <a:r>
+              <a:rPr lang="it-CH" dirty="0" smtClean="0"/>
+              <a:t>Berdoz</a:t>
+            </a:r>
+            <a:r>
+              <a:rPr lang="it-CH" dirty="0" smtClean="0"/>
+              <a:t/>
             </a:r>
             <a:br>
               <a:rPr lang="it-CH" dirty="0" smtClean="0"/>
             </a:br>
             <a:r>
               <a:rPr lang="it-CH" dirty="0" smtClean="0"/>
-              <a:t>Beretta Piccoli Fabrizio</a:t>
+              <a:t>Fabrizio Beretta </a:t>
+            </a:r>
+            <a:r>
+              <a:rPr lang="it-CH" dirty="0" smtClean="0"/>
+              <a:t>Piccoli</a:t>
+            </a:r>
+            <a:r>
+              <a:rPr lang="it-CH" dirty="0" smtClean="0"/>
+              <a:t/>
             </a:r>
             <a:br>
               <a:rPr lang="it-CH" dirty="0" smtClean="0"/>
             </a:br>
             <a:r>
               <a:rPr lang="it-CH" dirty="0" smtClean="0"/>
-              <a:t>Delaye Valentin</a:t>
+              <a:t>Valentin Delaye </a:t>
+            </a:r>
+            <a:r>
+              <a:rPr lang="it-CH" dirty="0" smtClean="0"/>
+              <a:t/>
             </a:r>
             <a:br>
               <a:rPr lang="it-CH" dirty="0" smtClean="0"/>
             </a:br>
             <a:r>
               <a:rPr lang="it-CH" dirty="0" smtClean="0"/>
-              <a:t>Sandoz Michael</a:t>
+              <a:t>Michaël </a:t>
+            </a:r>
+            <a:r>
+              <a:rPr lang="it-CH" dirty="0" smtClean="0"/>
+              <a:t>Sandoz </a:t>
+            </a:r>
+            <a:r>
+              <a:rPr lang="it-CH" dirty="0" smtClean="0"/>
+              <a:t/>
             </a:r>
             <a:br>
               <a:rPr lang="it-CH" dirty="0" smtClean="0"/>
@@ -4184,14 +4236,19 @@
           <a:p>
             <a:r>
               <a:rPr lang="it-CH" dirty="0" smtClean="0"/>
-              <a:t>Regles du jeu</a:t>
-            </a:r>
-          </a:p>
-          <a:p>
+              <a:t>Règles </a:t>
+            </a:r>
             <a:r>
               <a:rPr lang="it-CH" dirty="0" smtClean="0"/>
-              <a:t>Démo</a:t>
-            </a:r>
+              <a:t>du jeu</a:t>
+            </a:r>
+          </a:p>
+          <a:p>
+            <a:r>
+              <a:rPr lang="it-CH" dirty="0" smtClean="0"/>
+              <a:t>Démonstration</a:t>
+            </a:r>
+            <a:endParaRPr lang="it-CH" dirty="0" smtClean="0"/>
           </a:p>
           <a:p>
             <a:r>
@@ -4220,7 +4277,7 @@
           <a:p>
             <a:r>
               <a:rPr lang="it-CH" dirty="0" smtClean="0"/>
-              <a:t>Questions?</a:t>
+              <a:t>Questions ?</a:t>
             </a:r>
             <a:endParaRPr lang="it-CH" dirty="0"/>
           </a:p>
@@ -4298,26 +4355,28 @@
           <a:p>
             <a:r>
               <a:rPr lang="it-CH" dirty="0" smtClean="0"/>
-              <a:t>Creer un joue de tir 2D</a:t>
-            </a:r>
-          </a:p>
-          <a:p>
+              <a:t>Creer un </a:t>
+            </a:r>
+            <a:r>
+              <a:rPr lang="it-CH" dirty="0" smtClean="0"/>
+              <a:t>jeu de combat en 2D</a:t>
+            </a:r>
             <a:endParaRPr lang="it-CH" dirty="0" smtClean="0"/>
           </a:p>
           <a:p>
+            <a:endParaRPr lang="it-CH" dirty="0" smtClean="0"/>
+          </a:p>
+          <a:p>
             <a:r>
               <a:rPr lang="it-CH" dirty="0" smtClean="0"/>
-              <a:t>Jouable en reseau</a:t>
-            </a:r>
-          </a:p>
-          <a:p>
+              <a:t>Jouable de 2 à 8 joueurs en réseau</a:t>
+            </a:r>
             <a:endParaRPr lang="it-CH" dirty="0" smtClean="0"/>
           </a:p>
           <a:p>
-            <a:r>
-              <a:rPr lang="it-CH" dirty="0" smtClean="0"/>
-              <a:t>Le </a:t>
-            </a:r>
+            <a:endParaRPr lang="it-CH" dirty="0" smtClean="0"/>
+          </a:p>
+          <a:p>
             <a:endParaRPr lang="it-CH" dirty="0"/>
           </a:p>
         </p:txBody>
@@ -4730,21 +4789,10 @@
           </a:p>
           <a:p>
             <a:r>
-              <a:rPr lang="it-CH" dirty="0" smtClean="0"/>
-              <a:t>Different sort de </a:t>
-            </a:r>
-            <a:r>
-              <a:rPr lang="fr-FR" dirty="0" err="1" smtClean="0"/>
-              <a:t>JPanel</a:t>
-            </a:r>
-            <a:r>
-              <a:rPr lang="it-CH" dirty="0" smtClean="0"/>
-              <a:t>  </a:t>
-            </a:r>
-            <a:r>
-              <a:rPr lang="fr-FR" dirty="0" smtClean="0"/>
-              <a:t>interchangeables</a:t>
-            </a:r>
+              <a:rPr lang="fr-CH" dirty="0" smtClean="0"/>
+              <a:t>Différents panels pour le contenu</a:t>
+            </a:r>
+            <a:endParaRPr lang="fr-FR" dirty="0" smtClean="0"/>
           </a:p>
           <a:p>
             <a:endParaRPr lang="fr-FR" dirty="0" smtClean="0"/>

--- a/Documentation/presentation.pptx
+++ b/Documentation/presentation.pptx
@@ -2,7 +2,7 @@
 <file path=ppt/presentation.xml><?xml version="1.0" encoding="utf-8"?>
 <p:presentation xmlns:a="http://schemas.openxmlformats.org/drawingml/2006/main" xmlns:r="http://schemas.openxmlformats.org/officeDocument/2006/relationships" xmlns:p="http://schemas.openxmlformats.org/presentationml/2006/main" saveSubsetFonts="1">
   <p:sldMasterIdLst>
-    <p:sldMasterId id="2147483720" r:id="rId1"/>
+    <p:sldMasterId id="2147483900" r:id="rId1"/>
   </p:sldMasterIdLst>
   <p:sldIdLst>
     <p:sldId id="256" r:id="rId2"/>
@@ -10,12 +10,14 @@
     <p:sldId id="259" r:id="rId4"/>
     <p:sldId id="260" r:id="rId5"/>
     <p:sldId id="261" r:id="rId6"/>
-    <p:sldId id="262" r:id="rId7"/>
-    <p:sldId id="263" r:id="rId8"/>
-    <p:sldId id="264" r:id="rId9"/>
-    <p:sldId id="265" r:id="rId10"/>
-    <p:sldId id="269" r:id="rId11"/>
-    <p:sldId id="258" r:id="rId12"/>
+    <p:sldId id="264" r:id="rId7"/>
+    <p:sldId id="274" r:id="rId8"/>
+    <p:sldId id="271" r:id="rId9"/>
+    <p:sldId id="270" r:id="rId10"/>
+    <p:sldId id="273" r:id="rId11"/>
+    <p:sldId id="272" r:id="rId12"/>
+    <p:sldId id="269" r:id="rId13"/>
+    <p:sldId id="258" r:id="rId14"/>
   </p:sldIdLst>
   <p:sldSz cx="9144000" cy="6858000" type="screen4x3"/>
   <p:notesSz cx="6858000" cy="9144000"/>
@@ -118,13 +120,8 @@
 </file>
 
 <file path=ppt/slideLayouts/slideLayout1.xml><?xml version="1.0" encoding="utf-8"?>
-<p:sldLayout xmlns:a="http://schemas.openxmlformats.org/drawingml/2006/main" xmlns:r="http://schemas.openxmlformats.org/officeDocument/2006/relationships" xmlns:p="http://schemas.openxmlformats.org/presentationml/2006/main" showMasterSp="0" type="title" preserve="1">
+<p:sldLayout xmlns:a="http://schemas.openxmlformats.org/drawingml/2006/main" xmlns:r="http://schemas.openxmlformats.org/officeDocument/2006/relationships" xmlns:p="http://schemas.openxmlformats.org/presentationml/2006/main" type="title" preserve="1">
   <p:cSld name="Diapositive de titre">
-    <p:bg>
-      <p:bgRef idx="1002">
-        <a:schemeClr val="bg2"/>
-      </p:bgRef>
-    </p:bg>
     <p:spTree>
       <p:nvGrpSpPr>
         <p:cNvPr id="1" name=""/>
@@ -141,54 +138,7 @@
       </p:grpSpPr>
       <p:sp>
         <p:nvSpPr>
-          <p:cNvPr id="9" name="Rectangle 8"/>
-          <p:cNvSpPr/>
-          <p:nvPr/>
-        </p:nvSpPr>
-        <p:spPr bwMode="ltGray">
-          <a:xfrm>
-            <a:off x="0" y="0"/>
-            <a:ext cx="9143999" cy="5135430"/>
-          </a:xfrm>
-          <a:prstGeom prst="rect">
-            <a:avLst/>
-          </a:prstGeom>
-          <a:solidFill>
-            <a:srgbClr val="000000"/>
-          </a:solidFill>
-          <a:ln w="48000" cap="flat" cmpd="thickThin" algn="ctr">
-            <a:noFill/>
-            <a:prstDash val="solid"/>
-          </a:ln>
-        </p:spPr>
-        <p:style>
-          <a:lnRef idx="2">
-            <a:schemeClr val="accent1"/>
-          </a:lnRef>
-          <a:fillRef idx="1">
-            <a:schemeClr val="accent1"/>
-          </a:fillRef>
-          <a:effectRef idx="0">
-            <a:schemeClr val="accent1"/>
-          </a:effectRef>
-          <a:fontRef idx="minor">
-            <a:schemeClr val="lt1"/>
-          </a:fontRef>
-        </p:style>
-        <p:txBody>
-          <a:bodyPr rtlCol="0" anchor="ctr"/>
-          <a:lstStyle>
-            <a:extLst/>
-          </a:lstStyle>
-          <a:p>
-            <a:pPr algn="ctr" eaLnBrk="1" latinLnBrk="0" hangingPunct="1"/>
-            <a:endParaRPr kumimoji="0" lang="en-US"/>
-          </a:p>
-        </p:txBody>
-      </p:sp>
-      <p:sp>
-        <p:nvSpPr>
-          <p:cNvPr id="2" name="Titre 1"/>
+          <p:cNvPr id="14" name="Titre 13"/>
           <p:cNvSpPr>
             <a:spLocks noGrp="1"/>
           </p:cNvSpPr>
@@ -198,26 +148,15 @@
         </p:nvSpPr>
         <p:spPr>
           <a:xfrm>
-            <a:off x="685800" y="3355848"/>
-            <a:ext cx="8077200" cy="1673352"/>
+            <a:off x="1432560" y="359898"/>
+            <a:ext cx="7406640" cy="1472184"/>
           </a:xfrm>
         </p:spPr>
         <p:txBody>
-          <a:bodyPr vert="horz" lIns="91440" tIns="0" rIns="45720" bIns="0" rtlCol="0" anchor="t">
-            <a:normAutofit/>
-            <a:scene3d>
-              <a:camera prst="orthographicFront"/>
-              <a:lightRig rig="threePt" dir="t">
-                <a:rot lat="0" lon="0" rev="4800000"/>
-              </a:lightRig>
-            </a:scene3d>
-            <a:sp3d prstMaterial="matte">
-              <a:bevelT w="50800" h="10160"/>
-            </a:sp3d>
-          </a:bodyPr>
+          <a:bodyPr anchor="b"/>
           <a:lstStyle>
             <a:lvl1pPr algn="l">
-              <a:defRPr sz="4700" b="1"/>
+              <a:defRPr/>
             </a:lvl1pPr>
             <a:extLst/>
           </a:lstStyle>
@@ -232,7 +171,7 @@
       </p:sp>
       <p:sp>
         <p:nvSpPr>
-          <p:cNvPr id="3" name="Sous-titre 2"/>
+          <p:cNvPr id="22" name="Sous-titre 21"/>
           <p:cNvSpPr>
             <a:spLocks noGrp="1"/>
           </p:cNvSpPr>
@@ -242,100 +181,47 @@
         </p:nvSpPr>
         <p:spPr>
           <a:xfrm>
-            <a:off x="685800" y="1828800"/>
-            <a:ext cx="8077200" cy="1499616"/>
+            <a:off x="1432560" y="1850064"/>
+            <a:ext cx="7406640" cy="1752600"/>
           </a:xfrm>
         </p:spPr>
         <p:txBody>
-          <a:bodyPr lIns="118872" tIns="0" rIns="45720" bIns="0" anchor="b"/>
-          <a:lstStyle>
-            <a:lvl1pPr marL="0" indent="0" algn="l">
+          <a:bodyPr tIns="0"/>
+          <a:lstStyle>
+            <a:lvl1pPr marL="27432" indent="0" algn="l">
               <a:buNone/>
-              <a:defRPr sz="2000">
+              <a:defRPr sz="2600">
                 <a:solidFill>
-                  <a:srgbClr val="FFFFFF"/>
+                  <a:schemeClr val="tx2">
+                    <a:shade val="30000"/>
+                    <a:satMod val="150000"/>
+                  </a:schemeClr>
                 </a:solidFill>
               </a:defRPr>
             </a:lvl1pPr>
             <a:lvl2pPr marL="457200" indent="0" algn="ctr">
               <a:buNone/>
-              <a:defRPr>
-                <a:solidFill>
-                  <a:schemeClr val="tx1">
-                    <a:tint val="75000"/>
-                  </a:schemeClr>
-                </a:solidFill>
-              </a:defRPr>
             </a:lvl2pPr>
             <a:lvl3pPr marL="914400" indent="0" algn="ctr">
               <a:buNone/>
-              <a:defRPr>
-                <a:solidFill>
-                  <a:schemeClr val="tx1">
-                    <a:tint val="75000"/>
-                  </a:schemeClr>
-                </a:solidFill>
-              </a:defRPr>
             </a:lvl3pPr>
             <a:lvl4pPr marL="1371600" indent="0" algn="ctr">
               <a:buNone/>
-              <a:defRPr>
-                <a:solidFill>
-                  <a:schemeClr val="tx1">
-                    <a:tint val="75000"/>
-                  </a:schemeClr>
-                </a:solidFill>
-              </a:defRPr>
             </a:lvl4pPr>
             <a:lvl5pPr marL="1828800" indent="0" algn="ctr">
               <a:buNone/>
-              <a:defRPr>
-                <a:solidFill>
-                  <a:schemeClr val="tx1">
-                    <a:tint val="75000"/>
-                  </a:schemeClr>
-                </a:solidFill>
-              </a:defRPr>
             </a:lvl5pPr>
             <a:lvl6pPr marL="2286000" indent="0" algn="ctr">
               <a:buNone/>
-              <a:defRPr>
-                <a:solidFill>
-                  <a:schemeClr val="tx1">
-                    <a:tint val="75000"/>
-                  </a:schemeClr>
-                </a:solidFill>
-              </a:defRPr>
             </a:lvl6pPr>
             <a:lvl7pPr marL="2743200" indent="0" algn="ctr">
               <a:buNone/>
-              <a:defRPr>
-                <a:solidFill>
-                  <a:schemeClr val="tx1">
-                    <a:tint val="75000"/>
-                  </a:schemeClr>
-                </a:solidFill>
-              </a:defRPr>
             </a:lvl7pPr>
             <a:lvl8pPr marL="3200400" indent="0" algn="ctr">
               <a:buNone/>
-              <a:defRPr>
-                <a:solidFill>
-                  <a:schemeClr val="tx1">
-                    <a:tint val="75000"/>
-                  </a:schemeClr>
-                </a:solidFill>
-              </a:defRPr>
             </a:lvl8pPr>
             <a:lvl9pPr marL="3657600" indent="0" algn="ctr">
               <a:buNone/>
-              <a:defRPr>
-                <a:solidFill>
-                  <a:schemeClr val="tx1">
-                    <a:tint val="75000"/>
-                  </a:schemeClr>
-                </a:solidFill>
-              </a:defRPr>
             </a:lvl9pPr>
             <a:extLst/>
           </a:lstStyle>
@@ -350,7 +236,7 @@
       </p:sp>
       <p:sp>
         <p:nvSpPr>
-          <p:cNvPr id="4" name="Espace réservé de la date 3"/>
+          <p:cNvPr id="7" name="Espace réservé de la date 6"/>
           <p:cNvSpPr>
             <a:spLocks noGrp="1"/>
           </p:cNvSpPr>
@@ -361,12 +247,14 @@
         <p:spPr/>
         <p:txBody>
           <a:bodyPr/>
-          <a:lstStyle/>
+          <a:lstStyle>
+            <a:extLst/>
+          </a:lstStyle>
           <a:p>
             <a:fld id="{4A640E62-3FA3-431E-88CE-8557D458FA1E}" type="datetimeFigureOut">
               <a:rPr lang="it-CH" smtClean="0"/>
               <a:pPr/>
-              <a:t>07.06.2010</a:t>
+              <a:t>10.06.2010</a:t>
             </a:fld>
             <a:endParaRPr lang="it-CH"/>
           </a:p>
@@ -374,7 +262,7 @@
       </p:sp>
       <p:sp>
         <p:nvSpPr>
-          <p:cNvPr id="5" name="Espace réservé du pied de page 4"/>
+          <p:cNvPr id="20" name="Espace réservé du pied de page 19"/>
           <p:cNvSpPr>
             <a:spLocks noGrp="1"/>
           </p:cNvSpPr>
@@ -385,7 +273,9 @@
         <p:spPr/>
         <p:txBody>
           <a:bodyPr/>
-          <a:lstStyle/>
+          <a:lstStyle>
+            <a:extLst/>
+          </a:lstStyle>
           <a:p>
             <a:endParaRPr lang="it-CH"/>
           </a:p>
@@ -393,7 +283,7 @@
       </p:sp>
       <p:sp>
         <p:nvSpPr>
-          <p:cNvPr id="6" name="Espace réservé du numéro de diapositive 5"/>
+          <p:cNvPr id="10" name="Espace réservé du numéro de diapositive 9"/>
           <p:cNvSpPr>
             <a:spLocks noGrp="1"/>
           </p:cNvSpPr>
@@ -404,7 +294,9 @@
         <p:spPr/>
         <p:txBody>
           <a:bodyPr/>
-          <a:lstStyle/>
+          <a:lstStyle>
+            <a:extLst/>
+          </a:lstStyle>
           <a:p>
             <a:fld id="{2A040678-3833-4170-8A22-528EF1F96AE5}" type="slidenum">
               <a:rPr lang="it-CH" smtClean="0"/>
@@ -417,49 +309,133 @@
       </p:sp>
       <p:sp>
         <p:nvSpPr>
-          <p:cNvPr id="10" name="Rectangle 9"/>
+          <p:cNvPr id="8" name="Ellipse 7"/>
           <p:cNvSpPr/>
           <p:nvPr/>
         </p:nvSpPr>
-        <p:spPr bwMode="invGray">
+        <p:spPr>
           <a:xfrm>
-            <a:off x="0" y="5128334"/>
-            <a:ext cx="9144000" cy="45720"/>
+            <a:off x="921433" y="1413802"/>
+            <a:ext cx="210312" cy="210312"/>
           </a:xfrm>
-          <a:prstGeom prst="rect">
+          <a:prstGeom prst="ellipse">
             <a:avLst/>
           </a:prstGeom>
-          <a:solidFill>
-            <a:srgbClr val="FFFFFF"/>
-          </a:solidFill>
-          <a:ln w="48000" cap="flat" cmpd="thickThin" algn="ctr">
-            <a:noFill/>
+          <a:gradFill rotWithShape="1">
+            <a:gsLst>
+              <a:gs pos="0">
+                <a:schemeClr val="accent1">
+                  <a:tint val="20000"/>
+                  <a:satMod val="450000"/>
+                  <a:alpha val="95000"/>
+                </a:schemeClr>
+              </a:gs>
+              <a:gs pos="50000">
+                <a:schemeClr val="accent1">
+                  <a:tint val="38000"/>
+                  <a:satMod val="250000"/>
+                  <a:alpha val="90000"/>
+                </a:schemeClr>
+              </a:gs>
+              <a:gs pos="95000">
+                <a:schemeClr val="accent1">
+                  <a:tint val="75000"/>
+                  <a:satMod val="255000"/>
+                  <a:alpha val="88000"/>
+                </a:schemeClr>
+              </a:gs>
+              <a:gs pos="100000">
+                <a:schemeClr val="accent1">
+                  <a:tint val="100000"/>
+                  <a:shade val="90000"/>
+                  <a:satMod val="255000"/>
+                  <a:alpha val="85000"/>
+                </a:schemeClr>
+              </a:gs>
+            </a:gsLst>
+            <a:path path="circle">
+              <a:fillToRect l="25000" t="12500" r="75000" b="87500"/>
+            </a:path>
+          </a:gradFill>
+          <a:ln w="2000" cap="rnd" cmpd="sng" algn="ctr">
+            <a:solidFill>
+              <a:schemeClr val="accent1">
+                <a:shade val="90000"/>
+                <a:satMod val="110000"/>
+                <a:alpha val="60000"/>
+              </a:schemeClr>
+            </a:solidFill>
             <a:prstDash val="solid"/>
           </a:ln>
-          <a:effectLst>
-            <a:outerShdw blurRad="31750" dist="10160" dir="5400000" algn="tl" rotWithShape="0">
-              <a:srgbClr val="000000">
-                <a:alpha val="60000"/>
-              </a:srgbClr>
-            </a:outerShdw>
-          </a:effectLst>
+          <a:effectLst/>
         </p:spPr>
         <p:style>
-          <a:lnRef idx="2">
+          <a:lnRef idx="1">
             <a:schemeClr val="accent1"/>
           </a:lnRef>
-          <a:fillRef idx="1">
+          <a:fillRef idx="2">
             <a:schemeClr val="accent1"/>
           </a:fillRef>
-          <a:effectRef idx="0">
+          <a:effectRef idx="1">
             <a:schemeClr val="accent1"/>
           </a:effectRef>
           <a:fontRef idx="minor">
-            <a:schemeClr val="lt1"/>
+            <a:schemeClr val="dk1"/>
           </a:fontRef>
         </p:style>
         <p:txBody>
-          <a:bodyPr rtlCol="0" anchor="ctr"/>
+          <a:bodyPr anchor="ctr"/>
+          <a:lstStyle>
+            <a:extLst/>
+          </a:lstStyle>
+          <a:p>
+            <a:pPr algn="ctr" eaLnBrk="1" latinLnBrk="0" hangingPunct="1"/>
+            <a:endParaRPr kumimoji="0" lang="en-US"/>
+          </a:p>
+        </p:txBody>
+      </p:sp>
+      <p:sp>
+        <p:nvSpPr>
+          <p:cNvPr id="9" name="Ellipse 8"/>
+          <p:cNvSpPr/>
+          <p:nvPr/>
+        </p:nvSpPr>
+        <p:spPr>
+          <a:xfrm>
+            <a:off x="1157176" y="1345016"/>
+            <a:ext cx="64008" cy="64008"/>
+          </a:xfrm>
+          <a:prstGeom prst="ellipse">
+            <a:avLst/>
+          </a:prstGeom>
+          <a:noFill/>
+          <a:ln w="12700" cap="rnd" cmpd="sng" algn="ctr">
+            <a:solidFill>
+              <a:schemeClr val="accent1">
+                <a:shade val="75000"/>
+                <a:alpha val="60000"/>
+              </a:schemeClr>
+            </a:solidFill>
+            <a:prstDash val="solid"/>
+          </a:ln>
+          <a:effectLst/>
+        </p:spPr>
+        <p:style>
+          <a:lnRef idx="1">
+            <a:schemeClr val="accent1"/>
+          </a:lnRef>
+          <a:fillRef idx="2">
+            <a:schemeClr val="accent1"/>
+          </a:fillRef>
+          <a:effectRef idx="1">
+            <a:schemeClr val="accent1"/>
+          </a:effectRef>
+          <a:fontRef idx="minor">
+            <a:schemeClr val="dk1"/>
+          </a:fontRef>
+        </p:style>
+        <p:txBody>
+          <a:bodyPr anchor="ctr"/>
           <a:lstStyle>
             <a:extLst/>
           </a:lstStyle>
@@ -472,7 +448,7 @@
     </p:spTree>
   </p:cSld>
   <p:clrMapOvr>
-    <a:overrideClrMapping bg1="dk1" tx1="lt1" bg2="dk2" tx2="lt2" accent1="accent1" accent2="accent2" accent3="accent3" accent4="accent4" accent5="accent5" accent6="accent6" hlink="hlink" folHlink="folHlink"/>
+    <a:masterClrMapping/>
   </p:clrMapOvr>
 </p:sldLayout>
 </file>
@@ -586,12 +562,14 @@
         <p:spPr/>
         <p:txBody>
           <a:bodyPr/>
-          <a:lstStyle/>
+          <a:lstStyle>
+            <a:extLst/>
+          </a:lstStyle>
           <a:p>
             <a:fld id="{4A640E62-3FA3-431E-88CE-8557D458FA1E}" type="datetimeFigureOut">
               <a:rPr lang="it-CH" smtClean="0"/>
               <a:pPr/>
-              <a:t>07.06.2010</a:t>
+              <a:t>10.06.2010</a:t>
             </a:fld>
             <a:endParaRPr lang="it-CH"/>
           </a:p>
@@ -610,7 +588,9 @@
         <p:spPr/>
         <p:txBody>
           <a:bodyPr/>
-          <a:lstStyle/>
+          <a:lstStyle>
+            <a:extLst/>
+          </a:lstStyle>
           <a:p>
             <a:endParaRPr lang="it-CH"/>
           </a:p>
@@ -629,7 +609,9 @@
         <p:spPr/>
         <p:txBody>
           <a:bodyPr/>
-          <a:lstStyle/>
+          <a:lstStyle>
+            <a:extLst/>
+          </a:lstStyle>
           <a:p>
             <a:fld id="{2A040678-3833-4170-8A22-528EF1F96AE5}" type="slidenum">
               <a:rPr lang="it-CH" smtClean="0"/>
@@ -649,7 +631,7 @@
 </file>
 
 <file path=ppt/slideLayouts/slideLayout11.xml><?xml version="1.0" encoding="utf-8"?>
-<p:sldLayout xmlns:a="http://schemas.openxmlformats.org/drawingml/2006/main" xmlns:r="http://schemas.openxmlformats.org/officeDocument/2006/relationships" xmlns:p="http://schemas.openxmlformats.org/presentationml/2006/main" showMasterSp="0" type="vertTitleAndTx" preserve="1">
+<p:sldLayout xmlns:a="http://schemas.openxmlformats.org/drawingml/2006/main" xmlns:r="http://schemas.openxmlformats.org/officeDocument/2006/relationships" xmlns:p="http://schemas.openxmlformats.org/presentationml/2006/main" type="vertTitleAndTx" preserve="1">
   <p:cSld name="Titre vertical et texte">
     <p:spTree>
       <p:nvGrpSpPr>
@@ -667,107 +649,6 @@
       </p:grpSpPr>
       <p:sp>
         <p:nvSpPr>
-          <p:cNvPr id="9" name="Rectangle 8"/>
-          <p:cNvSpPr/>
-          <p:nvPr/>
-        </p:nvSpPr>
-        <p:spPr bwMode="invGray">
-          <a:xfrm>
-            <a:off x="6598920" y="0"/>
-            <a:ext cx="45720" cy="6858000"/>
-          </a:xfrm>
-          <a:prstGeom prst="rect">
-            <a:avLst/>
-          </a:prstGeom>
-          <a:solidFill>
-            <a:srgbClr val="FFFFFF"/>
-          </a:solidFill>
-          <a:ln w="48000" cap="flat" cmpd="thickThin" algn="ctr">
-            <a:noFill/>
-            <a:prstDash val="solid"/>
-          </a:ln>
-          <a:effectLst>
-            <a:outerShdw blurRad="31750" dist="10160" dir="10800000" algn="tl" rotWithShape="0">
-              <a:srgbClr val="000000">
-                <a:alpha val="60000"/>
-              </a:srgbClr>
-            </a:outerShdw>
-          </a:effectLst>
-        </p:spPr>
-        <p:style>
-          <a:lnRef idx="2">
-            <a:schemeClr val="accent1"/>
-          </a:lnRef>
-          <a:fillRef idx="1">
-            <a:schemeClr val="accent1"/>
-          </a:fillRef>
-          <a:effectRef idx="0">
-            <a:schemeClr val="accent1"/>
-          </a:effectRef>
-          <a:fontRef idx="minor">
-            <a:schemeClr val="lt1"/>
-          </a:fontRef>
-        </p:style>
-        <p:txBody>
-          <a:bodyPr rtlCol="0" anchor="ctr"/>
-          <a:lstStyle>
-            <a:extLst/>
-          </a:lstStyle>
-          <a:p>
-            <a:pPr algn="ctr" eaLnBrk="1" latinLnBrk="0" hangingPunct="1"/>
-            <a:endParaRPr kumimoji="0" lang="en-US"/>
-          </a:p>
-        </p:txBody>
-      </p:sp>
-      <p:sp>
-        <p:nvSpPr>
-          <p:cNvPr id="8" name="Rectangle 7"/>
-          <p:cNvSpPr/>
-          <p:nvPr/>
-        </p:nvSpPr>
-        <p:spPr bwMode="ltGray">
-          <a:xfrm>
-            <a:off x="6647687" y="0"/>
-            <a:ext cx="2514601" cy="6858000"/>
-          </a:xfrm>
-          <a:prstGeom prst="rect">
-            <a:avLst/>
-          </a:prstGeom>
-          <a:solidFill>
-            <a:srgbClr val="000000"/>
-          </a:solidFill>
-          <a:ln w="48000" cap="flat" cmpd="thickThin" algn="ctr">
-            <a:noFill/>
-            <a:prstDash val="solid"/>
-          </a:ln>
-        </p:spPr>
-        <p:style>
-          <a:lnRef idx="2">
-            <a:schemeClr val="accent1"/>
-          </a:lnRef>
-          <a:fillRef idx="1">
-            <a:schemeClr val="accent1"/>
-          </a:fillRef>
-          <a:effectRef idx="0">
-            <a:schemeClr val="accent1"/>
-          </a:effectRef>
-          <a:fontRef idx="minor">
-            <a:schemeClr val="lt1"/>
-          </a:fontRef>
-        </p:style>
-        <p:txBody>
-          <a:bodyPr rtlCol="0" anchor="ctr"/>
-          <a:lstStyle>
-            <a:extLst/>
-          </a:lstStyle>
-          <a:p>
-            <a:pPr algn="ctr" eaLnBrk="1" latinLnBrk="0" hangingPunct="1"/>
-            <a:endParaRPr kumimoji="0" lang="en-US"/>
-          </a:p>
-        </p:txBody>
-      </p:sp>
-      <p:sp>
-        <p:nvSpPr>
           <p:cNvPr id="2" name="Titre vertical 1"/>
           <p:cNvSpPr>
             <a:spLocks noGrp="1"/>
@@ -778,8 +659,8 @@
         </p:nvSpPr>
         <p:spPr>
           <a:xfrm>
-            <a:off x="6781800" y="274640"/>
-            <a:ext cx="1905000" cy="5851525"/>
+            <a:off x="6858000" y="274639"/>
+            <a:ext cx="1828800" cy="5851525"/>
           </a:xfrm>
         </p:spPr>
         <p:txBody>
@@ -808,8 +689,8 @@
         </p:nvSpPr>
         <p:spPr>
           <a:xfrm>
-            <a:off x="457200" y="304800"/>
-            <a:ext cx="6019800" cy="5851525"/>
+            <a:off x="1143000" y="274640"/>
+            <a:ext cx="5562600" cy="5851525"/>
           </a:xfrm>
         </p:spPr>
         <p:txBody>
@@ -868,12 +749,14 @@
         <p:spPr/>
         <p:txBody>
           <a:bodyPr/>
-          <a:lstStyle/>
+          <a:lstStyle>
+            <a:extLst/>
+          </a:lstStyle>
           <a:p>
             <a:fld id="{4A640E62-3FA3-431E-88CE-8557D458FA1E}" type="datetimeFigureOut">
               <a:rPr lang="it-CH" smtClean="0"/>
               <a:pPr/>
-              <a:t>07.06.2010</a:t>
+              <a:t>10.06.2010</a:t>
             </a:fld>
             <a:endParaRPr lang="it-CH"/>
           </a:p>
@@ -889,15 +772,12 @@
             <p:ph type="ftr" sz="quarter" idx="11"/>
           </p:nvPr>
         </p:nvSpPr>
-        <p:spPr>
-          <a:xfrm>
-            <a:off x="2640597" y="6377459"/>
-            <a:ext cx="3836404" cy="365125"/>
-          </a:xfrm>
-        </p:spPr>
-        <p:txBody>
-          <a:bodyPr/>
-          <a:lstStyle/>
+        <p:spPr/>
+        <p:txBody>
+          <a:bodyPr/>
+          <a:lstStyle>
+            <a:extLst/>
+          </a:lstStyle>
           <a:p>
             <a:endParaRPr lang="it-CH"/>
           </a:p>
@@ -916,7 +796,9 @@
         <p:spPr/>
         <p:txBody>
           <a:bodyPr/>
-          <a:lstStyle/>
+          <a:lstStyle>
+            <a:extLst/>
+          </a:lstStyle>
           <a:p>
             <a:fld id="{2A040678-3833-4170-8A22-528EF1F96AE5}" type="slidenum">
               <a:rPr lang="it-CH" smtClean="0"/>
@@ -962,12 +844,7 @@
             <p:ph type="title"/>
           </p:nvPr>
         </p:nvSpPr>
-        <p:spPr>
-          <a:xfrm>
-            <a:off x="457200" y="155448"/>
-            <a:ext cx="8229600" cy="1252728"/>
-          </a:xfrm>
-        </p:spPr>
+        <p:spPr/>
         <p:txBody>
           <a:bodyPr/>
           <a:lstStyle>
@@ -1049,12 +926,14 @@
         <p:spPr/>
         <p:txBody>
           <a:bodyPr/>
-          <a:lstStyle/>
+          <a:lstStyle>
+            <a:extLst/>
+          </a:lstStyle>
           <a:p>
             <a:fld id="{4A640E62-3FA3-431E-88CE-8557D458FA1E}" type="datetimeFigureOut">
               <a:rPr lang="it-CH" smtClean="0"/>
               <a:pPr/>
-              <a:t>07.06.2010</a:t>
+              <a:t>10.06.2010</a:t>
             </a:fld>
             <a:endParaRPr lang="it-CH"/>
           </a:p>
@@ -1073,7 +952,9 @@
         <p:spPr/>
         <p:txBody>
           <a:bodyPr/>
-          <a:lstStyle/>
+          <a:lstStyle>
+            <a:extLst/>
+          </a:lstStyle>
           <a:p>
             <a:endParaRPr lang="it-CH"/>
           </a:p>
@@ -1092,7 +973,9 @@
         <p:spPr/>
         <p:txBody>
           <a:bodyPr/>
-          <a:lstStyle/>
+          <a:lstStyle>
+            <a:extLst/>
+          </a:lstStyle>
           <a:p>
             <a:fld id="{2A040678-3833-4170-8A22-528EF1F96AE5}" type="slidenum">
               <a:rPr lang="it-CH" smtClean="0"/>
@@ -1114,11 +997,6 @@
 <file path=ppt/slideLayouts/slideLayout3.xml><?xml version="1.0" encoding="utf-8"?>
 <p:sldLayout xmlns:a="http://schemas.openxmlformats.org/drawingml/2006/main" xmlns:r="http://schemas.openxmlformats.org/officeDocument/2006/relationships" xmlns:p="http://schemas.openxmlformats.org/presentationml/2006/main" showMasterSp="0" type="secHead" preserve="1">
   <p:cSld name="Titre de section">
-    <p:bg>
-      <p:bgRef idx="1002">
-        <a:schemeClr val="bg2"/>
-      </p:bgRef>
-    </p:bg>
     <p:spTree>
       <p:nvGrpSpPr>
         <p:cNvPr id="1" name=""/>
@@ -1135,34 +1013,35 @@
       </p:grpSpPr>
       <p:sp>
         <p:nvSpPr>
-          <p:cNvPr id="9" name="Rectangle 8"/>
+          <p:cNvPr id="7" name="Rectangle 6"/>
           <p:cNvSpPr/>
           <p:nvPr/>
         </p:nvSpPr>
-        <p:spPr bwMode="ltGray">
+        <p:spPr>
           <a:xfrm>
-            <a:off x="0" y="1"/>
-            <a:ext cx="9144000" cy="2602520"/>
+            <a:off x="2282890" y="-54"/>
+            <a:ext cx="6858000" cy="6858054"/>
           </a:xfrm>
           <a:prstGeom prst="rect">
             <a:avLst/>
           </a:prstGeom>
           <a:solidFill>
-            <a:srgbClr val="000000"/>
+            <a:schemeClr val="bg1"/>
           </a:solidFill>
-          <a:ln w="48000" cap="flat" cmpd="thickThin" algn="ctr">
+          <a:ln w="25400" cap="rnd" cmpd="sng" algn="ctr">
             <a:noFill/>
             <a:prstDash val="solid"/>
           </a:ln>
+          <a:effectLst/>
         </p:spPr>
         <p:style>
-          <a:lnRef idx="2">
-            <a:schemeClr val="accent1"/>
+          <a:lnRef idx="3">
+            <a:schemeClr val="lt1"/>
           </a:lnRef>
           <a:fillRef idx="1">
             <a:schemeClr val="accent1"/>
           </a:fillRef>
-          <a:effectRef idx="0">
+          <a:effectRef idx="1">
             <a:schemeClr val="accent1"/>
           </a:effectRef>
           <a:fontRef idx="minor">
@@ -1170,7 +1049,7 @@
           </a:fontRef>
         </p:style>
         <p:txBody>
-          <a:bodyPr rtlCol="0" anchor="ctr"/>
+          <a:bodyPr anchor="ctr"/>
           <a:lstStyle>
             <a:extLst/>
           </a:lstStyle>
@@ -1182,60 +1061,6 @@
       </p:sp>
       <p:sp>
         <p:nvSpPr>
-          <p:cNvPr id="12" name="Rectangle 11"/>
-          <p:cNvSpPr/>
-          <p:nvPr/>
-        </p:nvSpPr>
-        <p:spPr bwMode="invGray">
-          <a:xfrm>
-            <a:off x="0" y="2602520"/>
-            <a:ext cx="9144000" cy="45720"/>
-          </a:xfrm>
-          <a:prstGeom prst="rect">
-            <a:avLst/>
-          </a:prstGeom>
-          <a:solidFill>
-            <a:srgbClr val="FFFFFF"/>
-          </a:solidFill>
-          <a:ln w="48000" cap="flat" cmpd="thickThin" algn="ctr">
-            <a:noFill/>
-            <a:prstDash val="solid"/>
-          </a:ln>
-          <a:effectLst>
-            <a:outerShdw blurRad="31750" dist="10160" dir="5400000" algn="tl" rotWithShape="0">
-              <a:srgbClr val="000000">
-                <a:alpha val="60000"/>
-              </a:srgbClr>
-            </a:outerShdw>
-          </a:effectLst>
-        </p:spPr>
-        <p:style>
-          <a:lnRef idx="2">
-            <a:schemeClr val="accent1"/>
-          </a:lnRef>
-          <a:fillRef idx="1">
-            <a:schemeClr val="accent1"/>
-          </a:fillRef>
-          <a:effectRef idx="0">
-            <a:schemeClr val="accent1"/>
-          </a:effectRef>
-          <a:fontRef idx="minor">
-            <a:schemeClr val="lt1"/>
-          </a:fontRef>
-        </p:style>
-        <p:txBody>
-          <a:bodyPr rtlCol="0" anchor="ctr"/>
-          <a:lstStyle>
-            <a:extLst/>
-          </a:lstStyle>
-          <a:p>
-            <a:pPr algn="ctr" eaLnBrk="1" latinLnBrk="0" hangingPunct="1"/>
-            <a:endParaRPr kumimoji="0" lang="en-US"/>
-          </a:p>
-        </p:txBody>
-      </p:sp>
-      <p:sp>
-        <p:nvSpPr>
           <p:cNvPr id="2" name="Titre 1"/>
           <p:cNvSpPr>
             <a:spLocks noGrp="1"/>
@@ -1246,26 +1071,19 @@
         </p:nvSpPr>
         <p:spPr>
           <a:xfrm>
-            <a:off x="749808" y="118872"/>
-            <a:ext cx="8013192" cy="1636776"/>
+            <a:off x="2578392" y="2600325"/>
+            <a:ext cx="6400800" cy="2286000"/>
           </a:xfrm>
         </p:spPr>
         <p:txBody>
-          <a:bodyPr vert="horz" lIns="91440" tIns="0" rIns="91440" bIns="0" rtlCol="0" anchor="b">
-            <a:normAutofit/>
-            <a:scene3d>
-              <a:camera prst="orthographicFront"/>
-              <a:lightRig rig="threePt" dir="t">
-                <a:rot lat="0" lon="0" rev="4800000"/>
-              </a:lightRig>
-            </a:scene3d>
-            <a:sp3d prstMaterial="matte">
-              <a:bevelT w="50800" h="10160"/>
-            </a:sp3d>
-          </a:bodyPr>
+          <a:bodyPr anchor="t"/>
           <a:lstStyle>
             <a:lvl1pPr algn="l">
-              <a:defRPr sz="4700" b="1" cap="none" baseline="0"/>
+              <a:lnSpc>
+                <a:spcPts val="4500"/>
+              </a:lnSpc>
+              <a:buNone/>
+              <a:defRPr sz="4000" b="1" cap="all"/>
             </a:lvl1pPr>
             <a:extLst/>
           </a:lstStyle>
@@ -1290,22 +1108,31 @@
         </p:nvSpPr>
         <p:spPr>
           <a:xfrm>
-            <a:off x="740664" y="1828800"/>
-            <a:ext cx="8022336" cy="685800"/>
+            <a:off x="2578392" y="1066800"/>
+            <a:ext cx="6400800" cy="1509712"/>
           </a:xfrm>
         </p:spPr>
         <p:txBody>
-          <a:bodyPr lIns="146304" tIns="0" rIns="45720" bIns="0" anchor="t"/>
-          <a:lstStyle>
-            <a:lvl1pPr marL="0" indent="0">
+          <a:bodyPr anchor="b"/>
+          <a:lstStyle>
+            <a:lvl1pPr marL="18288" indent="0">
+              <a:lnSpc>
+                <a:spcPts val="2300"/>
+              </a:lnSpc>
+              <a:spcBef>
+                <a:spcPts val="0"/>
+              </a:spcBef>
               <a:buNone/>
               <a:defRPr sz="2000">
                 <a:solidFill>
-                  <a:srgbClr val="FFFFFF"/>
+                  <a:schemeClr val="tx2">
+                    <a:shade val="30000"/>
+                    <a:satMod val="150000"/>
+                  </a:schemeClr>
                 </a:solidFill>
               </a:defRPr>
             </a:lvl1pPr>
-            <a:lvl2pPr marL="457200" indent="0">
+            <a:lvl2pPr>
               <a:buNone/>
               <a:defRPr sz="1800">
                 <a:solidFill>
@@ -1315,7 +1142,7 @@
                 </a:solidFill>
               </a:defRPr>
             </a:lvl2pPr>
-            <a:lvl3pPr marL="914400" indent="0">
+            <a:lvl3pPr>
               <a:buNone/>
               <a:defRPr sz="1600">
                 <a:solidFill>
@@ -1325,7 +1152,7 @@
                 </a:solidFill>
               </a:defRPr>
             </a:lvl3pPr>
-            <a:lvl4pPr marL="1371600" indent="0">
+            <a:lvl4pPr>
               <a:buNone/>
               <a:defRPr sz="1400">
                 <a:solidFill>
@@ -1335,7 +1162,7 @@
                 </a:solidFill>
               </a:defRPr>
             </a:lvl4pPr>
-            <a:lvl5pPr marL="1828800" indent="0">
+            <a:lvl5pPr>
               <a:buNone/>
               <a:defRPr sz="1400">
                 <a:solidFill>
@@ -1345,46 +1172,6 @@
                 </a:solidFill>
               </a:defRPr>
             </a:lvl5pPr>
-            <a:lvl6pPr marL="2286000" indent="0">
-              <a:buNone/>
-              <a:defRPr sz="1400">
-                <a:solidFill>
-                  <a:schemeClr val="tx1">
-                    <a:tint val="75000"/>
-                  </a:schemeClr>
-                </a:solidFill>
-              </a:defRPr>
-            </a:lvl6pPr>
-            <a:lvl7pPr marL="2743200" indent="0">
-              <a:buNone/>
-              <a:defRPr sz="1400">
-                <a:solidFill>
-                  <a:schemeClr val="tx1">
-                    <a:tint val="75000"/>
-                  </a:schemeClr>
-                </a:solidFill>
-              </a:defRPr>
-            </a:lvl7pPr>
-            <a:lvl8pPr marL="3200400" indent="0">
-              <a:buNone/>
-              <a:defRPr sz="1400">
-                <a:solidFill>
-                  <a:schemeClr val="tx1">
-                    <a:tint val="75000"/>
-                  </a:schemeClr>
-                </a:solidFill>
-              </a:defRPr>
-            </a:lvl8pPr>
-            <a:lvl9pPr marL="3657600" indent="0">
-              <a:buNone/>
-              <a:defRPr sz="1400">
-                <a:solidFill>
-                  <a:schemeClr val="tx1">
-                    <a:tint val="75000"/>
-                  </a:schemeClr>
-                </a:solidFill>
-              </a:defRPr>
-            </a:lvl9pPr>
             <a:extLst/>
           </a:lstStyle>
           <a:p>
@@ -1409,12 +1196,14 @@
         <p:spPr/>
         <p:txBody>
           <a:bodyPr/>
-          <a:lstStyle/>
+          <a:lstStyle>
+            <a:extLst/>
+          </a:lstStyle>
           <a:p>
             <a:fld id="{4A640E62-3FA3-431E-88CE-8557D458FA1E}" type="datetimeFigureOut">
               <a:rPr lang="it-CH" smtClean="0"/>
               <a:pPr/>
-              <a:t>07.06.2010</a:t>
+              <a:t>10.06.2010</a:t>
             </a:fld>
             <a:endParaRPr lang="it-CH"/>
           </a:p>
@@ -1433,7 +1222,9 @@
         <p:spPr/>
         <p:txBody>
           <a:bodyPr/>
-          <a:lstStyle/>
+          <a:lstStyle>
+            <a:extLst/>
+          </a:lstStyle>
           <a:p>
             <a:endParaRPr lang="it-CH"/>
           </a:p>
@@ -1452,7 +1243,9 @@
         <p:spPr/>
         <p:txBody>
           <a:bodyPr/>
-          <a:lstStyle/>
+          <a:lstStyle>
+            <a:extLst/>
+          </a:lstStyle>
           <a:p>
             <a:fld id="{2A040678-3833-4170-8A22-528EF1F96AE5}" type="slidenum">
               <a:rPr lang="it-CH" smtClean="0"/>
@@ -1463,10 +1256,204 @@
           </a:p>
         </p:txBody>
       </p:sp>
+      <p:sp>
+        <p:nvSpPr>
+          <p:cNvPr id="10" name="Rectangle 9"/>
+          <p:cNvSpPr/>
+          <p:nvPr/>
+        </p:nvSpPr>
+        <p:spPr bwMode="invGray">
+          <a:xfrm>
+            <a:off x="2286000" y="0"/>
+            <a:ext cx="76200" cy="6858054"/>
+          </a:xfrm>
+          <a:prstGeom prst="rect">
+            <a:avLst/>
+          </a:prstGeom>
+          <a:solidFill>
+            <a:schemeClr val="bg1"/>
+          </a:solidFill>
+          <a:ln w="25400" cap="rnd" cmpd="sng" algn="ctr">
+            <a:noFill/>
+            <a:prstDash val="solid"/>
+          </a:ln>
+          <a:effectLst>
+            <a:outerShdw blurRad="38550" dist="38000" dir="10800000" algn="tl" rotWithShape="0">
+              <a:schemeClr val="bg2">
+                <a:shade val="20000"/>
+                <a:satMod val="110000"/>
+                <a:alpha val="25000"/>
+              </a:schemeClr>
+            </a:outerShdw>
+          </a:effectLst>
+        </p:spPr>
+        <p:style>
+          <a:lnRef idx="3">
+            <a:schemeClr val="lt1"/>
+          </a:lnRef>
+          <a:fillRef idx="1">
+            <a:schemeClr val="accent1"/>
+          </a:fillRef>
+          <a:effectRef idx="1">
+            <a:schemeClr val="accent1"/>
+          </a:effectRef>
+          <a:fontRef idx="minor">
+            <a:schemeClr val="lt1"/>
+          </a:fontRef>
+        </p:style>
+        <p:txBody>
+          <a:bodyPr anchor="ctr"/>
+          <a:lstStyle>
+            <a:extLst/>
+          </a:lstStyle>
+          <a:p>
+            <a:pPr algn="ctr" eaLnBrk="1" latinLnBrk="0" hangingPunct="1"/>
+            <a:endParaRPr kumimoji="0" lang="en-US"/>
+          </a:p>
+        </p:txBody>
+      </p:sp>
+      <p:sp>
+        <p:nvSpPr>
+          <p:cNvPr id="8" name="Ellipse 7"/>
+          <p:cNvSpPr/>
+          <p:nvPr/>
+        </p:nvSpPr>
+        <p:spPr>
+          <a:xfrm>
+            <a:off x="2172321" y="2814656"/>
+            <a:ext cx="210312" cy="210312"/>
+          </a:xfrm>
+          <a:prstGeom prst="ellipse">
+            <a:avLst/>
+          </a:prstGeom>
+          <a:gradFill rotWithShape="1">
+            <a:gsLst>
+              <a:gs pos="0">
+                <a:schemeClr val="accent1">
+                  <a:tint val="20000"/>
+                  <a:satMod val="450000"/>
+                  <a:alpha val="95000"/>
+                </a:schemeClr>
+              </a:gs>
+              <a:gs pos="50000">
+                <a:schemeClr val="accent1">
+                  <a:tint val="38000"/>
+                  <a:satMod val="250000"/>
+                  <a:alpha val="90000"/>
+                </a:schemeClr>
+              </a:gs>
+              <a:gs pos="95000">
+                <a:schemeClr val="accent1">
+                  <a:tint val="75000"/>
+                  <a:satMod val="255000"/>
+                  <a:alpha val="88000"/>
+                </a:schemeClr>
+              </a:gs>
+              <a:gs pos="100000">
+                <a:schemeClr val="accent1">
+                  <a:tint val="100000"/>
+                  <a:shade val="90000"/>
+                  <a:satMod val="255000"/>
+                  <a:alpha val="85000"/>
+                </a:schemeClr>
+              </a:gs>
+            </a:gsLst>
+            <a:path path="circle">
+              <a:fillToRect l="25000" t="12500" r="75000" b="87500"/>
+            </a:path>
+          </a:gradFill>
+          <a:ln w="2000" cap="rnd" cmpd="sng" algn="ctr">
+            <a:solidFill>
+              <a:schemeClr val="accent1">
+                <a:shade val="90000"/>
+                <a:satMod val="110000"/>
+                <a:alpha val="60000"/>
+              </a:schemeClr>
+            </a:solidFill>
+            <a:prstDash val="solid"/>
+          </a:ln>
+          <a:effectLst/>
+        </p:spPr>
+        <p:style>
+          <a:lnRef idx="1">
+            <a:schemeClr val="accent1"/>
+          </a:lnRef>
+          <a:fillRef idx="2">
+            <a:schemeClr val="accent1"/>
+          </a:fillRef>
+          <a:effectRef idx="1">
+            <a:schemeClr val="accent1"/>
+          </a:effectRef>
+          <a:fontRef idx="minor">
+            <a:schemeClr val="dk1"/>
+          </a:fontRef>
+        </p:style>
+        <p:txBody>
+          <a:bodyPr anchor="ctr"/>
+          <a:lstStyle>
+            <a:extLst/>
+          </a:lstStyle>
+          <a:p>
+            <a:pPr algn="ctr" eaLnBrk="1" latinLnBrk="0" hangingPunct="1"/>
+            <a:endParaRPr kumimoji="0" lang="en-US"/>
+          </a:p>
+        </p:txBody>
+      </p:sp>
+      <p:sp>
+        <p:nvSpPr>
+          <p:cNvPr id="9" name="Ellipse 8"/>
+          <p:cNvSpPr/>
+          <p:nvPr/>
+        </p:nvSpPr>
+        <p:spPr>
+          <a:xfrm>
+            <a:off x="2408064" y="2745870"/>
+            <a:ext cx="64008" cy="64008"/>
+          </a:xfrm>
+          <a:prstGeom prst="ellipse">
+            <a:avLst/>
+          </a:prstGeom>
+          <a:noFill/>
+          <a:ln w="12700" cap="rnd" cmpd="sng" algn="ctr">
+            <a:solidFill>
+              <a:schemeClr val="accent1">
+                <a:shade val="75000"/>
+                <a:alpha val="60000"/>
+              </a:schemeClr>
+            </a:solidFill>
+            <a:prstDash val="solid"/>
+          </a:ln>
+          <a:effectLst/>
+        </p:spPr>
+        <p:style>
+          <a:lnRef idx="1">
+            <a:schemeClr val="accent1"/>
+          </a:lnRef>
+          <a:fillRef idx="2">
+            <a:schemeClr val="accent1"/>
+          </a:fillRef>
+          <a:effectRef idx="1">
+            <a:schemeClr val="accent1"/>
+          </a:effectRef>
+          <a:fontRef idx="minor">
+            <a:schemeClr val="dk1"/>
+          </a:fontRef>
+        </p:style>
+        <p:txBody>
+          <a:bodyPr anchor="ctr"/>
+          <a:lstStyle>
+            <a:extLst/>
+          </a:lstStyle>
+          <a:p>
+            <a:pPr algn="ctr" eaLnBrk="1" latinLnBrk="0" hangingPunct="1"/>
+            <a:endParaRPr kumimoji="0" lang="en-US"/>
+          </a:p>
+        </p:txBody>
+      </p:sp>
     </p:spTree>
   </p:cSld>
   <p:clrMapOvr>
-    <a:overrideClrMapping bg1="dk1" tx1="lt1" bg2="dk2" tx2="lt2" accent1="accent1" accent2="accent2" accent3="accent3" accent4="accent4" accent5="accent5" accent6="accent6" hlink="hlink" folHlink="folHlink"/>
+    <a:masterClrMapping/>
   </p:clrMapOvr>
 </p:sldLayout>
 </file>
@@ -1498,7 +1485,12 @@
             <p:ph type="title"/>
           </p:nvPr>
         </p:nvSpPr>
-        <p:spPr/>
+        <p:spPr>
+          <a:xfrm>
+            <a:off x="1435608" y="274320"/>
+            <a:ext cx="7498080" cy="1143000"/>
+          </a:xfrm>
+        </p:spPr>
         <p:txBody>
           <a:bodyPr/>
           <a:lstStyle>
@@ -1525,12 +1517,12 @@
         </p:nvSpPr>
         <p:spPr>
           <a:xfrm>
-            <a:off x="457200" y="1773936"/>
-            <a:ext cx="4038600" cy="4623816"/>
+            <a:off x="1435608" y="1524000"/>
+            <a:ext cx="3657600" cy="4663440"/>
           </a:xfrm>
         </p:spPr>
         <p:txBody>
-          <a:bodyPr lIns="91440"/>
+          <a:bodyPr/>
           <a:lstStyle>
             <a:lvl1pPr>
               <a:defRPr sz="2800"/>
@@ -1547,18 +1539,6 @@
             <a:lvl5pPr>
               <a:defRPr sz="1800"/>
             </a:lvl5pPr>
-            <a:lvl6pPr>
-              <a:defRPr sz="1800"/>
-            </a:lvl6pPr>
-            <a:lvl7pPr>
-              <a:defRPr sz="1800"/>
-            </a:lvl7pPr>
-            <a:lvl8pPr>
-              <a:defRPr sz="1800"/>
-            </a:lvl8pPr>
-            <a:lvl9pPr>
-              <a:defRPr sz="1800"/>
-            </a:lvl9pPr>
             <a:extLst/>
           </a:lstStyle>
           <a:p>
@@ -1611,8 +1591,8 @@
         </p:nvSpPr>
         <p:spPr>
           <a:xfrm>
-            <a:off x="4648200" y="1773936"/>
-            <a:ext cx="4038600" cy="4623816"/>
+            <a:off x="5276088" y="1524000"/>
+            <a:ext cx="3657600" cy="4663440"/>
           </a:xfrm>
         </p:spPr>
         <p:txBody>
@@ -1633,18 +1613,6 @@
             <a:lvl5pPr>
               <a:defRPr sz="1800"/>
             </a:lvl5pPr>
-            <a:lvl6pPr>
-              <a:defRPr sz="1800"/>
-            </a:lvl6pPr>
-            <a:lvl7pPr>
-              <a:defRPr sz="1800"/>
-            </a:lvl7pPr>
-            <a:lvl8pPr>
-              <a:defRPr sz="1800"/>
-            </a:lvl8pPr>
-            <a:lvl9pPr>
-              <a:defRPr sz="1800"/>
-            </a:lvl9pPr>
             <a:extLst/>
           </a:lstStyle>
           <a:p>
@@ -1698,12 +1666,14 @@
         <p:spPr/>
         <p:txBody>
           <a:bodyPr/>
-          <a:lstStyle/>
+          <a:lstStyle>
+            <a:extLst/>
+          </a:lstStyle>
           <a:p>
             <a:fld id="{4A640E62-3FA3-431E-88CE-8557D458FA1E}" type="datetimeFigureOut">
               <a:rPr lang="it-CH" smtClean="0"/>
               <a:pPr/>
-              <a:t>07.06.2010</a:t>
+              <a:t>10.06.2010</a:t>
             </a:fld>
             <a:endParaRPr lang="it-CH"/>
           </a:p>
@@ -1722,7 +1692,9 @@
         <p:spPr/>
         <p:txBody>
           <a:bodyPr/>
-          <a:lstStyle/>
+          <a:lstStyle>
+            <a:extLst/>
+          </a:lstStyle>
           <a:p>
             <a:endParaRPr lang="it-CH"/>
           </a:p>
@@ -1741,7 +1713,9 @@
         <p:spPr/>
         <p:txBody>
           <a:bodyPr/>
-          <a:lstStyle/>
+          <a:lstStyle>
+            <a:extLst/>
+          </a:lstStyle>
           <a:p>
             <a:fld id="{2A040678-3833-4170-8A22-528EF1F96AE5}" type="slidenum">
               <a:rPr lang="it-CH" smtClean="0"/>
@@ -1761,7 +1735,7 @@
 </file>
 
 <file path=ppt/slideLayouts/slideLayout5.xml><?xml version="1.0" encoding="utf-8"?>
-<p:sldLayout xmlns:a="http://schemas.openxmlformats.org/drawingml/2006/main" xmlns:r="http://schemas.openxmlformats.org/officeDocument/2006/relationships" xmlns:p="http://schemas.openxmlformats.org/presentationml/2006/main" type="twoTxTwoObj" preserve="1">
+<p:sldLayout xmlns:a="http://schemas.openxmlformats.org/drawingml/2006/main" xmlns:r="http://schemas.openxmlformats.org/officeDocument/2006/relationships" xmlns:p="http://schemas.openxmlformats.org/presentationml/2006/main" showMasterSp="0" type="twoTxTwoObj" preserve="1">
   <p:cSld name="Comparaison">
     <p:spTree>
       <p:nvGrpSpPr>
@@ -1787,12 +1761,17 @@
             <p:ph type="title"/>
           </p:nvPr>
         </p:nvSpPr>
-        <p:spPr/>
-        <p:txBody>
-          <a:bodyPr/>
-          <a:lstStyle>
-            <a:lvl1pPr>
-              <a:defRPr/>
+        <p:spPr>
+          <a:xfrm>
+            <a:off x="457200" y="5160336"/>
+            <a:ext cx="8229600" cy="1143000"/>
+          </a:xfrm>
+        </p:spPr>
+        <p:txBody>
+          <a:bodyPr anchor="ctr"/>
+          <a:lstStyle>
+            <a:lvl1pPr algn="ctr">
+              <a:defRPr sz="4500" b="1" cap="none" baseline="0"/>
             </a:lvl1pPr>
             <a:extLst/>
           </a:lstStyle>
@@ -1817,49 +1796,121 @@
         </p:nvSpPr>
         <p:spPr>
           <a:xfrm>
-            <a:off x="457200" y="1698987"/>
-            <a:ext cx="4040188" cy="715355"/>
+            <a:off x="457200" y="328278"/>
+            <a:ext cx="4023360" cy="640080"/>
           </a:xfrm>
+          <a:solidFill>
+            <a:schemeClr val="bg1"/>
+          </a:solidFill>
+          <a:ln w="10795">
+            <a:solidFill>
+              <a:schemeClr val="bg1"/>
+            </a:solidFill>
+            <a:miter lim="800000"/>
+          </a:ln>
         </p:spPr>
         <p:txBody>
-          <a:bodyPr lIns="146304" anchor="ctr"/>
-          <a:lstStyle>
-            <a:lvl1pPr marL="0" indent="0">
+          <a:bodyPr anchor="ctr"/>
+          <a:lstStyle>
+            <a:lvl1pPr marL="64008" indent="0" algn="l">
+              <a:lnSpc>
+                <a:spcPct val="100000"/>
+              </a:lnSpc>
+              <a:spcBef>
+                <a:spcPts val="100"/>
+              </a:spcBef>
               <a:buNone/>
-              <a:defRPr sz="2300" b="1" cap="all" baseline="0"/>
+              <a:defRPr sz="1900" b="0">
+                <a:solidFill>
+                  <a:schemeClr val="tx1"/>
+                </a:solidFill>
+              </a:defRPr>
             </a:lvl1pPr>
-            <a:lvl2pPr marL="457200" indent="0">
+            <a:lvl2pPr>
               <a:buNone/>
               <a:defRPr sz="2000" b="1"/>
             </a:lvl2pPr>
-            <a:lvl3pPr marL="914400" indent="0">
+            <a:lvl3pPr>
               <a:buNone/>
               <a:defRPr sz="1800" b="1"/>
             </a:lvl3pPr>
-            <a:lvl4pPr marL="1371600" indent="0">
+            <a:lvl4pPr>
               <a:buNone/>
               <a:defRPr sz="1600" b="1"/>
             </a:lvl4pPr>
-            <a:lvl5pPr marL="1828800" indent="0">
+            <a:lvl5pPr>
               <a:buNone/>
               <a:defRPr sz="1600" b="1"/>
             </a:lvl5pPr>
-            <a:lvl6pPr marL="2286000" indent="0">
+            <a:extLst/>
+          </a:lstStyle>
+          <a:p>
+            <a:pPr lvl="0" eaLnBrk="1" latinLnBrk="0" hangingPunct="1"/>
+            <a:r>
+              <a:rPr kumimoji="0" lang="fr-FR" smtClean="0"/>
+              <a:t>Cliquez pour modifier les styles du texte du masque</a:t>
+            </a:r>
+          </a:p>
+        </p:txBody>
+      </p:sp>
+      <p:sp>
+        <p:nvSpPr>
+          <p:cNvPr id="4" name="Espace réservé du texte 3"/>
+          <p:cNvSpPr>
+            <a:spLocks noGrp="1"/>
+          </p:cNvSpPr>
+          <p:nvPr>
+            <p:ph type="body" sz="half" idx="3"/>
+          </p:nvPr>
+        </p:nvSpPr>
+        <p:spPr>
+          <a:xfrm>
+            <a:off x="4663440" y="328278"/>
+            <a:ext cx="4023360" cy="640080"/>
+          </a:xfrm>
+          <a:solidFill>
+            <a:schemeClr val="bg1"/>
+          </a:solidFill>
+          <a:ln w="10795">
+            <a:solidFill>
+              <a:schemeClr val="bg1"/>
+            </a:solidFill>
+            <a:miter lim="800000"/>
+          </a:ln>
+        </p:spPr>
+        <p:txBody>
+          <a:bodyPr anchor="ctr"/>
+          <a:lstStyle>
+            <a:lvl1pPr marL="64008" indent="0" algn="l">
+              <a:lnSpc>
+                <a:spcPct val="100000"/>
+              </a:lnSpc>
+              <a:spcBef>
+                <a:spcPts val="100"/>
+              </a:spcBef>
+              <a:buNone/>
+              <a:defRPr sz="1900" b="0">
+                <a:solidFill>
+                  <a:schemeClr val="tx1"/>
+                </a:solidFill>
+              </a:defRPr>
+            </a:lvl1pPr>
+            <a:lvl2pPr>
+              <a:buNone/>
+              <a:defRPr sz="2000" b="1"/>
+            </a:lvl2pPr>
+            <a:lvl3pPr>
+              <a:buNone/>
+              <a:defRPr sz="1800" b="1"/>
+            </a:lvl3pPr>
+            <a:lvl4pPr>
               <a:buNone/>
               <a:defRPr sz="1600" b="1"/>
-            </a:lvl6pPr>
-            <a:lvl7pPr marL="2743200" indent="0">
+            </a:lvl4pPr>
+            <a:lvl5pPr>
               <a:buNone/>
               <a:defRPr sz="1600" b="1"/>
-            </a:lvl7pPr>
-            <a:lvl8pPr marL="3200400" indent="0">
-              <a:buNone/>
-              <a:defRPr sz="1600" b="1"/>
-            </a:lvl8pPr>
-            <a:lvl9pPr marL="3657600" indent="0">
-              <a:buNone/>
-              <a:defRPr sz="1600" b="1"/>
-            </a:lvl9pPr>
+            </a:lvl5pPr>
             <a:extLst/>
           </a:lstStyle>
           <a:p>
@@ -1873,50 +1924,75 @@
       </p:sp>
       <p:sp>
         <p:nvSpPr>
-          <p:cNvPr id="4" name="Espace réservé du contenu 3"/>
-          <p:cNvSpPr>
-            <a:spLocks noGrp="1"/>
-          </p:cNvSpPr>
-          <p:nvPr>
-            <p:ph sz="half" idx="2"/>
+          <p:cNvPr id="5" name="Espace réservé du contenu 4"/>
+          <p:cNvSpPr>
+            <a:spLocks noGrp="1"/>
+          </p:cNvSpPr>
+          <p:nvPr>
+            <p:ph sz="quarter" idx="2"/>
           </p:nvPr>
         </p:nvSpPr>
         <p:spPr>
           <a:xfrm>
-            <a:off x="457200" y="2449512"/>
-            <a:ext cx="4040188" cy="3951288"/>
+            <a:off x="457200" y="969336"/>
+            <a:ext cx="4023360" cy="4114800"/>
           </a:xfrm>
+          <a:ln w="10795">
+            <a:solidFill>
+              <a:schemeClr val="bg1"/>
+            </a:solidFill>
+            <a:prstDash val="dash"/>
+            <a:miter lim="800000"/>
+          </a:ln>
         </p:spPr>
         <p:txBody>
           <a:bodyPr/>
           <a:lstStyle>
-            <a:lvl1pPr>
+            <a:lvl1pPr marL="393192" indent="-274320">
+              <a:lnSpc>
+                <a:spcPct val="100000"/>
+              </a:lnSpc>
+              <a:spcBef>
+                <a:spcPts val="700"/>
+              </a:spcBef>
               <a:defRPr sz="2400"/>
             </a:lvl1pPr>
             <a:lvl2pPr>
+              <a:lnSpc>
+                <a:spcPct val="100000"/>
+              </a:lnSpc>
+              <a:spcBef>
+                <a:spcPts val="700"/>
+              </a:spcBef>
               <a:defRPr sz="2000"/>
             </a:lvl2pPr>
             <a:lvl3pPr>
+              <a:lnSpc>
+                <a:spcPct val="100000"/>
+              </a:lnSpc>
+              <a:spcBef>
+                <a:spcPts val="700"/>
+              </a:spcBef>
               <a:defRPr sz="1800"/>
             </a:lvl3pPr>
             <a:lvl4pPr>
+              <a:lnSpc>
+                <a:spcPct val="100000"/>
+              </a:lnSpc>
+              <a:spcBef>
+                <a:spcPts val="700"/>
+              </a:spcBef>
               <a:defRPr sz="1600"/>
             </a:lvl4pPr>
             <a:lvl5pPr>
+              <a:lnSpc>
+                <a:spcPct val="100000"/>
+              </a:lnSpc>
+              <a:spcBef>
+                <a:spcPts val="700"/>
+              </a:spcBef>
               <a:defRPr sz="1600"/>
             </a:lvl5pPr>
-            <a:lvl6pPr>
-              <a:defRPr sz="1600"/>
-            </a:lvl6pPr>
-            <a:lvl7pPr>
-              <a:defRPr sz="1600"/>
-            </a:lvl7pPr>
-            <a:lvl8pPr>
-              <a:defRPr sz="1600"/>
-            </a:lvl8pPr>
-            <a:lvl9pPr>
-              <a:defRPr sz="1600"/>
-            </a:lvl9pPr>
             <a:extLst/>
           </a:lstStyle>
           <a:p>
@@ -1959,116 +2035,75 @@
       </p:sp>
       <p:sp>
         <p:nvSpPr>
-          <p:cNvPr id="5" name="Espace réservé du texte 4"/>
-          <p:cNvSpPr>
-            <a:spLocks noGrp="1"/>
-          </p:cNvSpPr>
-          <p:nvPr>
-            <p:ph type="body" sz="quarter" idx="3"/>
+          <p:cNvPr id="6" name="Espace réservé du contenu 5"/>
+          <p:cNvSpPr>
+            <a:spLocks noGrp="1"/>
+          </p:cNvSpPr>
+          <p:nvPr>
+            <p:ph sz="quarter" idx="4"/>
           </p:nvPr>
         </p:nvSpPr>
         <p:spPr>
           <a:xfrm>
-            <a:off x="4645025" y="1698987"/>
-            <a:ext cx="4041775" cy="715355"/>
+            <a:off x="4663440" y="969336"/>
+            <a:ext cx="4023360" cy="4114800"/>
           </a:xfrm>
+          <a:ln w="10795">
+            <a:solidFill>
+              <a:schemeClr val="bg1"/>
+            </a:solidFill>
+            <a:prstDash val="dash"/>
+            <a:miter lim="800000"/>
+          </a:ln>
         </p:spPr>
         <p:txBody>
-          <a:bodyPr lIns="146304" anchor="ctr"/>
-          <a:lstStyle>
-            <a:lvl1pPr marL="0" indent="0">
-              <a:buNone/>
-              <a:defRPr sz="2300" b="1" cap="all" baseline="0"/>
-            </a:lvl1pPr>
-            <a:lvl2pPr marL="457200" indent="0">
-              <a:buNone/>
-              <a:defRPr sz="2000" b="1"/>
-            </a:lvl2pPr>
-            <a:lvl3pPr marL="914400" indent="0">
-              <a:buNone/>
-              <a:defRPr sz="1800" b="1"/>
-            </a:lvl3pPr>
-            <a:lvl4pPr marL="1371600" indent="0">
-              <a:buNone/>
-              <a:defRPr sz="1600" b="1"/>
-            </a:lvl4pPr>
-            <a:lvl5pPr marL="1828800" indent="0">
-              <a:buNone/>
-              <a:defRPr sz="1600" b="1"/>
-            </a:lvl5pPr>
-            <a:lvl6pPr marL="2286000" indent="0">
-              <a:buNone/>
-              <a:defRPr sz="1600" b="1"/>
-            </a:lvl6pPr>
-            <a:lvl7pPr marL="2743200" indent="0">
-              <a:buNone/>
-              <a:defRPr sz="1600" b="1"/>
-            </a:lvl7pPr>
-            <a:lvl8pPr marL="3200400" indent="0">
-              <a:buNone/>
-              <a:defRPr sz="1600" b="1"/>
-            </a:lvl8pPr>
-            <a:lvl9pPr marL="3657600" indent="0">
-              <a:buNone/>
-              <a:defRPr sz="1600" b="1"/>
-            </a:lvl9pPr>
-            <a:extLst/>
-          </a:lstStyle>
-          <a:p>
-            <a:pPr lvl="0" eaLnBrk="1" latinLnBrk="0" hangingPunct="1"/>
-            <a:r>
-              <a:rPr kumimoji="0" lang="fr-FR" smtClean="0"/>
-              <a:t>Cliquez pour modifier les styles du texte du masque</a:t>
-            </a:r>
-          </a:p>
-        </p:txBody>
-      </p:sp>
-      <p:sp>
-        <p:nvSpPr>
-          <p:cNvPr id="6" name="Espace réservé du contenu 5"/>
-          <p:cNvSpPr>
-            <a:spLocks noGrp="1"/>
-          </p:cNvSpPr>
-          <p:nvPr>
-            <p:ph sz="quarter" idx="4"/>
-          </p:nvPr>
-        </p:nvSpPr>
-        <p:spPr>
-          <a:xfrm>
-            <a:off x="4645025" y="2449512"/>
-            <a:ext cx="4041775" cy="3951288"/>
-          </a:xfrm>
-        </p:spPr>
-        <p:txBody>
-          <a:bodyPr/>
-          <a:lstStyle>
-            <a:lvl1pPr>
+          <a:bodyPr/>
+          <a:lstStyle>
+            <a:lvl1pPr marL="393192" indent="-274320">
+              <a:lnSpc>
+                <a:spcPct val="100000"/>
+              </a:lnSpc>
+              <a:spcBef>
+                <a:spcPts val="700"/>
+              </a:spcBef>
               <a:defRPr sz="2400"/>
             </a:lvl1pPr>
             <a:lvl2pPr>
+              <a:lnSpc>
+                <a:spcPct val="100000"/>
+              </a:lnSpc>
+              <a:spcBef>
+                <a:spcPts val="700"/>
+              </a:spcBef>
               <a:defRPr sz="2000"/>
             </a:lvl2pPr>
             <a:lvl3pPr>
+              <a:lnSpc>
+                <a:spcPct val="100000"/>
+              </a:lnSpc>
+              <a:spcBef>
+                <a:spcPts val="700"/>
+              </a:spcBef>
               <a:defRPr sz="1800"/>
             </a:lvl3pPr>
             <a:lvl4pPr>
+              <a:lnSpc>
+                <a:spcPct val="100000"/>
+              </a:lnSpc>
+              <a:spcBef>
+                <a:spcPts val="700"/>
+              </a:spcBef>
               <a:defRPr sz="1600"/>
             </a:lvl4pPr>
             <a:lvl5pPr>
+              <a:lnSpc>
+                <a:spcPct val="100000"/>
+              </a:lnSpc>
+              <a:spcBef>
+                <a:spcPts val="700"/>
+              </a:spcBef>
               <a:defRPr sz="1600"/>
             </a:lvl5pPr>
-            <a:lvl6pPr>
-              <a:defRPr sz="1600"/>
-            </a:lvl6pPr>
-            <a:lvl7pPr>
-              <a:defRPr sz="1600"/>
-            </a:lvl7pPr>
-            <a:lvl8pPr>
-              <a:defRPr sz="1600"/>
-            </a:lvl8pPr>
-            <a:lvl9pPr>
-              <a:defRPr sz="1600"/>
-            </a:lvl9pPr>
             <a:extLst/>
           </a:lstStyle>
           <a:p>
@@ -2122,12 +2157,14 @@
         <p:spPr/>
         <p:txBody>
           <a:bodyPr/>
-          <a:lstStyle/>
+          <a:lstStyle>
+            <a:extLst/>
+          </a:lstStyle>
           <a:p>
             <a:fld id="{4A640E62-3FA3-431E-88CE-8557D458FA1E}" type="datetimeFigureOut">
               <a:rPr lang="it-CH" smtClean="0"/>
               <a:pPr/>
-              <a:t>07.06.2010</a:t>
+              <a:t>10.06.2010</a:t>
             </a:fld>
             <a:endParaRPr lang="it-CH"/>
           </a:p>
@@ -2146,7 +2183,9 @@
         <p:spPr/>
         <p:txBody>
           <a:bodyPr/>
-          <a:lstStyle/>
+          <a:lstStyle>
+            <a:extLst/>
+          </a:lstStyle>
           <a:p>
             <a:endParaRPr lang="it-CH"/>
           </a:p>
@@ -2165,7 +2204,9 @@
         <p:spPr/>
         <p:txBody>
           <a:bodyPr/>
-          <a:lstStyle/>
+          <a:lstStyle>
+            <a:extLst/>
+          </a:lstStyle>
           <a:p>
             <a:fld id="{2A040678-3833-4170-8A22-528EF1F96AE5}" type="slidenum">
               <a:rPr lang="it-CH" smtClean="0"/>
@@ -2211,9 +2252,14 @@
             <p:ph type="title"/>
           </p:nvPr>
         </p:nvSpPr>
-        <p:spPr/>
-        <p:txBody>
-          <a:bodyPr/>
+        <p:spPr>
+          <a:xfrm>
+            <a:off x="1435608" y="274320"/>
+            <a:ext cx="7498080" cy="1143000"/>
+          </a:xfrm>
+        </p:spPr>
+        <p:txBody>
+          <a:bodyPr anchor="ctr"/>
           <a:lstStyle>
             <a:extLst/>
           </a:lstStyle>
@@ -2239,12 +2285,14 @@
         <p:spPr/>
         <p:txBody>
           <a:bodyPr/>
-          <a:lstStyle/>
+          <a:lstStyle>
+            <a:extLst/>
+          </a:lstStyle>
           <a:p>
             <a:fld id="{4A640E62-3FA3-431E-88CE-8557D458FA1E}" type="datetimeFigureOut">
               <a:rPr lang="it-CH" smtClean="0"/>
               <a:pPr/>
-              <a:t>07.06.2010</a:t>
+              <a:t>10.06.2010</a:t>
             </a:fld>
             <a:endParaRPr lang="it-CH"/>
           </a:p>
@@ -2263,7 +2311,9 @@
         <p:spPr/>
         <p:txBody>
           <a:bodyPr/>
-          <a:lstStyle/>
+          <a:lstStyle>
+            <a:extLst/>
+          </a:lstStyle>
           <a:p>
             <a:endParaRPr lang="it-CH"/>
           </a:p>
@@ -2282,7 +2332,9 @@
         <p:spPr/>
         <p:txBody>
           <a:bodyPr/>
-          <a:lstStyle/>
+          <a:lstStyle>
+            <a:extLst/>
+          </a:lstStyle>
           <a:p>
             <a:fld id="{2A040678-3833-4170-8A22-528EF1F96AE5}" type="slidenum">
               <a:rPr lang="it-CH" smtClean="0"/>
@@ -2320,6 +2372,54 @@
       </p:grpSpPr>
       <p:sp>
         <p:nvSpPr>
+          <p:cNvPr id="5" name="Rectangle 4"/>
+          <p:cNvSpPr/>
+          <p:nvPr/>
+        </p:nvSpPr>
+        <p:spPr>
+          <a:xfrm>
+            <a:off x="1014984" y="0"/>
+            <a:ext cx="8129016" cy="6858000"/>
+          </a:xfrm>
+          <a:prstGeom prst="rect">
+            <a:avLst/>
+          </a:prstGeom>
+          <a:solidFill>
+            <a:schemeClr val="bg1"/>
+          </a:solidFill>
+          <a:ln w="25400" cap="rnd" cmpd="sng" algn="ctr">
+            <a:noFill/>
+            <a:prstDash val="solid"/>
+          </a:ln>
+          <a:effectLst/>
+        </p:spPr>
+        <p:style>
+          <a:lnRef idx="3">
+            <a:schemeClr val="lt1"/>
+          </a:lnRef>
+          <a:fillRef idx="1">
+            <a:schemeClr val="accent1"/>
+          </a:fillRef>
+          <a:effectRef idx="1">
+            <a:schemeClr val="accent1"/>
+          </a:effectRef>
+          <a:fontRef idx="minor">
+            <a:schemeClr val="lt1"/>
+          </a:fontRef>
+        </p:style>
+        <p:txBody>
+          <a:bodyPr anchor="ctr"/>
+          <a:lstStyle>
+            <a:extLst/>
+          </a:lstStyle>
+          <a:p>
+            <a:pPr algn="ctr" eaLnBrk="1" latinLnBrk="0" hangingPunct="1"/>
+            <a:endParaRPr kumimoji="0" lang="en-US"/>
+          </a:p>
+        </p:txBody>
+      </p:sp>
+      <p:sp>
+        <p:nvSpPr>
           <p:cNvPr id="2" name="Espace réservé de la date 1"/>
           <p:cNvSpPr>
             <a:spLocks noGrp="1"/>
@@ -2331,12 +2431,14 @@
         <p:spPr/>
         <p:txBody>
           <a:bodyPr/>
-          <a:lstStyle/>
+          <a:lstStyle>
+            <a:extLst/>
+          </a:lstStyle>
           <a:p>
             <a:fld id="{4A640E62-3FA3-431E-88CE-8557D458FA1E}" type="datetimeFigureOut">
               <a:rPr lang="it-CH" smtClean="0"/>
               <a:pPr/>
-              <a:t>07.06.2010</a:t>
+              <a:t>10.06.2010</a:t>
             </a:fld>
             <a:endParaRPr lang="it-CH"/>
           </a:p>
@@ -2355,7 +2457,9 @@
         <p:spPr/>
         <p:txBody>
           <a:bodyPr/>
-          <a:lstStyle/>
+          <a:lstStyle>
+            <a:extLst/>
+          </a:lstStyle>
           <a:p>
             <a:endParaRPr lang="it-CH"/>
           </a:p>
@@ -2374,7 +2478,9 @@
         <p:spPr/>
         <p:txBody>
           <a:bodyPr/>
-          <a:lstStyle/>
+          <a:lstStyle>
+            <a:extLst/>
+          </a:lstStyle>
           <a:p>
             <a:fld id="{2A040678-3833-4170-8A22-528EF1F96AE5}" type="slidenum">
               <a:rPr lang="it-CH" smtClean="0"/>
@@ -2382,6 +2488,62 @@
               <a:t>‹N°›</a:t>
             </a:fld>
             <a:endParaRPr lang="it-CH"/>
+          </a:p>
+        </p:txBody>
+      </p:sp>
+      <p:sp>
+        <p:nvSpPr>
+          <p:cNvPr id="6" name="Rectangle 5"/>
+          <p:cNvSpPr/>
+          <p:nvPr/>
+        </p:nvSpPr>
+        <p:spPr bwMode="invGray">
+          <a:xfrm>
+            <a:off x="1014984" y="-54"/>
+            <a:ext cx="73152" cy="6858054"/>
+          </a:xfrm>
+          <a:prstGeom prst="rect">
+            <a:avLst/>
+          </a:prstGeom>
+          <a:solidFill>
+            <a:schemeClr val="bg1"/>
+          </a:solidFill>
+          <a:ln w="25400" cap="rnd" cmpd="sng" algn="ctr">
+            <a:noFill/>
+            <a:prstDash val="solid"/>
+          </a:ln>
+          <a:effectLst>
+            <a:outerShdw blurRad="38550" dist="38000" dir="10800000" algn="tl" rotWithShape="0">
+              <a:schemeClr val="bg2">
+                <a:shade val="20000"/>
+                <a:satMod val="110000"/>
+                <a:alpha val="25000"/>
+              </a:schemeClr>
+            </a:outerShdw>
+          </a:effectLst>
+        </p:spPr>
+        <p:style>
+          <a:lnRef idx="3">
+            <a:schemeClr val="lt1"/>
+          </a:lnRef>
+          <a:fillRef idx="1">
+            <a:schemeClr val="accent1"/>
+          </a:fillRef>
+          <a:effectRef idx="1">
+            <a:schemeClr val="accent1"/>
+          </a:effectRef>
+          <a:fontRef idx="minor">
+            <a:schemeClr val="lt1"/>
+          </a:fontRef>
+        </p:style>
+        <p:txBody>
+          <a:bodyPr anchor="ctr"/>
+          <a:lstStyle>
+            <a:extLst/>
+          </a:lstStyle>
+          <a:p>
+            <a:pPr algn="ctr" eaLnBrk="1" latinLnBrk="0" hangingPunct="1"/>
+            <a:endParaRPr kumimoji="0" lang="en-US"/>
           </a:p>
         </p:txBody>
       </p:sp>
@@ -2394,7 +2556,7 @@
 </file>
 
 <file path=ppt/slideLayouts/slideLayout8.xml><?xml version="1.0" encoding="utf-8"?>
-<p:sldLayout xmlns:a="http://schemas.openxmlformats.org/drawingml/2006/main" xmlns:r="http://schemas.openxmlformats.org/officeDocument/2006/relationships" xmlns:p="http://schemas.openxmlformats.org/presentationml/2006/main" type="objTx" preserve="1">
+<p:sldLayout xmlns:a="http://schemas.openxmlformats.org/drawingml/2006/main" xmlns:r="http://schemas.openxmlformats.org/officeDocument/2006/relationships" xmlns:p="http://schemas.openxmlformats.org/presentationml/2006/main" showMasterSp="0" type="objTx" preserve="1">
   <p:cSld name="Contenu avec légende">
     <p:spTree>
       <p:nvGrpSpPr>
@@ -2422,44 +2584,104 @@
         </p:nvSpPr>
         <p:spPr>
           <a:xfrm>
-            <a:off x="167838" y="152400"/>
-            <a:ext cx="2523744" cy="978408"/>
+            <a:off x="457200" y="216778"/>
+            <a:ext cx="3810000" cy="1162050"/>
+          </a:xfrm>
+          <a:ln>
+            <a:noFill/>
+          </a:ln>
+        </p:spPr>
+        <p:txBody>
+          <a:bodyPr anchor="b"/>
+          <a:lstStyle>
+            <a:lvl1pPr algn="l">
+              <a:lnSpc>
+                <a:spcPts val="2000"/>
+              </a:lnSpc>
+              <a:buNone/>
+              <a:defRPr sz="2200" b="1" cap="all" baseline="0"/>
+            </a:lvl1pPr>
+            <a:extLst/>
+          </a:lstStyle>
+          <a:p>
+            <a:r>
+              <a:rPr kumimoji="0" lang="fr-FR" smtClean="0"/>
+              <a:t>Cliquez pour modifier le style du titre</a:t>
+            </a:r>
+            <a:endParaRPr kumimoji="0" lang="en-US"/>
+          </a:p>
+        </p:txBody>
+      </p:sp>
+      <p:sp>
+        <p:nvSpPr>
+          <p:cNvPr id="3" name="Espace réservé du texte 2"/>
+          <p:cNvSpPr>
+            <a:spLocks noGrp="1"/>
+          </p:cNvSpPr>
+          <p:nvPr>
+            <p:ph type="body" idx="2"/>
+          </p:nvPr>
+        </p:nvSpPr>
+        <p:spPr>
+          <a:xfrm>
+            <a:off x="457200" y="1406964"/>
+            <a:ext cx="3810000" cy="698500"/>
           </a:xfrm>
         </p:spPr>
         <p:txBody>
-          <a:bodyPr vert="horz" lIns="73152" rIns="45720" bIns="0" rtlCol="0" anchor="b">
-            <a:normAutofit/>
-            <a:sp3d prstMaterial="matte"/>
-          </a:bodyPr>
-          <a:lstStyle>
-            <a:lvl1pPr algn="l">
-              <a:defRPr sz="2000" b="0"/>
+          <a:bodyPr/>
+          <a:lstStyle>
+            <a:lvl1pPr marL="45720" indent="0">
+              <a:lnSpc>
+                <a:spcPct val="100000"/>
+              </a:lnSpc>
+              <a:spcBef>
+                <a:spcPts val="0"/>
+              </a:spcBef>
+              <a:buNone/>
+              <a:defRPr sz="1400"/>
             </a:lvl1pPr>
-            <a:extLst/>
-          </a:lstStyle>
-          <a:p>
+            <a:lvl2pPr>
+              <a:buNone/>
+              <a:defRPr sz="1200"/>
+            </a:lvl2pPr>
+            <a:lvl3pPr>
+              <a:buNone/>
+              <a:defRPr sz="1000"/>
+            </a:lvl3pPr>
+            <a:lvl4pPr>
+              <a:buNone/>
+              <a:defRPr sz="900"/>
+            </a:lvl4pPr>
+            <a:lvl5pPr>
+              <a:buNone/>
+              <a:defRPr sz="900"/>
+            </a:lvl5pPr>
+            <a:extLst/>
+          </a:lstStyle>
+          <a:p>
+            <a:pPr lvl="0" eaLnBrk="1" latinLnBrk="0" hangingPunct="1"/>
             <a:r>
               <a:rPr kumimoji="0" lang="fr-FR" smtClean="0"/>
-              <a:t>Cliquez pour modifier le style du titre</a:t>
-            </a:r>
-            <a:endParaRPr kumimoji="0" lang="en-US"/>
-          </a:p>
-        </p:txBody>
-      </p:sp>
-      <p:sp>
-        <p:nvSpPr>
-          <p:cNvPr id="3" name="Espace réservé du contenu 2"/>
-          <p:cNvSpPr>
-            <a:spLocks noGrp="1"/>
-          </p:cNvSpPr>
-          <p:nvPr>
-            <p:ph idx="1"/>
+              <a:t>Cliquez pour modifier les styles du texte du masque</a:t>
+            </a:r>
+          </a:p>
+        </p:txBody>
+      </p:sp>
+      <p:sp>
+        <p:nvSpPr>
+          <p:cNvPr id="4" name="Espace réservé du contenu 3"/>
+          <p:cNvSpPr>
+            <a:spLocks noGrp="1"/>
+          </p:cNvSpPr>
+          <p:nvPr>
+            <p:ph sz="half" idx="1"/>
           </p:nvPr>
         </p:nvSpPr>
         <p:spPr>
           <a:xfrm>
-            <a:off x="3019377" y="1743133"/>
-            <a:ext cx="5920641" cy="4558885"/>
+            <a:off x="457200" y="2133600"/>
+            <a:ext cx="8153400" cy="3992563"/>
           </a:xfrm>
         </p:spPr>
         <p:txBody>
@@ -2480,18 +2702,6 @@
             <a:lvl5pPr>
               <a:defRPr sz="2000"/>
             </a:lvl5pPr>
-            <a:lvl6pPr>
-              <a:defRPr sz="2000"/>
-            </a:lvl6pPr>
-            <a:lvl7pPr>
-              <a:defRPr sz="2000"/>
-            </a:lvl7pPr>
-            <a:lvl8pPr>
-              <a:defRPr sz="2000"/>
-            </a:lvl8pPr>
-            <a:lvl9pPr>
-              <a:defRPr sz="2000"/>
-            </a:lvl9pPr>
             <a:extLst/>
           </a:lstStyle>
           <a:p>
@@ -2534,72 +2744,6 @@
       </p:sp>
       <p:sp>
         <p:nvSpPr>
-          <p:cNvPr id="4" name="Espace réservé du texte 3"/>
-          <p:cNvSpPr>
-            <a:spLocks noGrp="1"/>
-          </p:cNvSpPr>
-          <p:nvPr>
-            <p:ph type="body" sz="half" idx="2"/>
-          </p:nvPr>
-        </p:nvSpPr>
-        <p:spPr>
-          <a:xfrm>
-            <a:off x="167838" y="1730018"/>
-            <a:ext cx="2468880" cy="4572000"/>
-          </a:xfrm>
-        </p:spPr>
-        <p:txBody>
-          <a:bodyPr/>
-          <a:lstStyle>
-            <a:lvl1pPr marL="0" indent="0">
-              <a:buNone/>
-              <a:defRPr sz="1400"/>
-            </a:lvl1pPr>
-            <a:lvl2pPr marL="457200" indent="0">
-              <a:buNone/>
-              <a:defRPr sz="1200"/>
-            </a:lvl2pPr>
-            <a:lvl3pPr marL="914400" indent="0">
-              <a:buNone/>
-              <a:defRPr sz="1000"/>
-            </a:lvl3pPr>
-            <a:lvl4pPr marL="1371600" indent="0">
-              <a:buNone/>
-              <a:defRPr sz="900"/>
-            </a:lvl4pPr>
-            <a:lvl5pPr marL="1828800" indent="0">
-              <a:buNone/>
-              <a:defRPr sz="900"/>
-            </a:lvl5pPr>
-            <a:lvl6pPr marL="2286000" indent="0">
-              <a:buNone/>
-              <a:defRPr sz="900"/>
-            </a:lvl6pPr>
-            <a:lvl7pPr marL="2743200" indent="0">
-              <a:buNone/>
-              <a:defRPr sz="900"/>
-            </a:lvl7pPr>
-            <a:lvl8pPr marL="3200400" indent="0">
-              <a:buNone/>
-              <a:defRPr sz="900"/>
-            </a:lvl8pPr>
-            <a:lvl9pPr marL="3657600" indent="0">
-              <a:buNone/>
-              <a:defRPr sz="900"/>
-            </a:lvl9pPr>
-            <a:extLst/>
-          </a:lstStyle>
-          <a:p>
-            <a:pPr lvl="0" eaLnBrk="1" latinLnBrk="0" hangingPunct="1"/>
-            <a:r>
-              <a:rPr kumimoji="0" lang="fr-FR" smtClean="0"/>
-              <a:t>Cliquez pour modifier les styles du texte du masque</a:t>
-            </a:r>
-          </a:p>
-        </p:txBody>
-      </p:sp>
-      <p:sp>
-        <p:nvSpPr>
           <p:cNvPr id="5" name="Espace réservé de la date 4"/>
           <p:cNvSpPr>
             <a:spLocks noGrp="1"/>
@@ -2611,12 +2755,14 @@
         <p:spPr/>
         <p:txBody>
           <a:bodyPr/>
-          <a:lstStyle/>
+          <a:lstStyle>
+            <a:extLst/>
+          </a:lstStyle>
           <a:p>
             <a:fld id="{4A640E62-3FA3-431E-88CE-8557D458FA1E}" type="datetimeFigureOut">
               <a:rPr lang="it-CH" smtClean="0"/>
               <a:pPr/>
-              <a:t>07.06.2010</a:t>
+              <a:t>10.06.2010</a:t>
             </a:fld>
             <a:endParaRPr lang="it-CH"/>
           </a:p>
@@ -2635,7 +2781,9 @@
         <p:spPr/>
         <p:txBody>
           <a:bodyPr/>
-          <a:lstStyle/>
+          <a:lstStyle>
+            <a:extLst/>
+          </a:lstStyle>
           <a:p>
             <a:endParaRPr lang="it-CH"/>
           </a:p>
@@ -2654,7 +2802,9 @@
         <p:spPr/>
         <p:txBody>
           <a:bodyPr/>
-          <a:lstStyle/>
+          <a:lstStyle>
+            <a:extLst/>
+          </a:lstStyle>
           <a:p>
             <a:fld id="{2A040678-3833-4170-8A22-528EF1F96AE5}" type="slidenum">
               <a:rPr lang="it-CH" smtClean="0"/>
@@ -2662,100 +2812,6 @@
               <a:t>‹N°›</a:t>
             </a:fld>
             <a:endParaRPr lang="it-CH"/>
-          </a:p>
-        </p:txBody>
-      </p:sp>
-      <p:sp>
-        <p:nvSpPr>
-          <p:cNvPr id="12" name="Rectangle 11"/>
-          <p:cNvSpPr/>
-          <p:nvPr/>
-        </p:nvSpPr>
-        <p:spPr bwMode="invGray">
-          <a:xfrm>
-            <a:off x="2855737" y="0"/>
-            <a:ext cx="45720" cy="1453896"/>
-          </a:xfrm>
-          <a:prstGeom prst="rect">
-            <a:avLst/>
-          </a:prstGeom>
-          <a:solidFill>
-            <a:srgbClr val="FFFFFF"/>
-          </a:solidFill>
-          <a:ln w="48000" cap="flat" cmpd="thickThin" algn="ctr">
-            <a:noFill/>
-            <a:prstDash val="solid"/>
-          </a:ln>
-        </p:spPr>
-        <p:style>
-          <a:lnRef idx="2">
-            <a:schemeClr val="accent1"/>
-          </a:lnRef>
-          <a:fillRef idx="1">
-            <a:schemeClr val="accent1"/>
-          </a:fillRef>
-          <a:effectRef idx="0">
-            <a:schemeClr val="accent1"/>
-          </a:effectRef>
-          <a:fontRef idx="minor">
-            <a:schemeClr val="lt1"/>
-          </a:fontRef>
-        </p:style>
-        <p:txBody>
-          <a:bodyPr rtlCol="0" anchor="ctr"/>
-          <a:lstStyle>
-            <a:extLst/>
-          </a:lstStyle>
-          <a:p>
-            <a:pPr algn="ctr" eaLnBrk="1" latinLnBrk="0" hangingPunct="1"/>
-            <a:endParaRPr kumimoji="0" lang="en-US"/>
-          </a:p>
-        </p:txBody>
-      </p:sp>
-      <p:sp>
-        <p:nvSpPr>
-          <p:cNvPr id="9" name="Rectangle 8"/>
-          <p:cNvSpPr/>
-          <p:nvPr/>
-        </p:nvSpPr>
-        <p:spPr bwMode="invGray">
-          <a:xfrm>
-            <a:off x="2855737" y="0"/>
-            <a:ext cx="45720" cy="1453896"/>
-          </a:xfrm>
-          <a:prstGeom prst="rect">
-            <a:avLst/>
-          </a:prstGeom>
-          <a:solidFill>
-            <a:srgbClr val="FFFFFF"/>
-          </a:solidFill>
-          <a:ln w="48000" cap="flat" cmpd="thickThin" algn="ctr">
-            <a:noFill/>
-            <a:prstDash val="solid"/>
-          </a:ln>
-        </p:spPr>
-        <p:style>
-          <a:lnRef idx="2">
-            <a:schemeClr val="accent1"/>
-          </a:lnRef>
-          <a:fillRef idx="1">
-            <a:schemeClr val="accent1"/>
-          </a:fillRef>
-          <a:effectRef idx="0">
-            <a:schemeClr val="accent1"/>
-          </a:effectRef>
-          <a:fontRef idx="minor">
-            <a:schemeClr val="lt1"/>
-          </a:fontRef>
-        </p:style>
-        <p:txBody>
-          <a:bodyPr rtlCol="0" anchor="ctr"/>
-          <a:lstStyle>
-            <a:extLst/>
-          </a:lstStyle>
-          <a:p>
-            <a:pPr algn="ctr" eaLnBrk="1" latinLnBrk="0" hangingPunct="1"/>
-            <a:endParaRPr kumimoji="0" lang="en-US"/>
           </a:p>
         </p:txBody>
       </p:sp>
@@ -2768,10 +2824,448 @@
 </file>
 
 <file path=ppt/slideLayouts/slideLayout9.xml><?xml version="1.0" encoding="utf-8"?>
-<p:sldLayout xmlns:a="http://schemas.openxmlformats.org/drawingml/2006/main" xmlns:r="http://schemas.openxmlformats.org/officeDocument/2006/relationships" xmlns:p="http://schemas.openxmlformats.org/presentationml/2006/main" type="picTx" preserve="1">
+<p:sldLayout xmlns:a="http://schemas.openxmlformats.org/drawingml/2006/main" xmlns:r="http://schemas.openxmlformats.org/officeDocument/2006/relationships" xmlns:p="http://schemas.openxmlformats.org/presentationml/2006/main" showMasterSp="0" type="picTx" preserve="1">
   <p:cSld name="Image avec légende">
+    <p:spTree>
+      <p:nvGrpSpPr>
+        <p:cNvPr id="1" name=""/>
+        <p:cNvGrpSpPr/>
+        <p:nvPr/>
+      </p:nvGrpSpPr>
+      <p:grpSpPr>
+        <a:xfrm>
+          <a:off x="0" y="0"/>
+          <a:ext cx="0" cy="0"/>
+          <a:chOff x="0" y="0"/>
+          <a:chExt cx="0" cy="0"/>
+        </a:xfrm>
+      </p:grpSpPr>
+      <p:sp>
+        <p:nvSpPr>
+          <p:cNvPr id="2" name="Titre 1"/>
+          <p:cNvSpPr>
+            <a:spLocks noGrp="1"/>
+          </p:cNvSpPr>
+          <p:nvPr>
+            <p:ph type="title"/>
+          </p:nvPr>
+        </p:nvSpPr>
+        <p:spPr>
+          <a:xfrm>
+            <a:off x="5886896" y="1066800"/>
+            <a:ext cx="2743200" cy="1981200"/>
+          </a:xfrm>
+        </p:spPr>
+        <p:txBody>
+          <a:bodyPr anchor="b">
+            <a:noAutofit/>
+          </a:bodyPr>
+          <a:lstStyle>
+            <a:lvl1pPr algn="l">
+              <a:buNone/>
+              <a:defRPr sz="2100" b="1">
+                <a:effectLst/>
+              </a:defRPr>
+            </a:lvl1pPr>
+            <a:extLst/>
+          </a:lstStyle>
+          <a:p>
+            <a:r>
+              <a:rPr kumimoji="0" lang="fr-FR" smtClean="0"/>
+              <a:t>Cliquez pour modifier le style du titre</a:t>
+            </a:r>
+            <a:endParaRPr kumimoji="0" lang="en-US"/>
+          </a:p>
+        </p:txBody>
+      </p:sp>
+      <p:sp>
+        <p:nvSpPr>
+          <p:cNvPr id="5" name="Espace réservé de la date 4"/>
+          <p:cNvSpPr>
+            <a:spLocks noGrp="1"/>
+          </p:cNvSpPr>
+          <p:nvPr>
+            <p:ph type="dt" sz="half" idx="10"/>
+          </p:nvPr>
+        </p:nvSpPr>
+        <p:spPr/>
+        <p:txBody>
+          <a:bodyPr/>
+          <a:lstStyle>
+            <a:extLst/>
+          </a:lstStyle>
+          <a:p>
+            <a:fld id="{4A640E62-3FA3-431E-88CE-8557D458FA1E}" type="datetimeFigureOut">
+              <a:rPr lang="it-CH" smtClean="0"/>
+              <a:pPr/>
+              <a:t>10.06.2010</a:t>
+            </a:fld>
+            <a:endParaRPr lang="it-CH"/>
+          </a:p>
+        </p:txBody>
+      </p:sp>
+      <p:sp>
+        <p:nvSpPr>
+          <p:cNvPr id="6" name="Espace réservé du pied de page 5"/>
+          <p:cNvSpPr>
+            <a:spLocks noGrp="1"/>
+          </p:cNvSpPr>
+          <p:nvPr>
+            <p:ph type="ftr" sz="quarter" idx="11"/>
+          </p:nvPr>
+        </p:nvSpPr>
+        <p:spPr/>
+        <p:txBody>
+          <a:bodyPr/>
+          <a:lstStyle>
+            <a:extLst/>
+          </a:lstStyle>
+          <a:p>
+            <a:endParaRPr lang="it-CH"/>
+          </a:p>
+        </p:txBody>
+      </p:sp>
+      <p:sp>
+        <p:nvSpPr>
+          <p:cNvPr id="7" name="Espace réservé du numéro de diapositive 6"/>
+          <p:cNvSpPr>
+            <a:spLocks noGrp="1"/>
+          </p:cNvSpPr>
+          <p:nvPr>
+            <p:ph type="sldNum" sz="quarter" idx="12"/>
+          </p:nvPr>
+        </p:nvSpPr>
+        <p:spPr/>
+        <p:txBody>
+          <a:bodyPr/>
+          <a:lstStyle>
+            <a:extLst/>
+          </a:lstStyle>
+          <a:p>
+            <a:fld id="{2A040678-3833-4170-8A22-528EF1F96AE5}" type="slidenum">
+              <a:rPr lang="it-CH" smtClean="0"/>
+              <a:pPr/>
+              <a:t>‹N°›</a:t>
+            </a:fld>
+            <a:endParaRPr lang="it-CH"/>
+          </a:p>
+        </p:txBody>
+      </p:sp>
+      <p:sp>
+        <p:nvSpPr>
+          <p:cNvPr id="8" name="Rectangle 7"/>
+          <p:cNvSpPr/>
+          <p:nvPr/>
+        </p:nvSpPr>
+        <p:spPr>
+          <a:xfrm>
+            <a:off x="762000" y="1066800"/>
+            <a:ext cx="4572000" cy="4572000"/>
+          </a:xfrm>
+          <a:prstGeom prst="rect">
+            <a:avLst/>
+          </a:prstGeom>
+          <a:solidFill>
+            <a:srgbClr val="FFFFFF"/>
+          </a:solidFill>
+          <a:ln w="88900" cap="sq">
+            <a:solidFill>
+              <a:srgbClr val="FFFFFF"/>
+            </a:solidFill>
+            <a:miter lim="800000"/>
+          </a:ln>
+          <a:effectLst>
+            <a:outerShdw blurRad="55500" dist="18500" dir="5400000" algn="tl" rotWithShape="0">
+              <a:srgbClr val="000000">
+                <a:alpha val="35000"/>
+              </a:srgbClr>
+            </a:outerShdw>
+          </a:effectLst>
+          <a:scene3d>
+            <a:camera prst="orthographicFront"/>
+            <a:lightRig rig="twoPt" dir="t">
+              <a:rot lat="0" lon="0" rev="7200000"/>
+            </a:lightRig>
+          </a:scene3d>
+          <a:sp3d contourW="635">
+            <a:bevelT w="25400" h="19050"/>
+            <a:contourClr>
+              <a:srgbClr val="969696"/>
+            </a:contourClr>
+          </a:sp3d>
+        </p:spPr>
+        <p:txBody>
+          <a:bodyPr lIns="91440" tIns="274320" rtlCol="0" anchor="t">
+            <a:normAutofit/>
+          </a:bodyPr>
+          <a:lstStyle>
+            <a:extLst/>
+          </a:lstStyle>
+          <a:p>
+            <a:pPr marL="0" indent="-283464" algn="l" rtl="0" eaLnBrk="1" latinLnBrk="0" hangingPunct="1">
+              <a:lnSpc>
+                <a:spcPts val="3000"/>
+              </a:lnSpc>
+              <a:spcBef>
+                <a:spcPts val="600"/>
+              </a:spcBef>
+              <a:buClr>
+                <a:schemeClr val="accent1"/>
+              </a:buClr>
+              <a:buSzPct val="80000"/>
+              <a:buFont typeface="Wingdings 2"/>
+              <a:buNone/>
+            </a:pPr>
+            <a:endParaRPr kumimoji="0" lang="en-US" sz="3200" kern="1200">
+              <a:solidFill>
+                <a:schemeClr val="tx1"/>
+              </a:solidFill>
+              <a:latin typeface="+mn-lt"/>
+              <a:ea typeface="+mn-ea"/>
+              <a:cs typeface="+mn-cs"/>
+            </a:endParaRPr>
+          </a:p>
+        </p:txBody>
+      </p:sp>
+      <p:sp>
+        <p:nvSpPr>
+          <p:cNvPr id="3" name="Espace réservé pour une image  2"/>
+          <p:cNvSpPr>
+            <a:spLocks noGrp="1"/>
+          </p:cNvSpPr>
+          <p:nvPr>
+            <p:ph type="pic" idx="1"/>
+          </p:nvPr>
+        </p:nvSpPr>
+        <p:spPr>
+          <a:xfrm>
+            <a:off x="838200" y="1143003"/>
+            <a:ext cx="4419600" cy="3514531"/>
+          </a:xfrm>
+          <a:prstGeom prst="roundRect">
+            <a:avLst>
+              <a:gd name="adj" fmla="val 783"/>
+            </a:avLst>
+          </a:prstGeom>
+          <a:solidFill>
+            <a:schemeClr val="bg2"/>
+          </a:solidFill>
+          <a:ln w="127000">
+            <a:noFill/>
+            <a:miter lim="800000"/>
+          </a:ln>
+          <a:effectLst/>
+        </p:spPr>
+        <p:txBody>
+          <a:bodyPr lIns="91440" tIns="274320" anchor="t"/>
+          <a:lstStyle>
+            <a:lvl1pPr indent="0">
+              <a:buNone/>
+              <a:defRPr sz="3200"/>
+            </a:lvl1pPr>
+            <a:extLst/>
+          </a:lstStyle>
+          <a:p>
+            <a:pPr marL="0" algn="l" eaLnBrk="1" latinLnBrk="0" hangingPunct="1"/>
+            <a:r>
+              <a:rPr kumimoji="0" lang="fr-FR" smtClean="0"/>
+              <a:t>Cliquez sur l'icône pour ajouter une image</a:t>
+            </a:r>
+            <a:endParaRPr kumimoji="0" lang="en-US" dirty="0"/>
+          </a:p>
+        </p:txBody>
+      </p:sp>
+      <p:sp>
+        <p:nvSpPr>
+          <p:cNvPr id="9" name="Organigramme : Processus 8"/>
+          <p:cNvSpPr/>
+          <p:nvPr/>
+        </p:nvSpPr>
+        <p:spPr>
+          <a:xfrm rot="19468671">
+            <a:off x="396725" y="954341"/>
+            <a:ext cx="685800" cy="204310"/>
+          </a:xfrm>
+          <a:prstGeom prst="flowChartProcess">
+            <a:avLst/>
+          </a:prstGeom>
+          <a:solidFill>
+            <a:srgbClr val="FBFBFB">
+              <a:alpha val="45098"/>
+            </a:srgbClr>
+          </a:solidFill>
+          <a:ln w="6350" cap="rnd" cmpd="sng" algn="ctr">
+            <a:solidFill>
+              <a:srgbClr val="FFFFFF">
+                <a:alpha val="100000"/>
+              </a:srgbClr>
+            </a:solidFill>
+            <a:prstDash val="solid"/>
+          </a:ln>
+          <a:effectLst>
+            <a:outerShdw blurRad="25400" dist="25400" dir="3300000" sx="96000" sy="96000" algn="tl" rotWithShape="0">
+              <a:schemeClr val="bg2">
+                <a:shade val="90000"/>
+                <a:satMod val="200000"/>
+                <a:alpha val="40000"/>
+              </a:schemeClr>
+            </a:outerShdw>
+          </a:effectLst>
+        </p:spPr>
+        <p:style>
+          <a:lnRef idx="3">
+            <a:schemeClr val="lt1"/>
+          </a:lnRef>
+          <a:fillRef idx="1">
+            <a:schemeClr val="accent1"/>
+          </a:fillRef>
+          <a:effectRef idx="1">
+            <a:schemeClr val="accent1"/>
+          </a:effectRef>
+          <a:fontRef idx="minor">
+            <a:schemeClr val="lt1"/>
+          </a:fontRef>
+        </p:style>
+        <p:txBody>
+          <a:bodyPr anchor="ctr"/>
+          <a:lstStyle>
+            <a:extLst/>
+          </a:lstStyle>
+          <a:p>
+            <a:pPr algn="ctr" eaLnBrk="1" latinLnBrk="0" hangingPunct="1"/>
+            <a:endParaRPr kumimoji="0" lang="en-US"/>
+          </a:p>
+        </p:txBody>
+      </p:sp>
+      <p:sp>
+        <p:nvSpPr>
+          <p:cNvPr id="10" name="Organigramme : Processus 9"/>
+          <p:cNvSpPr/>
+          <p:nvPr/>
+        </p:nvSpPr>
+        <p:spPr>
+          <a:xfrm rot="2103354" flipH="1">
+            <a:off x="5003667" y="936786"/>
+            <a:ext cx="649224" cy="204310"/>
+          </a:xfrm>
+          <a:prstGeom prst="flowChartProcess">
+            <a:avLst/>
+          </a:prstGeom>
+          <a:solidFill>
+            <a:srgbClr val="FBFBFB">
+              <a:alpha val="45098"/>
+            </a:srgbClr>
+          </a:solidFill>
+          <a:ln w="6350" cap="rnd" cmpd="sng" algn="ctr">
+            <a:solidFill>
+              <a:srgbClr val="FFFFFF">
+                <a:alpha val="100000"/>
+              </a:srgbClr>
+            </a:solidFill>
+            <a:prstDash val="solid"/>
+          </a:ln>
+          <a:effectLst>
+            <a:outerShdw blurRad="25400" dist="25400" dir="3300000" sx="96000" sy="96000" algn="tl" rotWithShape="0">
+              <a:schemeClr val="bg2">
+                <a:alpha val="20000"/>
+              </a:schemeClr>
+            </a:outerShdw>
+          </a:effectLst>
+        </p:spPr>
+        <p:style>
+          <a:lnRef idx="3">
+            <a:schemeClr val="lt1"/>
+          </a:lnRef>
+          <a:fillRef idx="1">
+            <a:schemeClr val="accent1"/>
+          </a:fillRef>
+          <a:effectRef idx="1">
+            <a:schemeClr val="accent1"/>
+          </a:effectRef>
+          <a:fontRef idx="minor">
+            <a:schemeClr val="lt1"/>
+          </a:fontRef>
+        </p:style>
+        <p:txBody>
+          <a:bodyPr anchor="ctr"/>
+          <a:lstStyle>
+            <a:extLst/>
+          </a:lstStyle>
+          <a:p>
+            <a:pPr algn="ctr" eaLnBrk="1" latinLnBrk="0" hangingPunct="1"/>
+            <a:endParaRPr kumimoji="0" lang="en-US" dirty="0"/>
+          </a:p>
+        </p:txBody>
+      </p:sp>
+      <p:sp>
+        <p:nvSpPr>
+          <p:cNvPr id="4" name="Espace réservé du texte 3"/>
+          <p:cNvSpPr>
+            <a:spLocks noGrp="1"/>
+          </p:cNvSpPr>
+          <p:nvPr>
+            <p:ph type="body" sz="half" idx="2"/>
+          </p:nvPr>
+        </p:nvSpPr>
+        <p:spPr>
+          <a:xfrm>
+            <a:off x="838200" y="4800600"/>
+            <a:ext cx="4419600" cy="762000"/>
+          </a:xfrm>
+        </p:spPr>
+        <p:txBody>
+          <a:bodyPr anchor="ctr"/>
+          <a:lstStyle>
+            <a:lvl1pPr marL="0" indent="0" algn="l">
+              <a:lnSpc>
+                <a:spcPts val="1600"/>
+              </a:lnSpc>
+              <a:spcBef>
+                <a:spcPts val="0"/>
+              </a:spcBef>
+              <a:buNone/>
+              <a:defRPr sz="1400">
+                <a:solidFill>
+                  <a:srgbClr val="777777"/>
+                </a:solidFill>
+              </a:defRPr>
+            </a:lvl1pPr>
+            <a:lvl2pPr>
+              <a:defRPr sz="1200"/>
+            </a:lvl2pPr>
+            <a:lvl3pPr>
+              <a:defRPr sz="1000"/>
+            </a:lvl3pPr>
+            <a:lvl4pPr>
+              <a:defRPr sz="900"/>
+            </a:lvl4pPr>
+            <a:lvl5pPr>
+              <a:defRPr sz="900"/>
+            </a:lvl5pPr>
+            <a:extLst/>
+          </a:lstStyle>
+          <a:p>
+            <a:pPr lvl="0" eaLnBrk="1" latinLnBrk="0" hangingPunct="1"/>
+            <a:r>
+              <a:rPr kumimoji="0" lang="fr-FR" smtClean="0"/>
+              <a:t>Cliquez pour modifier les styles du texte du masque</a:t>
+            </a:r>
+          </a:p>
+        </p:txBody>
+      </p:sp>
+    </p:spTree>
+  </p:cSld>
+  <p:clrMapOvr>
+    <a:masterClrMapping/>
+  </p:clrMapOvr>
+</p:sldLayout>
+</file>
+
+<file path=ppt/slideMasters/slideMaster1.xml><?xml version="1.0" encoding="utf-8"?>
+<p:sldMaster xmlns:a="http://schemas.openxmlformats.org/drawingml/2006/main" xmlns:r="http://schemas.openxmlformats.org/officeDocument/2006/relationships" xmlns:p="http://schemas.openxmlformats.org/presentationml/2006/main">
+  <p:cSld>
     <p:bg>
-      <p:bgRef idx="1001">
+      <p:bgRef idx="1003">
         <a:schemeClr val="bg2"/>
       </p:bgRef>
     </p:bg>
@@ -2791,235 +3285,48 @@
       </p:grpSpPr>
       <p:sp>
         <p:nvSpPr>
-          <p:cNvPr id="2" name="Titre 1"/>
-          <p:cNvSpPr>
-            <a:spLocks noGrp="1"/>
-          </p:cNvSpPr>
-          <p:nvPr>
-            <p:ph type="title"/>
-          </p:nvPr>
+          <p:cNvPr id="7" name="Secteurs 6"/>
+          <p:cNvSpPr/>
+          <p:nvPr/>
         </p:nvSpPr>
         <p:spPr>
           <a:xfrm>
-            <a:off x="164592" y="155448"/>
-            <a:ext cx="2525150" cy="978408"/>
+            <a:off x="-815927" y="-815922"/>
+            <a:ext cx="1638887" cy="1638887"/>
           </a:xfrm>
-        </p:spPr>
-        <p:txBody>
-          <a:bodyPr lIns="73152" bIns="0" anchor="b">
-            <a:sp3d prstMaterial="matte"/>
-          </a:bodyPr>
-          <a:lstStyle>
-            <a:lvl1pPr algn="l">
-              <a:defRPr sz="2000" b="0"/>
-            </a:lvl1pPr>
-            <a:extLst/>
-          </a:lstStyle>
-          <a:p>
-            <a:r>
-              <a:rPr kumimoji="0" lang="fr-FR" smtClean="0"/>
-              <a:t>Cliquez pour modifier le style du titre</a:t>
-            </a:r>
-            <a:endParaRPr kumimoji="0" lang="en-US"/>
-          </a:p>
-        </p:txBody>
-      </p:sp>
-      <p:sp>
-        <p:nvSpPr>
-          <p:cNvPr id="3" name="Espace réservé pour une image  2"/>
-          <p:cNvSpPr>
-            <a:spLocks noGrp="1"/>
-          </p:cNvSpPr>
-          <p:nvPr>
-            <p:ph type="pic" idx="1"/>
-          </p:nvPr>
-        </p:nvSpPr>
-        <p:spPr>
-          <a:xfrm>
-            <a:off x="2903805" y="1484808"/>
-            <a:ext cx="6247397" cy="5373192"/>
-          </a:xfrm>
+          <a:prstGeom prst="pie">
+            <a:avLst>
+              <a:gd name="adj1" fmla="val 0"/>
+              <a:gd name="adj2" fmla="val 5402120"/>
+            </a:avLst>
+          </a:prstGeom>
           <a:solidFill>
             <a:schemeClr val="bg2">
-              <a:shade val="75000"/>
+              <a:tint val="18000"/>
+              <a:satMod val="220000"/>
+              <a:alpha val="33000"/>
             </a:schemeClr>
           </a:solidFill>
-        </p:spPr>
-        <p:txBody>
-          <a:bodyPr/>
-          <a:lstStyle>
-            <a:lvl1pPr marL="0" indent="0">
-              <a:buNone/>
-              <a:defRPr sz="3200"/>
-            </a:lvl1pPr>
-            <a:lvl2pPr marL="457200" indent="0">
-              <a:buNone/>
-              <a:defRPr sz="2800"/>
-            </a:lvl2pPr>
-            <a:lvl3pPr marL="914400" indent="0">
-              <a:buNone/>
-              <a:defRPr sz="2400"/>
-            </a:lvl3pPr>
-            <a:lvl4pPr marL="1371600" indent="0">
-              <a:buNone/>
-              <a:defRPr sz="2000"/>
-            </a:lvl4pPr>
-            <a:lvl5pPr marL="1828800" indent="0">
-              <a:buNone/>
-              <a:defRPr sz="2000"/>
-            </a:lvl5pPr>
-            <a:lvl6pPr marL="2286000" indent="0">
-              <a:buNone/>
-              <a:defRPr sz="2000"/>
-            </a:lvl6pPr>
-            <a:lvl7pPr marL="2743200" indent="0">
-              <a:buNone/>
-              <a:defRPr sz="2000"/>
-            </a:lvl7pPr>
-            <a:lvl8pPr marL="3200400" indent="0">
-              <a:buNone/>
-              <a:defRPr sz="2000"/>
-            </a:lvl8pPr>
-            <a:lvl9pPr marL="3657600" indent="0">
-              <a:buNone/>
-              <a:defRPr sz="2000"/>
-            </a:lvl9pPr>
-            <a:extLst/>
-          </a:lstStyle>
-          <a:p>
-            <a:r>
-              <a:rPr kumimoji="0" lang="fr-FR" smtClean="0"/>
-              <a:t>Cliquez sur l'icône pour ajouter une image</a:t>
-            </a:r>
-            <a:endParaRPr kumimoji="0" lang="en-US" dirty="0"/>
-          </a:p>
-        </p:txBody>
-      </p:sp>
-      <p:sp>
-        <p:nvSpPr>
-          <p:cNvPr id="4" name="Espace réservé du texte 3"/>
-          <p:cNvSpPr>
-            <a:spLocks noGrp="1"/>
-          </p:cNvSpPr>
-          <p:nvPr>
-            <p:ph type="body" sz="half" idx="2"/>
-          </p:nvPr>
-        </p:nvSpPr>
-        <p:spPr>
-          <a:xfrm>
-            <a:off x="164592" y="1728216"/>
-            <a:ext cx="2468880" cy="4572000"/>
-          </a:xfrm>
-        </p:spPr>
-        <p:txBody>
-          <a:bodyPr/>
-          <a:lstStyle>
-            <a:lvl1pPr marL="0" indent="0">
-              <a:buNone/>
-              <a:defRPr sz="1400"/>
-            </a:lvl1pPr>
-            <a:lvl2pPr marL="457200" indent="0">
-              <a:buNone/>
-              <a:defRPr sz="1200"/>
-            </a:lvl2pPr>
-            <a:lvl3pPr marL="914400" indent="0">
-              <a:buNone/>
-              <a:defRPr sz="1000"/>
-            </a:lvl3pPr>
-            <a:lvl4pPr marL="1371600" indent="0">
-              <a:buNone/>
-              <a:defRPr sz="900"/>
-            </a:lvl4pPr>
-            <a:lvl5pPr marL="1828800" indent="0">
-              <a:buNone/>
-              <a:defRPr sz="900"/>
-            </a:lvl5pPr>
-            <a:lvl6pPr marL="2286000" indent="0">
-              <a:buNone/>
-              <a:defRPr sz="900"/>
-            </a:lvl6pPr>
-            <a:lvl7pPr marL="2743200" indent="0">
-              <a:buNone/>
-              <a:defRPr sz="900"/>
-            </a:lvl7pPr>
-            <a:lvl8pPr marL="3200400" indent="0">
-              <a:buNone/>
-              <a:defRPr sz="900"/>
-            </a:lvl8pPr>
-            <a:lvl9pPr marL="3657600" indent="0">
-              <a:buNone/>
-              <a:defRPr sz="900"/>
-            </a:lvl9pPr>
-            <a:extLst/>
-          </a:lstStyle>
-          <a:p>
-            <a:pPr lvl="0" eaLnBrk="1" latinLnBrk="0" hangingPunct="1"/>
-            <a:r>
-              <a:rPr kumimoji="0" lang="fr-FR" smtClean="0"/>
-              <a:t>Cliquez pour modifier les styles du texte du masque</a:t>
-            </a:r>
-          </a:p>
-        </p:txBody>
-      </p:sp>
-      <p:sp>
-        <p:nvSpPr>
-          <p:cNvPr id="5" name="Espace réservé de la date 4"/>
-          <p:cNvSpPr>
-            <a:spLocks noGrp="1"/>
-          </p:cNvSpPr>
-          <p:nvPr>
-            <p:ph type="dt" sz="half" idx="10"/>
-          </p:nvPr>
-        </p:nvSpPr>
-        <p:spPr>
-          <a:xfrm>
-            <a:off x="164592" y="1170432"/>
-            <a:ext cx="2523744" cy="201168"/>
-          </a:xfrm>
-        </p:spPr>
-        <p:txBody>
-          <a:bodyPr/>
-          <a:lstStyle/>
-          <a:p>
-            <a:fld id="{4A640E62-3FA3-431E-88CE-8557D458FA1E}" type="datetimeFigureOut">
-              <a:rPr lang="it-CH" smtClean="0"/>
-              <a:pPr/>
-              <a:t>07.06.2010</a:t>
-            </a:fld>
-            <a:endParaRPr lang="it-CH"/>
-          </a:p>
-        </p:txBody>
-      </p:sp>
-      <p:sp>
-        <p:nvSpPr>
-          <p:cNvPr id="11" name="Rectangle 10"/>
-          <p:cNvSpPr/>
-          <p:nvPr/>
-        </p:nvSpPr>
-        <p:spPr>
-          <a:xfrm>
-            <a:off x="2855737" y="0"/>
-            <a:ext cx="45720" cy="6858000"/>
-          </a:xfrm>
-          <a:prstGeom prst="rect">
-            <a:avLst/>
-          </a:prstGeom>
-          <a:solidFill>
-            <a:srgbClr val="FFFFFF"/>
-          </a:solidFill>
-          <a:ln w="48000" cap="flat" cmpd="thickThin" algn="ctr">
-            <a:noFill/>
+          <a:ln w="3175" cap="rnd" cmpd="sng" algn="ctr">
+            <a:solidFill>
+              <a:schemeClr val="bg2">
+                <a:shade val="70000"/>
+                <a:satMod val="200000"/>
+                <a:alpha val="100000"/>
+              </a:schemeClr>
+            </a:solidFill>
             <a:prstDash val="solid"/>
           </a:ln>
+          <a:effectLst/>
         </p:spPr>
         <p:style>
-          <a:lnRef idx="2">
-            <a:schemeClr val="accent1"/>
+          <a:lnRef idx="3">
+            <a:schemeClr val="lt1"/>
           </a:lnRef>
           <a:fillRef idx="1">
             <a:schemeClr val="accent1"/>
           </a:fillRef>
-          <a:effectRef idx="0">
+          <a:effectRef idx="1">
             <a:schemeClr val="accent1"/>
           </a:effectRef>
           <a:fontRef idx="minor">
@@ -3027,7 +3334,7 @@
           </a:fontRef>
         </p:style>
         <p:txBody>
-          <a:bodyPr rtlCol="0" anchor="ctr"/>
+          <a:bodyPr anchor="ctr"/>
           <a:lstStyle>
             <a:extLst/>
           </a:lstStyle>
@@ -3039,34 +3346,47 @@
       </p:sp>
       <p:sp>
         <p:nvSpPr>
-          <p:cNvPr id="9" name="Rectangle 8"/>
+          <p:cNvPr id="8" name="Ellipse 7"/>
           <p:cNvSpPr/>
           <p:nvPr/>
         </p:nvSpPr>
-        <p:spPr bwMode="invGray">
+        <p:spPr>
           <a:xfrm>
-            <a:off x="2855737" y="0"/>
-            <a:ext cx="45720" cy="6858000"/>
+            <a:off x="168816" y="21102"/>
+            <a:ext cx="1702191" cy="1702191"/>
           </a:xfrm>
-          <a:prstGeom prst="rect">
+          <a:prstGeom prst="ellipse">
             <a:avLst/>
           </a:prstGeom>
-          <a:solidFill>
-            <a:srgbClr val="FFFFFF"/>
-          </a:solidFill>
-          <a:ln w="48000" cap="flat" cmpd="thickThin" algn="ctr">
-            <a:noFill/>
+          <a:noFill/>
+          <a:ln w="27305" cap="rnd" cmpd="sng" algn="ctr">
+            <a:solidFill>
+              <a:schemeClr val="bg2">
+                <a:tint val="45000"/>
+                <a:satMod val="325000"/>
+                <a:alpha val="100000"/>
+              </a:schemeClr>
+            </a:solidFill>
             <a:prstDash val="solid"/>
           </a:ln>
+          <a:effectLst>
+            <a:outerShdw blurRad="25400" dist="25400" dir="5400000" algn="tl" rotWithShape="0">
+              <a:schemeClr val="bg2">
+                <a:shade val="50000"/>
+                <a:satMod val="150000"/>
+                <a:alpha val="85000"/>
+              </a:schemeClr>
+            </a:outerShdw>
+          </a:effectLst>
         </p:spPr>
         <p:style>
-          <a:lnRef idx="2">
-            <a:schemeClr val="accent1"/>
+          <a:lnRef idx="3">
+            <a:schemeClr val="lt1"/>
           </a:lnRef>
           <a:fillRef idx="1">
             <a:schemeClr val="accent1"/>
           </a:fillRef>
-          <a:effectRef idx="0">
+          <a:effectRef idx="1">
             <a:schemeClr val="accent1"/>
           </a:effectRef>
           <a:fontRef idx="minor">
@@ -3074,7 +3394,7 @@
           </a:fontRef>
         </p:style>
         <p:txBody>
-          <a:bodyPr rtlCol="0" anchor="ctr"/>
+          <a:bodyPr anchor="ctr"/>
           <a:lstStyle>
             <a:extLst/>
           </a:lstStyle>
@@ -3086,57 +3406,362 @@
       </p:sp>
       <p:sp>
         <p:nvSpPr>
-          <p:cNvPr id="6" name="Espace réservé du pied de page 5"/>
-          <p:cNvSpPr>
-            <a:spLocks noGrp="1"/>
-          </p:cNvSpPr>
-          <p:nvPr>
-            <p:ph type="ftr" sz="quarter" idx="11"/>
-          </p:nvPr>
+          <p:cNvPr id="11" name="Bouée 10"/>
+          <p:cNvSpPr/>
+          <p:nvPr/>
+        </p:nvSpPr>
+        <p:spPr>
+          <a:xfrm rot="2315675">
+            <a:off x="182881" y="1055077"/>
+            <a:ext cx="1125717" cy="1102624"/>
+          </a:xfrm>
+          <a:prstGeom prst="donut">
+            <a:avLst>
+              <a:gd name="adj" fmla="val 11833"/>
+            </a:avLst>
+          </a:prstGeom>
+          <a:gradFill rotWithShape="1">
+            <a:gsLst>
+              <a:gs pos="0">
+                <a:schemeClr val="bg2">
+                  <a:tint val="10000"/>
+                  <a:shade val="99000"/>
+                  <a:satMod val="355000"/>
+                  <a:alpha val="70000"/>
+                </a:schemeClr>
+              </a:gs>
+              <a:gs pos="70000">
+                <a:schemeClr val="bg2">
+                  <a:tint val="6000"/>
+                  <a:shade val="100000"/>
+                  <a:satMod val="400000"/>
+                  <a:alpha val="55000"/>
+                </a:schemeClr>
+              </a:gs>
+              <a:gs pos="100000">
+                <a:schemeClr val="bg2">
+                  <a:tint val="100000"/>
+                  <a:shade val="75000"/>
+                  <a:satMod val="370000"/>
+                  <a:alpha val="60000"/>
+                </a:schemeClr>
+              </a:gs>
+            </a:gsLst>
+            <a:path path="circle">
+              <a:fillToRect l="-407500" t="-50000" r="507500" b="150000"/>
+            </a:path>
+          </a:gradFill>
+          <a:ln w="7350" cap="rnd" cmpd="sng" algn="ctr">
+            <a:solidFill>
+              <a:schemeClr val="bg2">
+                <a:shade val="60000"/>
+                <a:satMod val="220000"/>
+                <a:alpha val="100000"/>
+              </a:schemeClr>
+            </a:solidFill>
+            <a:prstDash val="solid"/>
+          </a:ln>
+          <a:effectLst>
+            <a:outerShdw blurRad="12700" dist="15000" dir="4500000" algn="tl" rotWithShape="0">
+              <a:schemeClr val="bg2">
+                <a:shade val="10000"/>
+                <a:satMod val="200000"/>
+                <a:alpha val="35000"/>
+              </a:schemeClr>
+            </a:outerShdw>
+          </a:effectLst>
+        </p:spPr>
+        <p:style>
+          <a:lnRef idx="3">
+            <a:schemeClr val="lt1"/>
+          </a:lnRef>
+          <a:fillRef idx="1">
+            <a:schemeClr val="accent1"/>
+          </a:fillRef>
+          <a:effectRef idx="1">
+            <a:schemeClr val="accent1"/>
+          </a:effectRef>
+          <a:fontRef idx="minor">
+            <a:schemeClr val="lt1"/>
+          </a:fontRef>
+        </p:style>
+        <p:txBody>
+          <a:bodyPr anchor="ctr"/>
+          <a:lstStyle>
+            <a:extLst/>
+          </a:lstStyle>
+          <a:p>
+            <a:pPr algn="ctr" eaLnBrk="1" latinLnBrk="0" hangingPunct="1"/>
+            <a:endParaRPr kumimoji="0" lang="en-US"/>
+          </a:p>
+        </p:txBody>
+      </p:sp>
+      <p:sp>
+        <p:nvSpPr>
+          <p:cNvPr id="12" name="Rectangle 11"/>
+          <p:cNvSpPr/>
+          <p:nvPr/>
         </p:nvSpPr>
         <p:spPr>
           <a:xfrm>
-            <a:off x="3035808" y="1170432"/>
-            <a:ext cx="5193792" cy="201168"/>
+            <a:off x="1012873" y="-54"/>
+            <a:ext cx="8131127" cy="6858054"/>
           </a:xfrm>
+          <a:prstGeom prst="rect">
+            <a:avLst/>
+          </a:prstGeom>
+          <a:solidFill>
+            <a:schemeClr val="bg1"/>
+          </a:solidFill>
+          <a:ln w="25400" cap="rnd" cmpd="sng" algn="ctr">
+            <a:noFill/>
+            <a:prstDash val="solid"/>
+          </a:ln>
+          <a:effectLst/>
         </p:spPr>
-        <p:txBody>
-          <a:bodyPr/>
-          <a:lstStyle>
-            <a:lvl1pPr>
-              <a:defRPr>
+        <p:style>
+          <a:lnRef idx="3">
+            <a:schemeClr val="lt1"/>
+          </a:lnRef>
+          <a:fillRef idx="1">
+            <a:schemeClr val="accent1"/>
+          </a:fillRef>
+          <a:effectRef idx="1">
+            <a:schemeClr val="accent1"/>
+          </a:effectRef>
+          <a:fontRef idx="minor">
+            <a:schemeClr val="lt1"/>
+          </a:fontRef>
+        </p:style>
+        <p:txBody>
+          <a:bodyPr anchor="ctr"/>
+          <a:lstStyle>
+            <a:extLst/>
+          </a:lstStyle>
+          <a:p>
+            <a:pPr algn="ctr" eaLnBrk="1" latinLnBrk="0" hangingPunct="1"/>
+            <a:endParaRPr kumimoji="0" lang="en-US"/>
+          </a:p>
+        </p:txBody>
+      </p:sp>
+      <p:sp>
+        <p:nvSpPr>
+          <p:cNvPr id="5" name="Espace réservé du titre 4"/>
+          <p:cNvSpPr>
+            <a:spLocks noGrp="1"/>
+          </p:cNvSpPr>
+          <p:nvPr>
+            <p:ph type="title"/>
+          </p:nvPr>
+        </p:nvSpPr>
+        <p:spPr>
+          <a:xfrm>
+            <a:off x="1435608" y="274638"/>
+            <a:ext cx="7498080" cy="1143000"/>
+          </a:xfrm>
+          <a:prstGeom prst="rect">
+            <a:avLst/>
+          </a:prstGeom>
+        </p:spPr>
+        <p:txBody>
+          <a:bodyPr anchor="ctr">
+            <a:normAutofit/>
+          </a:bodyPr>
+          <a:lstStyle>
+            <a:extLst/>
+          </a:lstStyle>
+          <a:p>
+            <a:r>
+              <a:rPr kumimoji="0" lang="fr-FR" smtClean="0"/>
+              <a:t>Cliquez pour modifier le style du titre</a:t>
+            </a:r>
+            <a:endParaRPr kumimoji="0" lang="en-US"/>
+          </a:p>
+        </p:txBody>
+      </p:sp>
+      <p:sp>
+        <p:nvSpPr>
+          <p:cNvPr id="9" name="Espace réservé du texte 8"/>
+          <p:cNvSpPr>
+            <a:spLocks noGrp="1"/>
+          </p:cNvSpPr>
+          <p:nvPr>
+            <p:ph type="body" idx="1"/>
+          </p:nvPr>
+        </p:nvSpPr>
+        <p:spPr>
+          <a:xfrm>
+            <a:off x="1435608" y="1447800"/>
+            <a:ext cx="7498080" cy="4800600"/>
+          </a:xfrm>
+          <a:prstGeom prst="rect">
+            <a:avLst/>
+          </a:prstGeom>
+        </p:spPr>
+        <p:txBody>
+          <a:bodyPr>
+            <a:normAutofit/>
+          </a:bodyPr>
+          <a:lstStyle>
+            <a:extLst/>
+          </a:lstStyle>
+          <a:p>
+            <a:pPr lvl="0" eaLnBrk="1" latinLnBrk="0" hangingPunct="1"/>
+            <a:r>
+              <a:rPr kumimoji="0" lang="fr-FR" smtClean="0"/>
+              <a:t>Cliquez pour modifier les styles du texte du masque</a:t>
+            </a:r>
+          </a:p>
+          <a:p>
+            <a:pPr lvl="1" eaLnBrk="1" latinLnBrk="0" hangingPunct="1"/>
+            <a:r>
+              <a:rPr kumimoji="0" lang="fr-FR" smtClean="0"/>
+              <a:t>Deuxième niveau</a:t>
+            </a:r>
+          </a:p>
+          <a:p>
+            <a:pPr lvl="2" eaLnBrk="1" latinLnBrk="0" hangingPunct="1"/>
+            <a:r>
+              <a:rPr kumimoji="0" lang="fr-FR" smtClean="0"/>
+              <a:t>Troisième niveau</a:t>
+            </a:r>
+          </a:p>
+          <a:p>
+            <a:pPr lvl="3" eaLnBrk="1" latinLnBrk="0" hangingPunct="1"/>
+            <a:r>
+              <a:rPr kumimoji="0" lang="fr-FR" smtClean="0"/>
+              <a:t>Quatrième niveau</a:t>
+            </a:r>
+          </a:p>
+          <a:p>
+            <a:pPr lvl="4" eaLnBrk="1" latinLnBrk="0" hangingPunct="1"/>
+            <a:r>
+              <a:rPr kumimoji="0" lang="fr-FR" smtClean="0"/>
+              <a:t>Cinquième niveau</a:t>
+            </a:r>
+            <a:endParaRPr kumimoji="0" lang="en-US"/>
+          </a:p>
+        </p:txBody>
+      </p:sp>
+      <p:sp>
+        <p:nvSpPr>
+          <p:cNvPr id="24" name="Espace réservé de la date 23"/>
+          <p:cNvSpPr>
+            <a:spLocks noGrp="1"/>
+          </p:cNvSpPr>
+          <p:nvPr>
+            <p:ph type="dt" sz="half" idx="2"/>
+          </p:nvPr>
+        </p:nvSpPr>
+        <p:spPr>
+          <a:xfrm>
+            <a:off x="3581400" y="6305550"/>
+            <a:ext cx="2133600" cy="476250"/>
+          </a:xfrm>
+          <a:prstGeom prst="rect">
+            <a:avLst/>
+          </a:prstGeom>
+        </p:spPr>
+        <p:txBody>
+          <a:bodyPr anchor="b"/>
+          <a:lstStyle>
+            <a:lvl1pPr algn="r" eaLnBrk="1" latinLnBrk="0" hangingPunct="1">
+              <a:defRPr kumimoji="0" sz="1200">
                 <a:solidFill>
-                  <a:schemeClr val="bg1">
+                  <a:schemeClr val="bg2">
                     <a:shade val="50000"/>
+                    <a:satMod val="200000"/>
                   </a:schemeClr>
                 </a:solidFill>
               </a:defRPr>
             </a:lvl1pPr>
-          </a:lstStyle>
-          <a:p>
+            <a:extLst/>
+          </a:lstStyle>
+          <a:p>
+            <a:fld id="{4A640E62-3FA3-431E-88CE-8557D458FA1E}" type="datetimeFigureOut">
+              <a:rPr lang="it-CH" smtClean="0"/>
+              <a:pPr/>
+              <a:t>10.06.2010</a:t>
+            </a:fld>
             <a:endParaRPr lang="it-CH"/>
           </a:p>
         </p:txBody>
       </p:sp>
       <p:sp>
         <p:nvSpPr>
-          <p:cNvPr id="7" name="Espace réservé du numéro de diapositive 6"/>
-          <p:cNvSpPr>
-            <a:spLocks noGrp="1"/>
-          </p:cNvSpPr>
-          <p:nvPr>
-            <p:ph type="sldNum" sz="quarter" idx="12"/>
+          <p:cNvPr id="10" name="Espace réservé du pied de page 9"/>
+          <p:cNvSpPr>
+            <a:spLocks noGrp="1"/>
+          </p:cNvSpPr>
+          <p:nvPr>
+            <p:ph type="ftr" sz="quarter" idx="3"/>
           </p:nvPr>
         </p:nvSpPr>
         <p:spPr>
           <a:xfrm>
-            <a:off x="8339328" y="1170432"/>
-            <a:ext cx="733864" cy="201168"/>
+            <a:off x="5715000" y="6305550"/>
+            <a:ext cx="2895600" cy="476250"/>
           </a:xfrm>
+          <a:prstGeom prst="rect">
+            <a:avLst/>
+          </a:prstGeom>
         </p:spPr>
         <p:txBody>
-          <a:bodyPr/>
-          <a:lstStyle/>
+          <a:bodyPr anchor="b"/>
+          <a:lstStyle>
+            <a:lvl1pPr eaLnBrk="1" latinLnBrk="0" hangingPunct="1">
+              <a:defRPr kumimoji="0" sz="1200">
+                <a:solidFill>
+                  <a:schemeClr val="bg2">
+                    <a:shade val="50000"/>
+                    <a:satMod val="200000"/>
+                  </a:schemeClr>
+                </a:solidFill>
+                <a:effectLst/>
+              </a:defRPr>
+            </a:lvl1pPr>
+            <a:extLst/>
+          </a:lstStyle>
+          <a:p>
+            <a:endParaRPr lang="it-CH"/>
+          </a:p>
+        </p:txBody>
+      </p:sp>
+      <p:sp>
+        <p:nvSpPr>
+          <p:cNvPr id="22" name="Espace réservé du numéro de diapositive 21"/>
+          <p:cNvSpPr>
+            <a:spLocks noGrp="1"/>
+          </p:cNvSpPr>
+          <p:nvPr>
+            <p:ph type="sldNum" sz="quarter" idx="4"/>
+          </p:nvPr>
+        </p:nvSpPr>
+        <p:spPr>
+          <a:xfrm>
+            <a:off x="8613648" y="6305550"/>
+            <a:ext cx="457200" cy="476250"/>
+          </a:xfrm>
+          <a:prstGeom prst="rect">
+            <a:avLst/>
+          </a:prstGeom>
+        </p:spPr>
+        <p:txBody>
+          <a:bodyPr anchor="b"/>
+          <a:lstStyle>
+            <a:lvl1pPr algn="ctr" eaLnBrk="1" latinLnBrk="0" hangingPunct="1">
+              <a:defRPr kumimoji="0" sz="1200">
+                <a:solidFill>
+                  <a:schemeClr val="bg2">
+                    <a:shade val="50000"/>
+                    <a:satMod val="200000"/>
+                  </a:schemeClr>
+                </a:solidFill>
+                <a:effectLst/>
+              </a:defRPr>
+            </a:lvl1pPr>
+            <a:extLst/>
+          </a:lstStyle>
           <a:p>
             <a:fld id="{2A040678-3833-4170-8A22-528EF1F96AE5}" type="slidenum">
               <a:rPr lang="it-CH" smtClean="0"/>
@@ -3147,73 +3772,45 @@
           </a:p>
         </p:txBody>
       </p:sp>
-    </p:spTree>
-  </p:cSld>
-  <p:clrMapOvr>
-    <a:overrideClrMapping bg1="lt1" tx1="dk1" bg2="lt2" tx2="dk2" accent1="accent1" accent2="accent2" accent3="accent3" accent4="accent4" accent5="accent5" accent6="accent6" hlink="hlink" folHlink="folHlink"/>
-  </p:clrMapOvr>
-</p:sldLayout>
-</file>
-
-<file path=ppt/slideMasters/slideMaster1.xml><?xml version="1.0" encoding="utf-8"?>
-<p:sldMaster xmlns:a="http://schemas.openxmlformats.org/drawingml/2006/main" xmlns:r="http://schemas.openxmlformats.org/officeDocument/2006/relationships" xmlns:p="http://schemas.openxmlformats.org/presentationml/2006/main">
-  <p:cSld>
-    <p:bg>
-      <p:bgRef idx="1001">
-        <a:schemeClr val="bg1"/>
-      </p:bgRef>
-    </p:bg>
-    <p:spTree>
-      <p:nvGrpSpPr>
-        <p:cNvPr id="1" name=""/>
-        <p:cNvGrpSpPr/>
-        <p:nvPr/>
-      </p:nvGrpSpPr>
-      <p:grpSpPr>
-        <a:xfrm>
-          <a:off x="0" y="0"/>
-          <a:ext cx="0" cy="0"/>
-          <a:chOff x="0" y="0"/>
-          <a:chExt cx="0" cy="0"/>
-        </a:xfrm>
-      </p:grpSpPr>
-      <p:sp>
-        <p:nvSpPr>
-          <p:cNvPr id="10" name="Rectangle 9"/>
+      <p:sp>
+        <p:nvSpPr>
+          <p:cNvPr id="15" name="Rectangle 14"/>
           <p:cNvSpPr/>
           <p:nvPr/>
         </p:nvSpPr>
         <p:spPr bwMode="invGray">
           <a:xfrm>
-            <a:off x="0" y="1435895"/>
-            <a:ext cx="9144000" cy="45720"/>
+            <a:off x="1014984" y="-54"/>
+            <a:ext cx="73152" cy="6858054"/>
           </a:xfrm>
           <a:prstGeom prst="rect">
             <a:avLst/>
           </a:prstGeom>
           <a:solidFill>
-            <a:srgbClr val="FFFFFF"/>
+            <a:schemeClr val="bg1"/>
           </a:solidFill>
-          <a:ln w="48000" cap="flat" cmpd="thickThin" algn="ctr">
+          <a:ln w="25400" cap="rnd" cmpd="sng" algn="ctr">
             <a:noFill/>
             <a:prstDash val="solid"/>
           </a:ln>
           <a:effectLst>
-            <a:outerShdw blurRad="31750" dist="10160" dir="5400000" algn="tl" rotWithShape="0">
-              <a:srgbClr val="000000">
-                <a:alpha val="60000"/>
-              </a:srgbClr>
+            <a:outerShdw blurRad="38550" dist="38000" dir="10800000" algn="tl" rotWithShape="0">
+              <a:schemeClr val="bg2">
+                <a:shade val="20000"/>
+                <a:satMod val="110000"/>
+                <a:alpha val="25000"/>
+              </a:schemeClr>
             </a:outerShdw>
           </a:effectLst>
         </p:spPr>
         <p:style>
-          <a:lnRef idx="2">
-            <a:schemeClr val="accent1"/>
+          <a:lnRef idx="3">
+            <a:schemeClr val="lt1"/>
           </a:lnRef>
           <a:fillRef idx="1">
             <a:schemeClr val="accent1"/>
           </a:fillRef>
-          <a:effectRef idx="0">
+          <a:effectRef idx="1">
             <a:schemeClr val="accent1"/>
           </a:effectRef>
           <a:fontRef idx="minor">
@@ -3221,292 +3818,13 @@
           </a:fontRef>
         </p:style>
         <p:txBody>
-          <a:bodyPr rtlCol="0" anchor="ctr"/>
+          <a:bodyPr anchor="ctr"/>
           <a:lstStyle>
             <a:extLst/>
           </a:lstStyle>
           <a:p>
             <a:pPr algn="ctr" eaLnBrk="1" latinLnBrk="0" hangingPunct="1"/>
             <a:endParaRPr kumimoji="0" lang="en-US"/>
-          </a:p>
-        </p:txBody>
-      </p:sp>
-      <p:sp>
-        <p:nvSpPr>
-          <p:cNvPr id="7" name="Rectangle 6"/>
-          <p:cNvSpPr/>
-          <p:nvPr/>
-        </p:nvSpPr>
-        <p:spPr bwMode="ltGray">
-          <a:xfrm>
-            <a:off x="0" y="0"/>
-            <a:ext cx="9143999" cy="1433733"/>
-          </a:xfrm>
-          <a:prstGeom prst="rect">
-            <a:avLst/>
-          </a:prstGeom>
-          <a:solidFill>
-            <a:srgbClr val="000000"/>
-          </a:solidFill>
-          <a:ln w="48000" cap="flat" cmpd="thickThin" algn="ctr">
-            <a:noFill/>
-            <a:prstDash val="solid"/>
-          </a:ln>
-        </p:spPr>
-        <p:style>
-          <a:lnRef idx="2">
-            <a:schemeClr val="accent1"/>
-          </a:lnRef>
-          <a:fillRef idx="1">
-            <a:schemeClr val="accent1"/>
-          </a:fillRef>
-          <a:effectRef idx="0">
-            <a:schemeClr val="accent1"/>
-          </a:effectRef>
-          <a:fontRef idx="minor">
-            <a:schemeClr val="lt1"/>
-          </a:fontRef>
-        </p:style>
-        <p:txBody>
-          <a:bodyPr rtlCol="0" anchor="ctr"/>
-          <a:lstStyle>
-            <a:extLst/>
-          </a:lstStyle>
-          <a:p>
-            <a:pPr algn="ctr" eaLnBrk="1" latinLnBrk="0" hangingPunct="1"/>
-            <a:endParaRPr kumimoji="0" lang="en-US"/>
-          </a:p>
-        </p:txBody>
-      </p:sp>
-      <p:sp>
-        <p:nvSpPr>
-          <p:cNvPr id="2" name="Espace réservé du titre 1"/>
-          <p:cNvSpPr>
-            <a:spLocks noGrp="1"/>
-          </p:cNvSpPr>
-          <p:nvPr>
-            <p:ph type="title"/>
-          </p:nvPr>
-        </p:nvSpPr>
-        <p:spPr>
-          <a:xfrm>
-            <a:off x="457200" y="152400"/>
-            <a:ext cx="8229600" cy="1251062"/>
-          </a:xfrm>
-          <a:prstGeom prst="rect">
-            <a:avLst/>
-          </a:prstGeom>
-        </p:spPr>
-        <p:txBody>
-          <a:bodyPr vert="horz" lIns="91440" rIns="45720" rtlCol="0" anchor="ctr">
-            <a:normAutofit/>
-            <a:scene3d>
-              <a:camera prst="orthographicFront"/>
-              <a:lightRig rig="threePt" dir="t">
-                <a:rot lat="0" lon="0" rev="4800000"/>
-              </a:lightRig>
-            </a:scene3d>
-            <a:sp3d prstMaterial="matte">
-              <a:bevelT w="50800" h="10160"/>
-            </a:sp3d>
-          </a:bodyPr>
-          <a:lstStyle>
-            <a:extLst/>
-          </a:lstStyle>
-          <a:p>
-            <a:r>
-              <a:rPr kumimoji="0" lang="fr-FR" smtClean="0"/>
-              <a:t>Cliquez pour modifier le style du titre</a:t>
-            </a:r>
-            <a:endParaRPr kumimoji="0" lang="en-US"/>
-          </a:p>
-        </p:txBody>
-      </p:sp>
-      <p:sp>
-        <p:nvSpPr>
-          <p:cNvPr id="3" name="Espace réservé du texte 2"/>
-          <p:cNvSpPr>
-            <a:spLocks noGrp="1"/>
-          </p:cNvSpPr>
-          <p:nvPr>
-            <p:ph type="body" idx="1"/>
-          </p:nvPr>
-        </p:nvSpPr>
-        <p:spPr>
-          <a:xfrm>
-            <a:off x="457200" y="1775191"/>
-            <a:ext cx="8229600" cy="4625609"/>
-          </a:xfrm>
-          <a:prstGeom prst="rect">
-            <a:avLst/>
-          </a:prstGeom>
-        </p:spPr>
-        <p:txBody>
-          <a:bodyPr vert="horz" lIns="54864" tIns="91440" rtlCol="0">
-            <a:normAutofit/>
-          </a:bodyPr>
-          <a:lstStyle>
-            <a:extLst/>
-          </a:lstStyle>
-          <a:p>
-            <a:pPr lvl="0" eaLnBrk="1" latinLnBrk="0" hangingPunct="1"/>
-            <a:r>
-              <a:rPr kumimoji="0" lang="fr-FR" smtClean="0"/>
-              <a:t>Cliquez pour modifier les styles du texte du masque</a:t>
-            </a:r>
-          </a:p>
-          <a:p>
-            <a:pPr lvl="1" eaLnBrk="1" latinLnBrk="0" hangingPunct="1"/>
-            <a:r>
-              <a:rPr kumimoji="0" lang="fr-FR" smtClean="0"/>
-              <a:t>Deuxième niveau</a:t>
-            </a:r>
-          </a:p>
-          <a:p>
-            <a:pPr lvl="2" eaLnBrk="1" latinLnBrk="0" hangingPunct="1"/>
-            <a:r>
-              <a:rPr kumimoji="0" lang="fr-FR" smtClean="0"/>
-              <a:t>Troisième niveau</a:t>
-            </a:r>
-          </a:p>
-          <a:p>
-            <a:pPr lvl="3" eaLnBrk="1" latinLnBrk="0" hangingPunct="1"/>
-            <a:r>
-              <a:rPr kumimoji="0" lang="fr-FR" smtClean="0"/>
-              <a:t>Quatrième niveau</a:t>
-            </a:r>
-          </a:p>
-          <a:p>
-            <a:pPr lvl="4" eaLnBrk="1" latinLnBrk="0" hangingPunct="1"/>
-            <a:r>
-              <a:rPr kumimoji="0" lang="fr-FR" smtClean="0"/>
-              <a:t>Cinquième niveau</a:t>
-            </a:r>
-            <a:endParaRPr kumimoji="0" lang="en-US"/>
-          </a:p>
-        </p:txBody>
-      </p:sp>
-      <p:sp>
-        <p:nvSpPr>
-          <p:cNvPr id="4" name="Espace réservé de la date 3"/>
-          <p:cNvSpPr>
-            <a:spLocks noGrp="1"/>
-          </p:cNvSpPr>
-          <p:nvPr>
-            <p:ph type="dt" sz="half" idx="2"/>
-          </p:nvPr>
-        </p:nvSpPr>
-        <p:spPr>
-          <a:xfrm>
-            <a:off x="457200" y="6476999"/>
-            <a:ext cx="2133600" cy="274320"/>
-          </a:xfrm>
-          <a:prstGeom prst="rect">
-            <a:avLst/>
-          </a:prstGeom>
-        </p:spPr>
-        <p:txBody>
-          <a:bodyPr vert="horz" lIns="109728" rIns="45720" bIns="0" rtlCol="0" anchor="b"/>
-          <a:lstStyle>
-            <a:lvl1pPr algn="l" eaLnBrk="1" latinLnBrk="0" hangingPunct="1">
-              <a:defRPr kumimoji="0" sz="1200">
-                <a:solidFill>
-                  <a:schemeClr val="tx1">
-                    <a:tint val="95000"/>
-                  </a:schemeClr>
-                </a:solidFill>
-              </a:defRPr>
-            </a:lvl1pPr>
-            <a:extLst/>
-          </a:lstStyle>
-          <a:p>
-            <a:fld id="{4A640E62-3FA3-431E-88CE-8557D458FA1E}" type="datetimeFigureOut">
-              <a:rPr lang="it-CH" smtClean="0"/>
-              <a:pPr/>
-              <a:t>07.06.2010</a:t>
-            </a:fld>
-            <a:endParaRPr lang="it-CH"/>
-          </a:p>
-        </p:txBody>
-      </p:sp>
-      <p:sp>
-        <p:nvSpPr>
-          <p:cNvPr id="5" name="Espace réservé du pied de page 4"/>
-          <p:cNvSpPr>
-            <a:spLocks noGrp="1"/>
-          </p:cNvSpPr>
-          <p:nvPr>
-            <p:ph type="ftr" sz="quarter" idx="3"/>
-          </p:nvPr>
-        </p:nvSpPr>
-        <p:spPr>
-          <a:xfrm>
-            <a:off x="2640596" y="6476999"/>
-            <a:ext cx="5507719" cy="274320"/>
-          </a:xfrm>
-          <a:prstGeom prst="rect">
-            <a:avLst/>
-          </a:prstGeom>
-        </p:spPr>
-        <p:txBody>
-          <a:bodyPr vert="horz" lIns="45720" rIns="45720" bIns="0" rtlCol="0" anchor="b"/>
-          <a:lstStyle>
-            <a:lvl1pPr algn="l" eaLnBrk="1" latinLnBrk="0" hangingPunct="1">
-              <a:defRPr kumimoji="0" sz="1200">
-                <a:solidFill>
-                  <a:schemeClr val="tx1">
-                    <a:tint val="95000"/>
-                  </a:schemeClr>
-                </a:solidFill>
-              </a:defRPr>
-            </a:lvl1pPr>
-            <a:extLst/>
-          </a:lstStyle>
-          <a:p>
-            <a:endParaRPr lang="it-CH"/>
-          </a:p>
-        </p:txBody>
-      </p:sp>
-      <p:sp>
-        <p:nvSpPr>
-          <p:cNvPr id="6" name="Espace réservé du numéro de diapositive 5"/>
-          <p:cNvSpPr>
-            <a:spLocks noGrp="1"/>
-          </p:cNvSpPr>
-          <p:nvPr>
-            <p:ph type="sldNum" sz="quarter" idx="4"/>
-          </p:nvPr>
-        </p:nvSpPr>
-        <p:spPr>
-          <a:xfrm>
-            <a:off x="8204396" y="6476999"/>
-            <a:ext cx="733864" cy="274320"/>
-          </a:xfrm>
-          <a:prstGeom prst="rect">
-            <a:avLst/>
-          </a:prstGeom>
-        </p:spPr>
-        <p:txBody>
-          <a:bodyPr vert="horz" bIns="0" rtlCol="0" anchor="b"/>
-          <a:lstStyle>
-            <a:lvl1pPr algn="r" eaLnBrk="1" latinLnBrk="0" hangingPunct="1">
-              <a:defRPr kumimoji="0" sz="1200">
-                <a:solidFill>
-                  <a:schemeClr val="tx1">
-                    <a:tint val="95000"/>
-                  </a:schemeClr>
-                </a:solidFill>
-              </a:defRPr>
-            </a:lvl1pPr>
-            <a:extLst/>
-          </a:lstStyle>
-          <a:p>
-            <a:fld id="{2A040678-3833-4170-8A22-528EF1F96AE5}" type="slidenum">
-              <a:rPr lang="it-CH" smtClean="0"/>
-              <a:pPr/>
-              <a:t>‹N°›</a:t>
-            </a:fld>
-            <a:endParaRPr lang="it-CH"/>
           </a:p>
         </p:txBody>
       </p:sp>
@@ -3514,17 +3832,17 @@
   </p:cSld>
   <p:clrMap bg1="lt1" tx1="dk1" bg2="lt2" tx2="dk2" accent1="accent1" accent2="accent2" accent3="accent3" accent4="accent4" accent5="accent5" accent6="accent6" hlink="hlink" folHlink="folHlink"/>
   <p:sldLayoutIdLst>
-    <p:sldLayoutId id="2147483721" r:id="rId1"/>
-    <p:sldLayoutId id="2147483722" r:id="rId2"/>
-    <p:sldLayoutId id="2147483723" r:id="rId3"/>
-    <p:sldLayoutId id="2147483724" r:id="rId4"/>
-    <p:sldLayoutId id="2147483725" r:id="rId5"/>
-    <p:sldLayoutId id="2147483726" r:id="rId6"/>
-    <p:sldLayoutId id="2147483727" r:id="rId7"/>
-    <p:sldLayoutId id="2147483728" r:id="rId8"/>
-    <p:sldLayoutId id="2147483729" r:id="rId9"/>
-    <p:sldLayoutId id="2147483730" r:id="rId10"/>
-    <p:sldLayoutId id="2147483731" r:id="rId11"/>
+    <p:sldLayoutId id="2147483901" r:id="rId1"/>
+    <p:sldLayoutId id="2147483902" r:id="rId2"/>
+    <p:sldLayoutId id="2147483903" r:id="rId3"/>
+    <p:sldLayoutId id="2147483904" r:id="rId4"/>
+    <p:sldLayoutId id="2147483905" r:id="rId5"/>
+    <p:sldLayoutId id="2147483906" r:id="rId6"/>
+    <p:sldLayoutId id="2147483907" r:id="rId7"/>
+    <p:sldLayoutId id="2147483908" r:id="rId8"/>
+    <p:sldLayoutId id="2147483909" r:id="rId9"/>
+    <p:sldLayoutId id="2147483910" r:id="rId10"/>
+    <p:sldLayoutId id="2147483911" r:id="rId11"/>
   </p:sldLayoutIdLst>
   <p:txStyles>
     <p:titleStyle>
@@ -3533,13 +3851,19 @@
           <a:spcPct val="0"/>
         </a:spcBef>
         <a:buNone/>
-        <a:defRPr kumimoji="0" sz="4500" b="1" kern="1200">
+        <a:defRPr kumimoji="0" sz="4300" kern="1200">
           <a:solidFill>
-            <a:schemeClr val="accent1">
-              <a:satMod val="150000"/>
+            <a:schemeClr val="tx2">
+              <a:satMod val="130000"/>
             </a:schemeClr>
           </a:solidFill>
-          <a:effectLst/>
+          <a:effectLst>
+            <a:outerShdw blurRad="50000" dist="30000" dir="5400000" algn="tl" rotWithShape="0">
+              <a:srgbClr val="000000">
+                <a:alpha val="30000"/>
+              </a:srgbClr>
+            </a:outerShdw>
+          </a:effectLst>
           <a:latin typeface="+mj-lt"/>
           <a:ea typeface="+mj-ea"/>
           <a:cs typeface="+mj-cs"/>
@@ -3548,16 +3872,19 @@
       <a:extLst/>
     </p:titleStyle>
     <p:bodyStyle>
-      <a:lvl1pPr marL="438912" indent="-320040" algn="l" rtl="0" eaLnBrk="1" latinLnBrk="0" hangingPunct="1">
+      <a:lvl1pPr marL="365760" indent="-283464" algn="l" rtl="0" eaLnBrk="1" latinLnBrk="0" hangingPunct="1">
+        <a:lnSpc>
+          <a:spcPct val="100000"/>
+        </a:lnSpc>
         <a:spcBef>
-          <a:spcPts val="0"/>
+          <a:spcPts val="600"/>
         </a:spcBef>
         <a:buClr>
           <a:schemeClr val="accent1"/>
         </a:buClr>
         <a:buSzPct val="80000"/>
         <a:buFont typeface="Wingdings 2"/>
-        <a:buChar char=""/>
+        <a:buChar char=""/>
         <a:defRPr kumimoji="0" sz="3200" kern="1200">
           <a:solidFill>
             <a:schemeClr val="tx1"/>
@@ -3567,16 +3894,18 @@
           <a:cs typeface="+mn-cs"/>
         </a:defRPr>
       </a:lvl1pPr>
-      <a:lvl2pPr marL="731520" indent="-274320" algn="l" rtl="0" eaLnBrk="1" latinLnBrk="0" hangingPunct="1">
+      <a:lvl2pPr marL="640080" indent="-237744" algn="l" rtl="0" eaLnBrk="1" latinLnBrk="0" hangingPunct="1">
+        <a:lnSpc>
+          <a:spcPct val="100000"/>
+        </a:lnSpc>
         <a:spcBef>
-          <a:spcPct val="20000"/>
+          <a:spcPts val="550"/>
         </a:spcBef>
         <a:buClr>
-          <a:schemeClr val="accent2"/>
+          <a:schemeClr val="accent1"/>
         </a:buClr>
-        <a:buSzPct val="90000"/>
-        <a:buFont typeface="Wingdings"/>
-        <a:buChar char=""/>
+        <a:buFont typeface="Verdana"/>
+        <a:buChar char="◦"/>
         <a:defRPr kumimoji="0" sz="2800" kern="1200">
           <a:solidFill>
             <a:schemeClr val="tx1"/>
@@ -3586,15 +3915,18 @@
           <a:cs typeface="+mn-cs"/>
         </a:defRPr>
       </a:lvl2pPr>
-      <a:lvl3pPr marL="996696" indent="-228600" algn="l" rtl="0" eaLnBrk="1" latinLnBrk="0" hangingPunct="1">
+      <a:lvl3pPr marL="886968" indent="-228600" algn="l" rtl="0" eaLnBrk="1" latinLnBrk="0" hangingPunct="1">
+        <a:lnSpc>
+          <a:spcPct val="100000"/>
+        </a:lnSpc>
         <a:spcBef>
           <a:spcPct val="20000"/>
         </a:spcBef>
         <a:buClr>
-          <a:schemeClr val="accent3"/>
+          <a:schemeClr val="accent2"/>
         </a:buClr>
-        <a:buFont typeface="Arial"/>
-        <a:buChar char="▪"/>
+        <a:buFont typeface="Wingdings 2"/>
+        <a:buChar char=""/>
         <a:defRPr kumimoji="0" sz="2400" kern="1200">
           <a:solidFill>
             <a:schemeClr val="tx1"/>
@@ -3604,15 +3936,18 @@
           <a:cs typeface="+mn-cs"/>
         </a:defRPr>
       </a:lvl3pPr>
-      <a:lvl4pPr marL="1216152" indent="-182880" algn="l" rtl="0" eaLnBrk="1" latinLnBrk="0" hangingPunct="1">
+      <a:lvl4pPr marL="1097280" indent="-173736" algn="l" rtl="0" eaLnBrk="1" latinLnBrk="0" hangingPunct="1">
+        <a:lnSpc>
+          <a:spcPct val="100000"/>
+        </a:lnSpc>
         <a:spcBef>
           <a:spcPct val="20000"/>
         </a:spcBef>
         <a:buClr>
-          <a:schemeClr val="accent4"/>
+          <a:schemeClr val="accent3"/>
         </a:buClr>
-        <a:buFont typeface="Arial"/>
-        <a:buChar char="▪"/>
+        <a:buFont typeface="Wingdings 2"/>
+        <a:buChar char=""/>
         <a:defRPr kumimoji="0" sz="2000" kern="1200">
           <a:solidFill>
             <a:schemeClr val="tx1"/>
@@ -3622,16 +3957,19 @@
           <a:cs typeface="+mn-cs"/>
         </a:defRPr>
       </a:lvl4pPr>
-      <a:lvl5pPr marL="1426464" indent="-182880" algn="l" rtl="0" eaLnBrk="1" latinLnBrk="0" hangingPunct="1">
+      <a:lvl5pPr marL="1298448" indent="-182880" algn="l" rtl="0" eaLnBrk="1" latinLnBrk="0" hangingPunct="1">
+        <a:lnSpc>
+          <a:spcPct val="100000"/>
+        </a:lnSpc>
         <a:spcBef>
           <a:spcPct val="20000"/>
         </a:spcBef>
         <a:buClr>
-          <a:schemeClr val="accent5"/>
+          <a:schemeClr val="accent4"/>
         </a:buClr>
-        <a:buFont typeface="Wingdings 3"/>
-        <a:buChar char=""/>
-        <a:defRPr kumimoji="0" lang="en-US" sz="2000" kern="1200" smtClean="0">
+        <a:buFont typeface="Wingdings 2"/>
+        <a:buChar char=""/>
+        <a:defRPr kumimoji="0" sz="2000" kern="1200">
           <a:solidFill>
             <a:schemeClr val="tx1"/>
           </a:solidFill>
@@ -3640,14 +3978,16 @@
           <a:cs typeface="+mn-cs"/>
         </a:defRPr>
       </a:lvl5pPr>
-      <a:lvl6pPr marL="1627632" indent="-182880" algn="l" rtl="0" eaLnBrk="1" latinLnBrk="0" hangingPunct="1">
+      <a:lvl6pPr marL="1508760" indent="-182880" algn="l" rtl="0" eaLnBrk="1" latinLnBrk="0" hangingPunct="1">
+        <a:lnSpc>
+          <a:spcPct val="100000"/>
+        </a:lnSpc>
         <a:spcBef>
           <a:spcPct val="20000"/>
         </a:spcBef>
         <a:buClr>
-          <a:schemeClr val="accent6"/>
+          <a:schemeClr val="accent5"/>
         </a:buClr>
-        <a:buSzPct val="100000"/>
         <a:buFont typeface="Wingdings 2"/>
         <a:buChar char=""/>
         <a:defRPr kumimoji="0" sz="2000" kern="1200">
@@ -3659,17 +3999,19 @@
           <a:cs typeface="+mn-cs"/>
         </a:defRPr>
       </a:lvl6pPr>
-      <a:lvl7pPr marL="1828800" indent="-182880" algn="l" rtl="0" eaLnBrk="1" latinLnBrk="0" hangingPunct="1">
+      <a:lvl7pPr marL="1719072" indent="-182880" algn="l" rtl="0" eaLnBrk="1" latinLnBrk="0" hangingPunct="1">
+        <a:lnSpc>
+          <a:spcPct val="100000"/>
+        </a:lnSpc>
         <a:spcBef>
           <a:spcPct val="20000"/>
         </a:spcBef>
         <a:buClr>
-          <a:schemeClr val="accent1"/>
+          <a:schemeClr val="accent6"/>
         </a:buClr>
-        <a:buSzPct val="100000"/>
         <a:buFont typeface="Wingdings 2"/>
         <a:buChar char=""/>
-        <a:defRPr kumimoji="0" sz="1800" kern="1200">
+        <a:defRPr kumimoji="0" sz="2000" kern="1200">
           <a:solidFill>
             <a:schemeClr val="tx1"/>
           </a:solidFill>
@@ -3678,16 +4020,19 @@
           <a:cs typeface="+mn-cs"/>
         </a:defRPr>
       </a:lvl7pPr>
-      <a:lvl8pPr marL="2029968" indent="-182880" algn="l" rtl="0" eaLnBrk="1" latinLnBrk="0" hangingPunct="1">
+      <a:lvl8pPr marL="1920240" indent="-182880" algn="l" rtl="0" eaLnBrk="1" latinLnBrk="0" hangingPunct="1">
+        <a:lnSpc>
+          <a:spcPct val="100000"/>
+        </a:lnSpc>
         <a:spcBef>
           <a:spcPct val="20000"/>
         </a:spcBef>
         <a:buClr>
-          <a:schemeClr val="accent2"/>
+          <a:schemeClr val="accent6"/>
         </a:buClr>
-        <a:buFont typeface="Wingdings 2" pitchFamily="18" charset="2"/>
+        <a:buFont typeface="Wingdings 2"/>
         <a:buChar char=""/>
-        <a:defRPr kumimoji="0" sz="1800" kern="1200">
+        <a:defRPr kumimoji="0" sz="2000" kern="1200">
           <a:solidFill>
             <a:schemeClr val="tx1"/>
           </a:solidFill>
@@ -3696,16 +4041,19 @@
           <a:cs typeface="+mn-cs"/>
         </a:defRPr>
       </a:lvl8pPr>
-      <a:lvl9pPr marL="2231136" indent="-182880" algn="l" rtl="0" eaLnBrk="1" latinLnBrk="0" hangingPunct="1">
+      <a:lvl9pPr marL="2130552" indent="-182880" algn="l" rtl="0" eaLnBrk="1" latinLnBrk="0" hangingPunct="1">
+        <a:lnSpc>
+          <a:spcPct val="100000"/>
+        </a:lnSpc>
         <a:spcBef>
           <a:spcPct val="20000"/>
         </a:spcBef>
         <a:buClr>
-          <a:schemeClr val="accent3"/>
+          <a:schemeClr val="accent6"/>
         </a:buClr>
-        <a:buFont typeface="Wingdings 2" pitchFamily="18" charset="2"/>
+        <a:buFont typeface="Wingdings 2"/>
         <a:buChar char=""/>
-        <a:defRPr kumimoji="0" sz="1800" kern="1200" baseline="0">
+        <a:defRPr kumimoji="0" sz="2000" kern="1200">
           <a:solidFill>
             <a:schemeClr val="tx1"/>
           </a:solidFill>
@@ -3830,141 +4178,6 @@
           <a:chExt cx="0" cy="0"/>
         </a:xfrm>
       </p:grpSpPr>
-      <p:sp>
-        <p:nvSpPr>
-          <p:cNvPr id="2" name="Titre 1"/>
-          <p:cNvSpPr>
-            <a:spLocks noGrp="1"/>
-          </p:cNvSpPr>
-          <p:nvPr>
-            <p:ph type="ctrTitle"/>
-          </p:nvPr>
-        </p:nvSpPr>
-        <p:spPr>
-          <a:xfrm>
-            <a:off x="685800" y="142852"/>
-            <a:ext cx="8077200" cy="5857916"/>
-          </a:xfrm>
-        </p:spPr>
-        <p:txBody>
-          <a:bodyPr>
-            <a:normAutofit fontScale="90000"/>
-          </a:bodyPr>
-          <a:lstStyle/>
-          <a:p>
-            <a:r>
-              <a:rPr lang="it-CH" dirty="0" smtClean="0"/>
-              <a:t>Projet GEN </a:t>
-            </a:r>
-            <a:r>
-              <a:rPr lang="it-CH" u="sng" dirty="0" smtClean="0"/>
-              <a:t/>
-            </a:r>
-            <a:br>
-              <a:rPr lang="it-CH" u="sng" dirty="0" smtClean="0"/>
-            </a:br>
-            <a:r>
-              <a:rPr lang="it-CH" u="sng" dirty="0" smtClean="0"/>
-              <a:t/>
-            </a:r>
-            <a:br>
-              <a:rPr lang="it-CH" u="sng" dirty="0" smtClean="0"/>
-            </a:br>
-            <a:r>
-              <a:rPr lang="it-CH" u="sng" dirty="0" smtClean="0"/>
-              <a:t/>
-            </a:r>
-            <a:br>
-              <a:rPr lang="it-CH" u="sng" dirty="0" smtClean="0"/>
-            </a:br>
-            <a:r>
-              <a:rPr lang="it-CH" u="sng" dirty="0" smtClean="0"/>
-              <a:t/>
-            </a:r>
-            <a:br>
-              <a:rPr lang="it-CH" u="sng" dirty="0" smtClean="0"/>
-            </a:br>
-            <a:r>
-              <a:rPr lang="it-CH" u="sng" dirty="0" smtClean="0"/>
-              <a:t/>
-            </a:r>
-            <a:br>
-              <a:rPr lang="it-CH" u="sng" dirty="0" smtClean="0"/>
-            </a:br>
-            <a:r>
-              <a:rPr lang="it-CH" u="sng" dirty="0" smtClean="0"/>
-              <a:t/>
-            </a:r>
-            <a:br>
-              <a:rPr lang="it-CH" u="sng" dirty="0" smtClean="0"/>
-            </a:br>
-            <a:r>
-              <a:rPr lang="it-CH" dirty="0" smtClean="0"/>
-              <a:t> Jonas </a:t>
-            </a:r>
-            <a:r>
-              <a:rPr lang="it-CH" dirty="0" smtClean="0"/>
-              <a:t>Berdoz</a:t>
-            </a:r>
-            <a:r>
-              <a:rPr lang="it-CH" dirty="0" smtClean="0"/>
-              <a:t/>
-            </a:r>
-            <a:br>
-              <a:rPr lang="it-CH" dirty="0" smtClean="0"/>
-            </a:br>
-            <a:r>
-              <a:rPr lang="it-CH" dirty="0" smtClean="0"/>
-              <a:t>Fabrizio Beretta </a:t>
-            </a:r>
-            <a:r>
-              <a:rPr lang="it-CH" dirty="0" smtClean="0"/>
-              <a:t>Piccoli</a:t>
-            </a:r>
-            <a:r>
-              <a:rPr lang="it-CH" dirty="0" smtClean="0"/>
-              <a:t/>
-            </a:r>
-            <a:br>
-              <a:rPr lang="it-CH" dirty="0" smtClean="0"/>
-            </a:br>
-            <a:r>
-              <a:rPr lang="it-CH" dirty="0" smtClean="0"/>
-              <a:t>Valentin Delaye </a:t>
-            </a:r>
-            <a:r>
-              <a:rPr lang="it-CH" dirty="0" smtClean="0"/>
-              <a:t/>
-            </a:r>
-            <a:br>
-              <a:rPr lang="it-CH" dirty="0" smtClean="0"/>
-            </a:br>
-            <a:r>
-              <a:rPr lang="it-CH" dirty="0" smtClean="0"/>
-              <a:t>Michaël </a:t>
-            </a:r>
-            <a:r>
-              <a:rPr lang="it-CH" dirty="0" smtClean="0"/>
-              <a:t>Sandoz </a:t>
-            </a:r>
-            <a:r>
-              <a:rPr lang="it-CH" dirty="0" smtClean="0"/>
-              <a:t/>
-            </a:r>
-            <a:br>
-              <a:rPr lang="it-CH" dirty="0" smtClean="0"/>
-            </a:br>
-            <a:r>
-              <a:rPr lang="it-CH" dirty="0" smtClean="0"/>
-              <a:t/>
-            </a:r>
-            <a:br>
-              <a:rPr lang="it-CH" dirty="0" smtClean="0"/>
-            </a:br>
-            <a:endParaRPr lang="it-CH" dirty="0"/>
-          </a:p>
-        </p:txBody>
-      </p:sp>
       <p:pic>
         <p:nvPicPr>
           <p:cNvPr id="1026" name="Picture 2" descr="C:\Users\Fabrizio\Desktop\KillerBox\Conception\Logo\LogoKillerBox_small.png"/>
@@ -3982,8 +4195,8 @@
         </p:blipFill>
         <p:spPr bwMode="auto">
           <a:xfrm>
-            <a:off x="714348" y="1285860"/>
-            <a:ext cx="7705725" cy="2390775"/>
+            <a:off x="1643042" y="1571612"/>
+            <a:ext cx="6419841" cy="2029446"/>
           </a:xfrm>
           <a:prstGeom prst="rect">
             <a:avLst/>
@@ -3993,7 +4206,7 @@
       </p:pic>
       <p:sp>
         <p:nvSpPr>
-          <p:cNvPr id="5" name="Sous-titre 4"/>
+          <p:cNvPr id="6" name="Sous-titre 5"/>
           <p:cNvSpPr>
             <a:spLocks noGrp="1"/>
           </p:cNvSpPr>
@@ -4001,16 +4214,104 @@
             <p:ph type="subTitle" idx="1"/>
           </p:nvPr>
         </p:nvSpPr>
-        <p:spPr/>
+        <p:spPr>
+          <a:xfrm>
+            <a:off x="1000100" y="4071942"/>
+            <a:ext cx="7643866" cy="1785950"/>
+          </a:xfrm>
+        </p:spPr>
         <p:txBody>
           <a:bodyPr/>
           <a:lstStyle/>
           <a:p>
             <a:r>
               <a:rPr lang="it-CH" dirty="0" smtClean="0"/>
-              <a:t> </a:t>
-            </a:r>
-            <a:endParaRPr lang="it-CH" dirty="0"/>
+              <a:t>Jonas Berdoz</a:t>
+            </a:r>
+            <a:br>
+              <a:rPr lang="it-CH" dirty="0" smtClean="0"/>
+            </a:br>
+            <a:r>
+              <a:rPr lang="it-CH" dirty="0" smtClean="0"/>
+              <a:t>Fabrizio Beretta Piccoli</a:t>
+            </a:r>
+            <a:br>
+              <a:rPr lang="it-CH" dirty="0" smtClean="0"/>
+            </a:br>
+            <a:r>
+              <a:rPr lang="it-CH" dirty="0" smtClean="0"/>
+              <a:t>Valentin Delaye </a:t>
+            </a:r>
+            <a:br>
+              <a:rPr lang="it-CH" dirty="0" smtClean="0"/>
+            </a:br>
+            <a:r>
+              <a:rPr lang="it-CH" dirty="0" smtClean="0"/>
+              <a:t>Michaël Sandoz</a:t>
+            </a:r>
+            <a:endParaRPr lang="fr-CH" dirty="0"/>
+          </a:p>
+        </p:txBody>
+      </p:sp>
+      <p:sp>
+        <p:nvSpPr>
+          <p:cNvPr id="7" name="Titre 6"/>
+          <p:cNvSpPr>
+            <a:spLocks noGrp="1"/>
+          </p:cNvSpPr>
+          <p:nvPr>
+            <p:ph type="ctrTitle"/>
+          </p:nvPr>
+        </p:nvSpPr>
+        <p:spPr>
+          <a:xfrm>
+            <a:off x="1000100" y="357166"/>
+            <a:ext cx="7643866" cy="831974"/>
+          </a:xfrm>
+        </p:spPr>
+        <p:txBody>
+          <a:bodyPr/>
+          <a:lstStyle/>
+          <a:p>
+            <a:r>
+              <a:rPr lang="fr-CH" dirty="0" smtClean="0"/>
+              <a:t>Projet GEN</a:t>
+            </a:r>
+            <a:endParaRPr lang="fr-CH" dirty="0"/>
+          </a:p>
+        </p:txBody>
+      </p:sp>
+      <p:sp>
+        <p:nvSpPr>
+          <p:cNvPr id="8" name="ZoneTexte 7"/>
+          <p:cNvSpPr txBox="1"/>
+          <p:nvPr/>
+        </p:nvSpPr>
+        <p:spPr>
+          <a:xfrm>
+            <a:off x="7643834" y="6215082"/>
+            <a:ext cx="1043876" cy="369332"/>
+          </a:xfrm>
+          <a:prstGeom prst="rect">
+            <a:avLst/>
+          </a:prstGeom>
+          <a:noFill/>
+        </p:spPr>
+        <p:txBody>
+          <a:bodyPr wrap="none" rtlCol="0">
+            <a:spAutoFit/>
+          </a:bodyPr>
+          <a:lstStyle/>
+          <a:p>
+            <a:r>
+              <a:rPr lang="fr-CH" dirty="0" smtClean="0"/>
+              <a:t>j</a:t>
+            </a:r>
+            <a:r>
+              <a:rPr lang="fr-CH" dirty="0" smtClean="0"/>
+              <a:t>uin 2010</a:t>
+            </a:r>
+            <a:endParaRPr lang="fr-CH" dirty="0"/>
           </a:p>
         </p:txBody>
       </p:sp>
@@ -4062,29 +4363,62 @@
           <a:lstStyle/>
           <a:p>
             <a:r>
+              <a:rPr lang="fr-CH" dirty="0" smtClean="0"/>
+              <a:t>Client</a:t>
+            </a:r>
+            <a:endParaRPr lang="fr-CH" dirty="0"/>
+          </a:p>
+        </p:txBody>
+      </p:sp>
+      <p:sp>
+        <p:nvSpPr>
+          <p:cNvPr id="3" name="Espace réservé du contenu 2"/>
+          <p:cNvSpPr>
+            <a:spLocks noGrp="1"/>
+          </p:cNvSpPr>
+          <p:nvPr>
+            <p:ph idx="1"/>
+          </p:nvPr>
+        </p:nvSpPr>
+        <p:spPr/>
+        <p:txBody>
+          <a:bodyPr/>
+          <a:lstStyle/>
+          <a:p>
+            <a:r>
+              <a:rPr lang="fr-CH" dirty="0" smtClean="0"/>
+              <a:t>Une fenêtre principale</a:t>
+            </a:r>
+          </a:p>
+          <a:p>
+            <a:r>
+              <a:rPr lang="fr-CH" dirty="0" smtClean="0"/>
+              <a:t>Plusieurs panels</a:t>
+            </a:r>
+          </a:p>
+          <a:p>
+            <a:r>
               <a:rPr lang="it-CH" dirty="0" smtClean="0"/>
-              <a:t>Conclusion</a:t>
-            </a:r>
-            <a:endParaRPr lang="it-CH" dirty="0"/>
-          </a:p>
-        </p:txBody>
-      </p:sp>
-      <p:sp>
-        <p:nvSpPr>
-          <p:cNvPr id="3" name="Espace réservé du contenu 2"/>
-          <p:cNvSpPr>
-            <a:spLocks noGrp="1"/>
-          </p:cNvSpPr>
-          <p:nvPr>
-            <p:ph idx="1"/>
-          </p:nvPr>
-        </p:nvSpPr>
-        <p:spPr/>
-        <p:txBody>
-          <a:bodyPr/>
-          <a:lstStyle/>
-          <a:p>
-            <a:endParaRPr lang="it-CH"/>
+              <a:t>Packages</a:t>
+            </a:r>
+          </a:p>
+          <a:p>
+            <a:pPr lvl="1"/>
+            <a:r>
+              <a:rPr lang="it-CH" dirty="0" smtClean="0"/>
+              <a:t>network</a:t>
+            </a:r>
+          </a:p>
+          <a:p>
+            <a:pPr lvl="1"/>
+            <a:r>
+              <a:rPr lang="it-CH" dirty="0" smtClean="0"/>
+              <a:t>killerbox.gui</a:t>
+            </a:r>
+            <a:endParaRPr lang="it-CH" dirty="0" smtClean="0"/>
+          </a:p>
+          <a:p>
+            <a:endParaRPr lang="fr-CH" dirty="0"/>
           </a:p>
         </p:txBody>
       </p:sp>
@@ -4113,6 +4447,127 @@
           <a:chExt cx="0" cy="0"/>
         </a:xfrm>
       </p:grpSpPr>
+      <p:pic>
+        <p:nvPicPr>
+          <p:cNvPr id="2050" name="Picture 2" descr="D:\HEIG-VD\GEN\Labo\KillerBox\Conception\Client.png"/>
+          <p:cNvPicPr>
+            <a:picLocks noChangeAspect="1" noChangeArrowheads="1"/>
+          </p:cNvPicPr>
+          <p:nvPr/>
+        </p:nvPicPr>
+        <p:blipFill>
+          <a:blip r:embed="rId2" cstate="print"/>
+          <a:srcRect/>
+          <a:stretch>
+            <a:fillRect/>
+          </a:stretch>
+        </p:blipFill>
+        <p:spPr bwMode="auto">
+          <a:xfrm>
+            <a:off x="1000100" y="357165"/>
+            <a:ext cx="8143900" cy="5729227"/>
+          </a:xfrm>
+          <a:prstGeom prst="rect">
+            <a:avLst/>
+          </a:prstGeom>
+          <a:noFill/>
+        </p:spPr>
+      </p:pic>
+    </p:spTree>
+  </p:cSld>
+  <p:clrMapOvr>
+    <a:masterClrMapping/>
+  </p:clrMapOvr>
+</p:sld>
+</file>
+
+<file path=ppt/slides/slide12.xml><?xml version="1.0" encoding="utf-8"?>
+<p:sld xmlns:a="http://schemas.openxmlformats.org/drawingml/2006/main" xmlns:r="http://schemas.openxmlformats.org/officeDocument/2006/relationships" xmlns:p="http://schemas.openxmlformats.org/presentationml/2006/main">
+  <p:cSld>
+    <p:spTree>
+      <p:nvGrpSpPr>
+        <p:cNvPr id="1" name=""/>
+        <p:cNvGrpSpPr/>
+        <p:nvPr/>
+      </p:nvGrpSpPr>
+      <p:grpSpPr>
+        <a:xfrm>
+          <a:off x="0" y="0"/>
+          <a:ext cx="0" cy="0"/>
+          <a:chOff x="0" y="0"/>
+          <a:chExt cx="0" cy="0"/>
+        </a:xfrm>
+      </p:grpSpPr>
+      <p:sp>
+        <p:nvSpPr>
+          <p:cNvPr id="2" name="Titre 1"/>
+          <p:cNvSpPr>
+            <a:spLocks noGrp="1"/>
+          </p:cNvSpPr>
+          <p:nvPr>
+            <p:ph type="title"/>
+          </p:nvPr>
+        </p:nvSpPr>
+        <p:spPr/>
+        <p:txBody>
+          <a:bodyPr/>
+          <a:lstStyle/>
+          <a:p>
+            <a:r>
+              <a:rPr lang="it-CH" dirty="0" smtClean="0"/>
+              <a:t>Conclusion</a:t>
+            </a:r>
+            <a:endParaRPr lang="it-CH" dirty="0"/>
+          </a:p>
+        </p:txBody>
+      </p:sp>
+      <p:sp>
+        <p:nvSpPr>
+          <p:cNvPr id="3" name="Espace réservé du contenu 2"/>
+          <p:cNvSpPr>
+            <a:spLocks noGrp="1"/>
+          </p:cNvSpPr>
+          <p:nvPr>
+            <p:ph idx="1"/>
+          </p:nvPr>
+        </p:nvSpPr>
+        <p:spPr/>
+        <p:txBody>
+          <a:bodyPr/>
+          <a:lstStyle/>
+          <a:p>
+            <a:r>
+              <a:rPr lang="it-CH" dirty="0" smtClean="0"/>
+              <a:t>Pas de mode par équipe</a:t>
+            </a:r>
+          </a:p>
+        </p:txBody>
+      </p:sp>
+    </p:spTree>
+  </p:cSld>
+  <p:clrMapOvr>
+    <a:masterClrMapping/>
+  </p:clrMapOvr>
+</p:sld>
+</file>
+
+<file path=ppt/slides/slide13.xml><?xml version="1.0" encoding="utf-8"?>
+<p:sld xmlns:a="http://schemas.openxmlformats.org/drawingml/2006/main" xmlns:r="http://schemas.openxmlformats.org/officeDocument/2006/relationships" xmlns:p="http://schemas.openxmlformats.org/presentationml/2006/main">
+  <p:cSld>
+    <p:spTree>
+      <p:nvGrpSpPr>
+        <p:cNvPr id="1" name=""/>
+        <p:cNvGrpSpPr/>
+        <p:nvPr/>
+      </p:nvGrpSpPr>
+      <p:grpSpPr>
+        <a:xfrm>
+          <a:off x="0" y="0"/>
+          <a:ext cx="0" cy="0"/>
+          <a:chOff x="0" y="0"/>
+          <a:chExt cx="0" cy="0"/>
+        </a:xfrm>
+      </p:grpSpPr>
       <p:sp>
         <p:nvSpPr>
           <p:cNvPr id="2" name="Titre 1"/>
@@ -4154,7 +4609,7 @@
         </p:blipFill>
         <p:spPr>
           <a:xfrm>
-            <a:off x="2667000" y="2227262"/>
+            <a:off x="3279775" y="1987550"/>
             <a:ext cx="3810000" cy="3721100"/>
           </a:xfrm>
         </p:spPr>
@@ -4219,7 +4674,9 @@
         </p:nvSpPr>
         <p:spPr/>
         <p:txBody>
-          <a:bodyPr/>
+          <a:bodyPr>
+            <a:normAutofit fontScale="92500" lnSpcReduction="10000"/>
+          </a:bodyPr>
           <a:lstStyle/>
           <a:p>
             <a:r>
@@ -4230,17 +4687,33 @@
           <a:p>
             <a:r>
               <a:rPr lang="it-CH" dirty="0" smtClean="0"/>
-              <a:t>Objectifs de base</a:t>
-            </a:r>
+              <a:t>Objectifs</a:t>
+            </a:r>
+            <a:endParaRPr lang="it-CH" dirty="0" smtClean="0"/>
           </a:p>
           <a:p>
             <a:r>
               <a:rPr lang="it-CH" dirty="0" smtClean="0"/>
-              <a:t>Règles </a:t>
-            </a:r>
+              <a:t>Règles du jeu</a:t>
+            </a:r>
+          </a:p>
+          <a:p>
             <a:r>
               <a:rPr lang="it-CH" dirty="0" smtClean="0"/>
-              <a:t>du jeu</a:t>
+              <a:t>Serveur</a:t>
+            </a:r>
+            <a:endParaRPr lang="it-CH" dirty="0" smtClean="0"/>
+          </a:p>
+          <a:p>
+            <a:r>
+              <a:rPr lang="it-CH" dirty="0" smtClean="0"/>
+              <a:t>Client</a:t>
+            </a:r>
+          </a:p>
+          <a:p>
+            <a:r>
+              <a:rPr lang="it-CH" dirty="0" smtClean="0"/>
+              <a:t>Jeu</a:t>
             </a:r>
           </a:p>
           <a:p>
@@ -4253,26 +4726,9 @@
           <a:p>
             <a:r>
               <a:rPr lang="it-CH" dirty="0" smtClean="0"/>
-              <a:t>Moteur du jeu</a:t>
-            </a:r>
-          </a:p>
-          <a:p>
-            <a:r>
-              <a:rPr lang="it-CH" dirty="0" smtClean="0"/>
-              <a:t>Client – Serveur</a:t>
-            </a:r>
-          </a:p>
-          <a:p>
-            <a:r>
-              <a:rPr lang="it-CH" dirty="0" smtClean="0"/>
-              <a:t>Interface graphique</a:t>
-            </a:r>
-          </a:p>
-          <a:p>
-            <a:r>
-              <a:rPr lang="it-CH" dirty="0" smtClean="0"/>
               <a:t>Conclusion</a:t>
             </a:r>
+            <a:endParaRPr lang="it-CH" dirty="0" smtClean="0"/>
           </a:p>
           <a:p>
             <a:r>
@@ -4355,29 +4811,14 @@
           <a:p>
             <a:r>
               <a:rPr lang="it-CH" dirty="0" smtClean="0"/>
-              <a:t>Creer un </a:t>
-            </a:r>
-            <a:r>
-              <a:rPr lang="it-CH" dirty="0" smtClean="0"/>
-              <a:t>jeu de combat en 2D</a:t>
-            </a:r>
-            <a:endParaRPr lang="it-CH" dirty="0" smtClean="0"/>
-          </a:p>
-          <a:p>
-            <a:endParaRPr lang="it-CH" dirty="0" smtClean="0"/>
+              <a:t>Jeu de combat 2D</a:t>
+            </a:r>
           </a:p>
           <a:p>
             <a:r>
               <a:rPr lang="it-CH" dirty="0" smtClean="0"/>
               <a:t>Jouable de 2 à 8 joueurs en réseau</a:t>
             </a:r>
-            <a:endParaRPr lang="it-CH" dirty="0" smtClean="0"/>
-          </a:p>
-          <a:p>
-            <a:endParaRPr lang="it-CH" dirty="0" smtClean="0"/>
-          </a:p>
-          <a:p>
-            <a:endParaRPr lang="it-CH" dirty="0"/>
           </a:p>
         </p:txBody>
       </p:sp>
@@ -4386,6 +4827,13 @@
   <p:clrMapOvr>
     <a:masterClrMapping/>
   </p:clrMapOvr>
+  <p:timing>
+    <p:tnLst>
+      <p:par>
+        <p:cTn id="1" dur="indefinite" restart="never" nodeType="tmRoot"/>
+      </p:par>
+    </p:tnLst>
+  </p:timing>
 </p:sld>
 </file>
 
@@ -4423,7 +4871,7 @@
           <a:p>
             <a:r>
               <a:rPr lang="it-CH" dirty="0" smtClean="0"/>
-              <a:t>Objectifs de base</a:t>
+              <a:t>Objectifs</a:t>
             </a:r>
             <a:endParaRPr lang="it-CH" dirty="0"/>
           </a:p>
@@ -4444,7 +4892,40 @@
           <a:bodyPr/>
           <a:lstStyle/>
           <a:p>
-            <a:endParaRPr lang="it-CH"/>
+            <a:r>
+              <a:rPr lang="it-CH" dirty="0" smtClean="0"/>
+              <a:t>Gestion de projet</a:t>
+            </a:r>
+          </a:p>
+          <a:p>
+            <a:r>
+              <a:rPr lang="it-CH" dirty="0" smtClean="0"/>
+              <a:t>Travail de groupe</a:t>
+            </a:r>
+          </a:p>
+          <a:p>
+            <a:r>
+              <a:rPr lang="it-CH" dirty="0" smtClean="0"/>
+              <a:t>Programmation Java</a:t>
+            </a:r>
+          </a:p>
+          <a:p>
+            <a:r>
+              <a:rPr lang="it-CH" dirty="0" smtClean="0"/>
+              <a:t>Utilisation de sockets</a:t>
+            </a:r>
+          </a:p>
+          <a:p>
+            <a:r>
+              <a:rPr lang="it-CH" dirty="0" smtClean="0"/>
+              <a:t>Utilisation JDBC</a:t>
+            </a:r>
+          </a:p>
+          <a:p>
+            <a:pPr>
+              <a:buNone/>
+            </a:pPr>
+            <a:endParaRPr lang="it-CH" dirty="0"/>
           </a:p>
         </p:txBody>
       </p:sp>
@@ -4453,6 +4934,13 @@
   <p:clrMapOvr>
     <a:masterClrMapping/>
   </p:clrMapOvr>
+  <p:timing>
+    <p:tnLst>
+      <p:par>
+        <p:cTn id="1" dur="indefinite" restart="never" nodeType="tmRoot"/>
+      </p:par>
+    </p:tnLst>
+  </p:timing>
 </p:sld>
 </file>
 
@@ -4490,7 +4978,11 @@
           <a:p>
             <a:r>
               <a:rPr lang="it-CH" dirty="0" smtClean="0"/>
-              <a:t>Regle du jeu</a:t>
+              <a:t>Règles </a:t>
+            </a:r>
+            <a:r>
+              <a:rPr lang="it-CH" dirty="0" smtClean="0"/>
+              <a:t>du jeu</a:t>
             </a:r>
             <a:endParaRPr lang="it-CH" dirty="0"/>
           </a:p>
@@ -4511,7 +5003,31 @@
           <a:bodyPr/>
           <a:lstStyle/>
           <a:p>
-            <a:endParaRPr lang="it-CH"/>
+            <a:r>
+              <a:rPr lang="it-CH" dirty="0" smtClean="0"/>
+              <a:t>2 modes prévus</a:t>
+            </a:r>
+          </a:p>
+          <a:p>
+            <a:pPr lvl="1"/>
+            <a:r>
+              <a:rPr lang="it-CH" dirty="0" smtClean="0"/>
+              <a:t>Tous contre tous</a:t>
+            </a:r>
+          </a:p>
+          <a:p>
+            <a:pPr lvl="1"/>
+            <a:r>
+              <a:rPr lang="it-CH" dirty="0" smtClean="0"/>
+              <a:t>Par équipe</a:t>
+            </a:r>
+          </a:p>
+          <a:p>
+            <a:pPr lvl="1"/>
+            <a:endParaRPr lang="it-CH" dirty="0" smtClean="0"/>
+          </a:p>
+          <a:p>
+            <a:endParaRPr lang="it-CH" dirty="0" smtClean="0"/>
           </a:p>
         </p:txBody>
       </p:sp>
@@ -4520,6 +5036,13 @@
   <p:clrMapOvr>
     <a:masterClrMapping/>
   </p:clrMapOvr>
+  <p:timing>
+    <p:tnLst>
+      <p:par>
+        <p:cTn id="1" dur="indefinite" restart="never" nodeType="tmRoot"/>
+      </p:par>
+    </p:tnLst>
+  </p:timing>
 </p:sld>
 </file>
 
@@ -4557,7 +5080,7 @@
           <a:p>
             <a:r>
               <a:rPr lang="it-CH" dirty="0" smtClean="0"/>
-              <a:t>Démonstation</a:t>
+              <a:t>Serveur</a:t>
             </a:r>
             <a:endParaRPr lang="it-CH" dirty="0"/>
           </a:p>
@@ -4575,10 +5098,72 @@
         </p:nvSpPr>
         <p:spPr/>
         <p:txBody>
-          <a:bodyPr/>
+          <a:bodyPr>
+            <a:normAutofit lnSpcReduction="10000"/>
+          </a:bodyPr>
           <a:lstStyle/>
           <a:p>
-            <a:endParaRPr lang="it-CH" dirty="0"/>
+            <a:r>
+              <a:rPr lang="fr-FR" dirty="0" smtClean="0"/>
+              <a:t>Modèle de serveur</a:t>
+            </a:r>
+          </a:p>
+          <a:p>
+            <a:r>
+              <a:rPr lang="fr-FR" dirty="0" smtClean="0"/>
+              <a:t>Contrôleur</a:t>
+            </a:r>
+          </a:p>
+          <a:p>
+            <a:pPr lvl="1"/>
+            <a:r>
+              <a:rPr lang="fr-FR" dirty="0" smtClean="0"/>
+              <a:t>Envoi d’information aux clients</a:t>
+            </a:r>
+          </a:p>
+          <a:p>
+            <a:r>
+              <a:rPr lang="fr-FR" dirty="0" smtClean="0"/>
+              <a:t>Décodeur</a:t>
+            </a:r>
+          </a:p>
+          <a:p>
+            <a:pPr lvl="1"/>
+            <a:r>
+              <a:rPr lang="fr-FR" dirty="0" smtClean="0"/>
+              <a:t>Protocole</a:t>
+            </a:r>
+          </a:p>
+          <a:p>
+            <a:r>
+              <a:rPr lang="it-CH" dirty="0" smtClean="0"/>
+              <a:t>Architecture MVC</a:t>
+            </a:r>
+          </a:p>
+          <a:p>
+            <a:pPr lvl="1"/>
+            <a:r>
+              <a:rPr lang="it-CH" dirty="0" smtClean="0"/>
+              <a:t>Vue console</a:t>
+            </a:r>
+          </a:p>
+          <a:p>
+            <a:pPr lvl="1"/>
+            <a:r>
+              <a:rPr lang="it-CH" dirty="0" smtClean="0"/>
+              <a:t>Vue </a:t>
+            </a:r>
+            <a:r>
+              <a:rPr lang="it-CH" dirty="0" smtClean="0"/>
+              <a:t>graphique</a:t>
+            </a:r>
+            <a:endParaRPr lang="fr-FR" dirty="0" smtClean="0"/>
+          </a:p>
+          <a:p>
+            <a:r>
+              <a:rPr lang="fr-FR" dirty="0" smtClean="0"/>
+              <a:t>Multithreadé</a:t>
+            </a:r>
           </a:p>
         </p:txBody>
       </p:sp>
@@ -4623,29 +5208,83 @@
           <a:lstStyle/>
           <a:p>
             <a:r>
+              <a:rPr lang="fr-CH" dirty="0" smtClean="0"/>
+              <a:t>Serveur</a:t>
+            </a:r>
+            <a:endParaRPr lang="fr-CH" dirty="0"/>
+          </a:p>
+        </p:txBody>
+      </p:sp>
+      <p:sp>
+        <p:nvSpPr>
+          <p:cNvPr id="3" name="Espace réservé du contenu 2"/>
+          <p:cNvSpPr>
+            <a:spLocks noGrp="1"/>
+          </p:cNvSpPr>
+          <p:nvPr>
+            <p:ph idx="1"/>
+          </p:nvPr>
+        </p:nvSpPr>
+        <p:spPr/>
+        <p:txBody>
+          <a:bodyPr>
+            <a:normAutofit/>
+          </a:bodyPr>
+          <a:lstStyle/>
+          <a:p>
+            <a:r>
+              <a:rPr lang="fr-FR" dirty="0" smtClean="0"/>
+              <a:t>Utilisateurs invités ou authentifiés</a:t>
+            </a:r>
+          </a:p>
+          <a:p>
+            <a:r>
+              <a:rPr lang="fr-FR" dirty="0" smtClean="0"/>
+              <a:t>Base de </a:t>
+            </a:r>
+            <a:r>
+              <a:rPr lang="fr-FR" dirty="0" smtClean="0"/>
+              <a:t>données </a:t>
+            </a:r>
+            <a:r>
+              <a:rPr lang="fr-FR" dirty="0" smtClean="0"/>
+              <a:t>MySQL</a:t>
+            </a:r>
+          </a:p>
+          <a:p>
+            <a:r>
+              <a:rPr lang="fr-FR" dirty="0" smtClean="0"/>
+              <a:t>Plusieurs parties </a:t>
+            </a:r>
+            <a:r>
+              <a:rPr lang="fr-FR" dirty="0" smtClean="0"/>
+              <a:t>simultanément</a:t>
+            </a:r>
+            <a:endParaRPr lang="it-CH" dirty="0" smtClean="0"/>
+          </a:p>
+          <a:p>
+            <a:r>
               <a:rPr lang="it-CH" dirty="0" smtClean="0"/>
-              <a:t>Moteur du jeu</a:t>
-            </a:r>
-            <a:endParaRPr lang="it-CH" dirty="0"/>
-          </a:p>
-        </p:txBody>
-      </p:sp>
-      <p:sp>
-        <p:nvSpPr>
-          <p:cNvPr id="3" name="Espace réservé du contenu 2"/>
-          <p:cNvSpPr>
-            <a:spLocks noGrp="1"/>
-          </p:cNvSpPr>
-          <p:nvPr>
-            <p:ph idx="1"/>
-          </p:nvPr>
-        </p:nvSpPr>
-        <p:spPr/>
-        <p:txBody>
-          <a:bodyPr/>
-          <a:lstStyle/>
-          <a:p>
-            <a:endParaRPr lang="it-CH"/>
+              <a:t>Packages</a:t>
+            </a:r>
+            <a:endParaRPr lang="it-CH" dirty="0" smtClean="0"/>
+          </a:p>
+          <a:p>
+            <a:pPr lvl="1"/>
+            <a:r>
+              <a:rPr lang="it-CH" dirty="0" smtClean="0"/>
+              <a:t>network</a:t>
+            </a:r>
+          </a:p>
+          <a:p>
+            <a:pPr lvl="1"/>
+            <a:r>
+              <a:rPr lang="it-CH" dirty="0" smtClean="0"/>
+              <a:t>killerbox </a:t>
+            </a:r>
+          </a:p>
+          <a:p>
+            <a:endParaRPr lang="fr-CH" dirty="0"/>
           </a:p>
         </p:txBody>
       </p:sp>
@@ -4674,53 +5313,44 @@
           <a:chExt cx="0" cy="0"/>
         </a:xfrm>
       </p:grpSpPr>
-      <p:sp>
-        <p:nvSpPr>
-          <p:cNvPr id="2" name="Titre 1"/>
-          <p:cNvSpPr>
-            <a:spLocks noGrp="1"/>
-          </p:cNvSpPr>
-          <p:nvPr>
-            <p:ph type="title"/>
-          </p:nvPr>
-        </p:nvSpPr>
-        <p:spPr/>
-        <p:txBody>
-          <a:bodyPr/>
-          <a:lstStyle/>
-          <a:p>
-            <a:r>
-              <a:rPr lang="it-CH" dirty="0" smtClean="0"/>
-              <a:t>Client - Serveur</a:t>
-            </a:r>
-            <a:endParaRPr lang="it-CH" dirty="0"/>
-          </a:p>
-        </p:txBody>
-      </p:sp>
-      <p:sp>
-        <p:nvSpPr>
-          <p:cNvPr id="3" name="Espace réservé du contenu 2"/>
-          <p:cNvSpPr>
-            <a:spLocks noGrp="1"/>
-          </p:cNvSpPr>
-          <p:nvPr>
-            <p:ph idx="1"/>
-          </p:nvPr>
-        </p:nvSpPr>
-        <p:spPr/>
-        <p:txBody>
-          <a:bodyPr/>
-          <a:lstStyle/>
-          <a:p>
-            <a:endParaRPr lang="it-CH"/>
-          </a:p>
-        </p:txBody>
-      </p:sp>
+      <p:pic>
+        <p:nvPicPr>
+          <p:cNvPr id="1026" name="Picture 2" descr="D:\HEIG-VD\GEN\Labo\KillerBox\Conception\ClassDiagramServer.png"/>
+          <p:cNvPicPr>
+            <a:picLocks noChangeAspect="1" noChangeArrowheads="1"/>
+          </p:cNvPicPr>
+          <p:nvPr/>
+        </p:nvPicPr>
+        <p:blipFill>
+          <a:blip r:embed="rId2" cstate="print"/>
+          <a:srcRect/>
+          <a:stretch>
+            <a:fillRect/>
+          </a:stretch>
+        </p:blipFill>
+        <p:spPr bwMode="auto">
+          <a:xfrm>
+            <a:off x="1000100" y="500042"/>
+            <a:ext cx="8143900" cy="5650386"/>
+          </a:xfrm>
+          <a:prstGeom prst="rect">
+            <a:avLst/>
+          </a:prstGeom>
+          <a:noFill/>
+        </p:spPr>
+      </p:pic>
     </p:spTree>
   </p:cSld>
   <p:clrMapOvr>
     <a:masterClrMapping/>
   </p:clrMapOvr>
+  <p:timing>
+    <p:tnLst>
+      <p:par>
+        <p:cTn id="1" dur="indefinite" restart="never" nodeType="tmRoot"/>
+      </p:par>
+    </p:tnLst>
+  </p:timing>
 </p:sld>
 </file>
 
@@ -4757,10 +5387,10 @@
           <a:lstStyle/>
           <a:p>
             <a:r>
-              <a:rPr lang="it-CH" dirty="0" smtClean="0"/>
-              <a:t>Interface graphique</a:t>
-            </a:r>
-            <a:endParaRPr lang="it-CH" dirty="0"/>
+              <a:rPr lang="fr-CH" dirty="0" smtClean="0"/>
+              <a:t>Client</a:t>
+            </a:r>
+            <a:endParaRPr lang="fr-CH" dirty="0"/>
           </a:p>
         </p:txBody>
       </p:sp>
@@ -4776,33 +5406,41 @@
         </p:nvSpPr>
         <p:spPr/>
         <p:txBody>
-          <a:bodyPr/>
+          <a:bodyPr>
+            <a:normAutofit/>
+          </a:bodyPr>
           <a:lstStyle/>
           <a:p>
             <a:r>
-              <a:rPr lang="it-CH" dirty="0" smtClean="0"/>
-              <a:t>Une fenetre de base</a:t>
-            </a:r>
-          </a:p>
-          <a:p>
-            <a:endParaRPr lang="it-CH" dirty="0" smtClean="0"/>
-          </a:p>
-          <a:p>
-            <a:r>
               <a:rPr lang="fr-CH" dirty="0" smtClean="0"/>
-              <a:t>Différents panels pour le contenu</a:t>
-            </a:r>
-            <a:endParaRPr lang="fr-FR" dirty="0" smtClean="0"/>
-          </a:p>
-          <a:p>
-            <a:endParaRPr lang="fr-FR" dirty="0" smtClean="0"/>
-          </a:p>
-          <a:p>
-            <a:r>
-              <a:rPr lang="it-CH" dirty="0" smtClean="0"/>
-              <a:t> </a:t>
-            </a:r>
-            <a:endParaRPr lang="it-CH" dirty="0"/>
+              <a:t>Utilisation d’un modèle de client</a:t>
+            </a:r>
+          </a:p>
+          <a:p>
+            <a:r>
+              <a:rPr lang="fr-CH" dirty="0" smtClean="0"/>
+              <a:t>Contrôleur</a:t>
+            </a:r>
+          </a:p>
+          <a:p>
+            <a:pPr lvl="1"/>
+            <a:r>
+              <a:rPr lang="fr-CH" dirty="0" smtClean="0"/>
+              <a:t>Envoyer des informations au serveur</a:t>
+            </a:r>
+          </a:p>
+          <a:p>
+            <a:r>
+              <a:rPr lang="fr-CH" dirty="0" smtClean="0"/>
+              <a:t>Décodeur</a:t>
+            </a:r>
+          </a:p>
+          <a:p>
+            <a:pPr lvl="1"/>
+            <a:r>
+              <a:rPr lang="fr-CH" dirty="0" smtClean="0"/>
+              <a:t>Protocole</a:t>
+            </a:r>
           </a:p>
         </p:txBody>
       </p:sp>
@@ -4811,13 +5449,20 @@
   <p:clrMapOvr>
     <a:masterClrMapping/>
   </p:clrMapOvr>
+  <p:timing>
+    <p:tnLst>
+      <p:par>
+        <p:cTn id="1" dur="indefinite" restart="never" nodeType="tmRoot"/>
+      </p:par>
+    </p:tnLst>
+  </p:timing>
 </p:sld>
 </file>
 
 <file path=ppt/theme/theme1.xml><?xml version="1.0" encoding="utf-8"?>
-<a:theme xmlns:a="http://schemas.openxmlformats.org/drawingml/2006/main" name="Module">
+<a:theme xmlns:a="http://schemas.openxmlformats.org/drawingml/2006/main" name="Solstice">
   <a:themeElements>
-    <a:clrScheme name="Module">
+    <a:clrScheme name="Solstice">
       <a:dk1>
         <a:sysClr val="windowText" lastClr="000000"/>
       </a:dk1>
@@ -4825,48 +5470,50 @@
         <a:sysClr val="window" lastClr="FFFFFF"/>
       </a:lt1>
       <a:dk2>
-        <a:srgbClr val="5A6378"/>
+        <a:srgbClr val="4F271C"/>
       </a:dk2>
       <a:lt2>
-        <a:srgbClr val="D4D4D6"/>
+        <a:srgbClr val="E7DEC9"/>
       </a:lt2>
       <a:accent1>
-        <a:srgbClr val="F0AD00"/>
+        <a:srgbClr val="3891A7"/>
       </a:accent1>
       <a:accent2>
-        <a:srgbClr val="60B5CC"/>
+        <a:srgbClr val="FEB80A"/>
       </a:accent2>
       <a:accent3>
-        <a:srgbClr val="E66C7D"/>
+        <a:srgbClr val="C32D2E"/>
       </a:accent3>
       <a:accent4>
-        <a:srgbClr val="6BB76D"/>
+        <a:srgbClr val="84AA33"/>
       </a:accent4>
       <a:accent5>
-        <a:srgbClr val="E88651"/>
+        <a:srgbClr val="964305"/>
       </a:accent5>
       <a:accent6>
-        <a:srgbClr val="C64847"/>
+        <a:srgbClr val="475A8D"/>
       </a:accent6>
       <a:hlink>
-        <a:srgbClr val="168BBA"/>
+        <a:srgbClr val="8DC765"/>
       </a:hlink>
       <a:folHlink>
-        <a:srgbClr val="680000"/>
+        <a:srgbClr val="AA8A14"/>
       </a:folHlink>
     </a:clrScheme>
-    <a:fontScheme name="Module">
+    <a:fontScheme name="Solstice">
       <a:majorFont>
-        <a:latin typeface="Corbel"/>
+        <a:latin typeface="Gill Sans MT"/>
         <a:ea typeface=""/>
         <a:cs typeface=""/>
-        <a:font script="Jpan" typeface="HGｺﾞｼｯｸM"/>
-        <a:font script="Hang" typeface="HY엽서L"/>
-        <a:font script="Hans" typeface="华文楷体"/>
-        <a:font script="Hant" typeface="新細明體"/>
-        <a:font script="Arab" typeface="Tahoma"/>
-        <a:font script="Hebr" typeface="Miriam"/>
-        <a:font script="Thai" typeface="DilleniaUPC"/>
+        <a:font script="Grek" typeface="Corbel"/>
+        <a:font script="Cyrl" typeface="Corbel"/>
+        <a:font script="Jpan" typeface="HGｺﾞｼｯｸE"/>
+        <a:font script="Hang" typeface="휴먼매직체"/>
+        <a:font script="Hans" typeface="华文中宋"/>
+        <a:font script="Hant" typeface="微軟正黑體"/>
+        <a:font script="Arab" typeface="Majalla UI"/>
+        <a:font script="Hebr" typeface="Arial"/>
+        <a:font script="Thai" typeface="Cordia New"/>
         <a:font script="Ethi" typeface="Nyala"/>
         <a:font script="Beng" typeface="Vrinda"/>
         <a:font script="Gujr" typeface="Shruti"/>
@@ -4887,20 +5534,22 @@
         <a:font script="Laoo" typeface="DokChampa"/>
         <a:font script="Sinh" typeface="Iskoola Pota"/>
         <a:font script="Mong" typeface="Mongolian Baiti"/>
-        <a:font script="Viet" typeface="Arial"/>
+        <a:font script="Viet" typeface="Tahoma"/>
         <a:font script="Uigh" typeface="Microsoft Uighur"/>
       </a:majorFont>
       <a:minorFont>
-        <a:latin typeface="Corbel"/>
+        <a:latin typeface="Gill Sans MT"/>
         <a:ea typeface=""/>
         <a:cs typeface=""/>
-        <a:font script="Jpan" typeface="HGｺﾞｼｯｸM"/>
+        <a:font script="Grek" typeface="Corbel"/>
+        <a:font script="Cyrl" typeface="Corbel"/>
+        <a:font script="Jpan" typeface="HGｺﾞｼｯｸE"/>
         <a:font script="Hang" typeface="HY엽서L"/>
-        <a:font script="Hans" typeface="华文楷体"/>
-        <a:font script="Hant" typeface="新細明體"/>
-        <a:font script="Arab" typeface="Tahoma"/>
-        <a:font script="Hebr" typeface="Miriam"/>
-        <a:font script="Thai" typeface="DilleniaUPC"/>
+        <a:font script="Hans" typeface="华文中宋"/>
+        <a:font script="Hant" typeface="微軟正黑體"/>
+        <a:font script="Arab" typeface="Majalla UI"/>
+        <a:font script="Hebr" typeface="Arial"/>
+        <a:font script="Thai" typeface="Cordia New"/>
         <a:font script="Ethi" typeface="Nyala"/>
         <a:font script="Beng" typeface="Vrinda"/>
         <a:font script="Gujr" typeface="Shruti"/>
@@ -4921,11 +5570,11 @@
         <a:font script="Laoo" typeface="DokChampa"/>
         <a:font script="Sinh" typeface="Iskoola Pota"/>
         <a:font script="Mong" typeface="Mongolian Baiti"/>
-        <a:font script="Viet" typeface="Arial"/>
+        <a:font script="Viet" typeface="Tahoma"/>
         <a:font script="Uigh" typeface="Microsoft Uighur"/>
       </a:minorFont>
     </a:fontScheme>
-    <a:fmtScheme name="Module">
+    <a:fmtScheme name="Solstice">
       <a:fillStyleLst>
         <a:solidFill>
           <a:schemeClr val="phClr"/>
@@ -4934,66 +5583,88 @@
           <a:gsLst>
             <a:gs pos="0">
               <a:schemeClr val="phClr">
-                <a:tint val="50000"/>
-                <a:satMod val="300000"/>
+                <a:tint val="35000"/>
+                <a:satMod val="253000"/>
               </a:schemeClr>
             </a:gs>
-            <a:gs pos="35000">
+            <a:gs pos="50000">
               <a:schemeClr val="phClr">
-                <a:tint val="37000"/>
-                <a:satMod val="300000"/>
+                <a:tint val="42000"/>
+                <a:satMod val="255000"/>
+              </a:schemeClr>
+            </a:gs>
+            <a:gs pos="97000">
+              <a:schemeClr val="phClr">
+                <a:tint val="53000"/>
+                <a:satMod val="260000"/>
               </a:schemeClr>
             </a:gs>
             <a:gs pos="100000">
               <a:schemeClr val="phClr">
-                <a:tint val="15000"/>
-                <a:satMod val="350000"/>
+                <a:tint val="56000"/>
+                <a:satMod val="275000"/>
               </a:schemeClr>
             </a:gs>
           </a:gsLst>
-          <a:lin ang="16200000" scaled="1"/>
+          <a:path path="circle">
+            <a:fillToRect l="50000" t="50000" r="50000" b="50000"/>
+          </a:path>
         </a:gradFill>
         <a:gradFill rotWithShape="1">
           <a:gsLst>
             <a:gs pos="0">
               <a:schemeClr val="phClr">
-                <a:shade val="47500"/>
-                <a:satMod val="137000"/>
+                <a:tint val="92000"/>
+                <a:satMod val="170000"/>
               </a:schemeClr>
             </a:gs>
-            <a:gs pos="55000">
+            <a:gs pos="15000">
               <a:schemeClr val="phClr">
-                <a:shade val="69000"/>
-                <a:satMod val="137000"/>
+                <a:tint val="92000"/>
+                <a:shade val="99000"/>
+                <a:satMod val="170000"/>
+              </a:schemeClr>
+            </a:gs>
+            <a:gs pos="62000">
+              <a:schemeClr val="phClr">
+                <a:tint val="96000"/>
+                <a:shade val="80000"/>
+                <a:satMod val="170000"/>
+              </a:schemeClr>
+            </a:gs>
+            <a:gs pos="97000">
+              <a:schemeClr val="phClr">
+                <a:tint val="98000"/>
+                <a:shade val="63000"/>
+                <a:satMod val="170000"/>
               </a:schemeClr>
             </a:gs>
             <a:gs pos="100000">
               <a:schemeClr val="phClr">
-                <a:shade val="98000"/>
-                <a:satMod val="137000"/>
+                <a:shade val="62000"/>
+                <a:satMod val="170000"/>
               </a:schemeClr>
             </a:gs>
           </a:gsLst>
-          <a:lin ang="16200000" scaled="0"/>
+          <a:path path="circle">
+            <a:fillToRect l="50000" t="50000" r="50000" b="50000"/>
+          </a:path>
         </a:gradFill>
       </a:fillStyleLst>
       <a:lnStyleLst>
-        <a:ln w="6350" cap="rnd" cmpd="sng" algn="ctr">
-          <a:solidFill>
-            <a:schemeClr val="phClr">
-              <a:shade val="95000"/>
-              <a:satMod val="105000"/>
-            </a:schemeClr>
-          </a:solidFill>
-          <a:prstDash val="solid"/>
-        </a:ln>
-        <a:ln w="48000" cap="flat" cmpd="thickThin" algn="ctr">
+        <a:ln w="9525" cap="flat" cmpd="sng" algn="ctr">
           <a:solidFill>
             <a:schemeClr val="phClr"/>
           </a:solidFill>
           <a:prstDash val="solid"/>
         </a:ln>
-        <a:ln w="48500" cap="flat" cmpd="thickThin" algn="ctr">
+        <a:ln w="25400" cap="flat" cmpd="sng" algn="ctr">
+          <a:solidFill>
+            <a:schemeClr val="phClr"/>
+          </a:solidFill>
+          <a:prstDash val="solid"/>
+        </a:ln>
+        <a:ln w="25400" cap="flat" cmpd="sng" algn="ctr">
           <a:solidFill>
             <a:schemeClr val="phClr"/>
           </a:solidFill>
@@ -5003,27 +5674,18 @@
       <a:effectStyleLst>
         <a:effectStyle>
           <a:effectLst>
-            <a:outerShdw blurRad="45000" dist="25000" dir="5400000" rotWithShape="0">
+            <a:outerShdw blurRad="63500" dist="25400" dir="5400000" rotWithShape="0">
               <a:srgbClr val="000000">
-                <a:alpha val="38000"/>
+                <a:alpha val="43137"/>
               </a:srgbClr>
             </a:outerShdw>
           </a:effectLst>
         </a:effectStyle>
         <a:effectStyle>
           <a:effectLst>
-            <a:outerShdw blurRad="39000" dist="25400" dir="5400000" rotWithShape="0">
+            <a:outerShdw blurRad="63500" dist="25400" dir="5400000" rotWithShape="0">
               <a:srgbClr val="000000">
-                <a:alpha val="38000"/>
-              </a:srgbClr>
-            </a:outerShdw>
-          </a:effectLst>
-        </a:effectStyle>
-        <a:effectStyle>
-          <a:effectLst>
-            <a:outerShdw blurRad="39000" dist="25400" dir="5400000" rotWithShape="0">
-              <a:srgbClr val="000000">
-                <a:alpha val="38000"/>
+                <a:alpha val="43137"/>
               </a:srgbClr>
             </a:outerShdw>
           </a:effectLst>
@@ -5031,12 +5693,40 @@
             <a:camera prst="orthographicFront" fov="0">
               <a:rot lat="0" lon="0" rev="0"/>
             </a:camera>
-            <a:lightRig rig="threePt" dir="t">
-              <a:rot lat="0" lon="0" rev="1800000"/>
+            <a:lightRig rig="brightRoom" dir="tl">
+              <a:rot lat="0" lon="0" rev="8700000"/>
             </a:lightRig>
           </a:scene3d>
-          <a:sp3d prstMaterial="matte">
-            <a:bevelT h="20000"/>
+          <a:sp3d contourW="12700">
+            <a:bevelT w="0" h="0"/>
+            <a:contourClr>
+              <a:schemeClr val="phClr">
+                <a:shade val="80000"/>
+              </a:schemeClr>
+            </a:contourClr>
+          </a:sp3d>
+        </a:effectStyle>
+        <a:effectStyle>
+          <a:effectLst>
+            <a:outerShdw blurRad="63500" dist="25400" dir="5400000" rotWithShape="0">
+              <a:srgbClr val="000000">
+                <a:alpha val="43137"/>
+              </a:srgbClr>
+            </a:outerShdw>
+          </a:effectLst>
+          <a:scene3d>
+            <a:camera prst="orthographicFront" fov="0">
+              <a:rot lat="0" lon="0" rev="0"/>
+            </a:camera>
+            <a:lightRig rig="brightRoom" dir="tl">
+              <a:rot lat="0" lon="0" rev="5400000"/>
+            </a:lightRig>
+          </a:scene3d>
+          <a:sp3d contourW="12700">
+            <a:bevelT w="25400" h="50800" prst="angle"/>
+            <a:contourClr>
+              <a:schemeClr val="phClr"/>
+            </a:contourClr>
           </a:sp3d>
         </a:effectStyle>
       </a:effectStyleLst>
@@ -5048,46 +5738,41 @@
           <a:gsLst>
             <a:gs pos="0">
               <a:schemeClr val="phClr">
-                <a:tint val="48000"/>
-                <a:satMod val="300000"/>
+                <a:tint val="60000"/>
+                <a:satMod val="355000"/>
               </a:schemeClr>
             </a:gs>
-            <a:gs pos="12000">
+            <a:gs pos="40000">
               <a:schemeClr val="phClr">
-                <a:tint val="48000"/>
-                <a:satMod val="300000"/>
-              </a:schemeClr>
-            </a:gs>
-            <a:gs pos="20000">
-              <a:schemeClr val="phClr">
-                <a:tint val="49000"/>
-                <a:satMod val="300000"/>
+                <a:tint val="85000"/>
+                <a:satMod val="320000"/>
               </a:schemeClr>
             </a:gs>
             <a:gs pos="100000">
               <a:schemeClr val="phClr">
-                <a:shade val="30000"/>
+                <a:shade val="55000"/>
+                <a:satMod val="300000"/>
               </a:schemeClr>
             </a:gs>
           </a:gsLst>
           <a:path path="circle">
-            <a:fillToRect l="10000" t="-25000" r="10000" b="125000"/>
+            <a:fillToRect l="-24500" t="-20000" r="124500" b="120000"/>
           </a:path>
         </a:gradFill>
         <a:blipFill>
           <a:blip xmlns:r="http://schemas.openxmlformats.org/officeDocument/2006/relationships" r:embed="rId1">
             <a:duotone>
               <a:schemeClr val="phClr">
-                <a:shade val="75000"/>
-                <a:satMod val="105000"/>
+                <a:shade val="9000"/>
+                <a:satMod val="300000"/>
               </a:schemeClr>
               <a:schemeClr val="phClr">
-                <a:tint val="95000"/>
-                <a:satMod val="105000"/>
+                <a:tint val="90000"/>
+                <a:satMod val="225000"/>
               </a:schemeClr>
             </a:duotone>
           </a:blip>
-          <a:tile tx="0" ty="0" sx="38000" sy="38000" flip="none" algn="tl"/>
+          <a:tile tx="0" ty="0" sx="90000" sy="90000" flip="xy" algn="tl"/>
         </a:blipFill>
       </a:bgFillStyleLst>
     </a:fmtScheme>

--- a/Documentation/presentation.pptx
+++ b/Documentation/presentation.pptx
@@ -5105,6 +5105,12 @@
           <a:p>
             <a:r>
               <a:rPr lang="fr-FR" dirty="0" smtClean="0"/>
+              <a:t>Architecture MVC</a:t>
+            </a:r>
+          </a:p>
+          <a:p>
+            <a:r>
+              <a:rPr lang="fr-FR" dirty="0" smtClean="0"/>
               <a:t>Modèle de serveur</a:t>
             </a:r>
           </a:p>
@@ -5118,7 +5124,7 @@
             <a:pPr lvl="1"/>
             <a:r>
               <a:rPr lang="fr-FR" dirty="0" smtClean="0"/>
-              <a:t>Envoi d’information aux clients</a:t>
+              <a:t>Envoi d’informations aux clients</a:t>
             </a:r>
           </a:p>
           <a:p>
@@ -5137,8 +5143,9 @@
           <a:p>
             <a:r>
               <a:rPr lang="it-CH" dirty="0" smtClean="0"/>
-              <a:t>Architecture MVC</a:t>
-            </a:r>
+              <a:t>Vues</a:t>
+            </a:r>
+            <a:endParaRPr lang="it-CH" dirty="0" smtClean="0"/>
           </a:p>
           <a:p>
             <a:pPr lvl="1"/>
@@ -5158,12 +5165,6 @@
               <a:t>graphique</a:t>
             </a:r>
             <a:endParaRPr lang="fr-FR" dirty="0" smtClean="0"/>
-          </a:p>
-          <a:p>
-            <a:r>
-              <a:rPr lang="fr-FR" dirty="0" smtClean="0"/>
-              <a:t>Multithreadé</a:t>
-            </a:r>
           </a:p>
         </p:txBody>
       </p:sp>
@@ -5234,7 +5235,17 @@
           <a:p>
             <a:r>
               <a:rPr lang="fr-FR" dirty="0" smtClean="0"/>
-              <a:t>Utilisateurs invités ou authentifiés</a:t>
+              <a:t>Multithreadé</a:t>
+            </a:r>
+          </a:p>
+          <a:p>
+            <a:r>
+              <a:rPr lang="fr-FR" dirty="0" smtClean="0"/>
+              <a:t>Utilisateurs </a:t>
+            </a:r>
+            <a:r>
+              <a:rPr lang="fr-FR" dirty="0" smtClean="0"/>
+              <a:t>invités ou authentifiés</a:t>
             </a:r>
           </a:p>
           <a:p>

--- a/Documentation/presentation.pptx
+++ b/Documentation/presentation.pptx
@@ -16,8 +16,11 @@
     <p:sldId id="270" r:id="rId10"/>
     <p:sldId id="273" r:id="rId11"/>
     <p:sldId id="272" r:id="rId12"/>
-    <p:sldId id="269" r:id="rId13"/>
-    <p:sldId id="258" r:id="rId14"/>
+    <p:sldId id="275" r:id="rId13"/>
+    <p:sldId id="276" r:id="rId14"/>
+    <p:sldId id="277" r:id="rId15"/>
+    <p:sldId id="269" r:id="rId16"/>
+    <p:sldId id="258" r:id="rId17"/>
   </p:sldIdLst>
   <p:sldSz cx="9144000" cy="6858000" type="screen4x3"/>
   <p:notesSz cx="6858000" cy="9144000"/>
@@ -450,6 +453,9 @@
   <p:clrMapOvr>
     <a:masterClrMapping/>
   </p:clrMapOvr>
+  <p:transition>
+    <p:fade/>
+  </p:transition>
 </p:sldLayout>
 </file>
 
@@ -627,6 +633,9 @@
   <p:clrMapOvr>
     <a:masterClrMapping/>
   </p:clrMapOvr>
+  <p:transition>
+    <p:fade/>
+  </p:transition>
 </p:sldLayout>
 </file>
 
@@ -814,6 +823,9 @@
   <p:clrMapOvr>
     <a:masterClrMapping/>
   </p:clrMapOvr>
+  <p:transition>
+    <p:fade/>
+  </p:transition>
 </p:sldLayout>
 </file>
 
@@ -991,6 +1003,9 @@
   <p:clrMapOvr>
     <a:masterClrMapping/>
   </p:clrMapOvr>
+  <p:transition>
+    <p:fade/>
+  </p:transition>
 </p:sldLayout>
 </file>
 
@@ -1455,6 +1470,9 @@
   <p:clrMapOvr>
     <a:masterClrMapping/>
   </p:clrMapOvr>
+  <p:transition>
+    <p:fade/>
+  </p:transition>
 </p:sldLayout>
 </file>
 
@@ -1731,6 +1749,9 @@
   <p:clrMapOvr>
     <a:masterClrMapping/>
   </p:clrMapOvr>
+  <p:transition>
+    <p:fade/>
+  </p:transition>
 </p:sldLayout>
 </file>
 
@@ -2222,6 +2243,9 @@
   <p:clrMapOvr>
     <a:masterClrMapping/>
   </p:clrMapOvr>
+  <p:transition>
+    <p:fade/>
+  </p:transition>
 </p:sldLayout>
 </file>
 
@@ -2350,6 +2374,9 @@
   <p:clrMapOvr>
     <a:masterClrMapping/>
   </p:clrMapOvr>
+  <p:transition>
+    <p:fade/>
+  </p:transition>
 </p:sldLayout>
 </file>
 
@@ -2552,6 +2579,9 @@
   <p:clrMapOvr>
     <a:masterClrMapping/>
   </p:clrMapOvr>
+  <p:transition>
+    <p:fade/>
+  </p:transition>
 </p:sldLayout>
 </file>
 
@@ -2820,6 +2850,9 @@
   <p:clrMapOvr>
     <a:masterClrMapping/>
   </p:clrMapOvr>
+  <p:transition>
+    <p:fade/>
+  </p:transition>
 </p:sldLayout>
 </file>
 
@@ -3258,6 +3291,9 @@
   <p:clrMapOvr>
     <a:masterClrMapping/>
   </p:clrMapOvr>
+  <p:transition>
+    <p:fade/>
+  </p:transition>
 </p:sldLayout>
 </file>
 
@@ -3844,6 +3880,9 @@
     <p:sldLayoutId id="2147483910" r:id="rId10"/>
     <p:sldLayoutId id="2147483911" r:id="rId11"/>
   </p:sldLayoutIdLst>
+  <p:transition>
+    <p:fade/>
+  </p:transition>
   <p:txStyles>
     <p:titleStyle>
       <a:lvl1pPr algn="l" rtl="0" eaLnBrk="1" latinLnBrk="0" hangingPunct="1">
@@ -4320,6 +4359,9 @@
   <p:clrMapOvr>
     <a:masterClrMapping/>
   </p:clrMapOvr>
+  <p:transition>
+    <p:fade/>
+  </p:transition>
   <p:timing>
     <p:tnLst>
       <p:par>
@@ -4427,6 +4469,16 @@
   <p:clrMapOvr>
     <a:masterClrMapping/>
   </p:clrMapOvr>
+  <p:transition>
+    <p:fade/>
+  </p:transition>
+  <p:timing>
+    <p:tnLst>
+      <p:par>
+        <p:cTn id="1" dur="indefinite" restart="never" nodeType="tmRoot"/>
+      </p:par>
+    </p:tnLst>
+  </p:timing>
 </p:sld>
 </file>
 
@@ -4478,6 +4530,16 @@
   <p:clrMapOvr>
     <a:masterClrMapping/>
   </p:clrMapOvr>
+  <p:transition>
+    <p:fade/>
+  </p:transition>
+  <p:timing>
+    <p:tnLst>
+      <p:par>
+        <p:cTn id="1" dur="indefinite" restart="never" nodeType="tmRoot"/>
+      </p:par>
+    </p:tnLst>
+  </p:timing>
 </p:sld>
 </file>
 
@@ -4514,10 +4576,10 @@
           <a:lstStyle/>
           <a:p>
             <a:r>
-              <a:rPr lang="it-CH" dirty="0" smtClean="0"/>
-              <a:t>Conclusion</a:t>
-            </a:r>
-            <a:endParaRPr lang="it-CH" dirty="0"/>
+              <a:rPr lang="fr-CH" dirty="0" smtClean="0"/>
+              <a:t>Jeu</a:t>
+            </a:r>
+            <a:endParaRPr lang="fr-CH" dirty="0"/>
           </a:p>
         </p:txBody>
       </p:sp>
@@ -4537,8 +4599,8 @@
           <a:lstStyle/>
           <a:p>
             <a:r>
-              <a:rPr lang="it-CH" dirty="0" smtClean="0"/>
-              <a:t>Pas de mode par équipe</a:t>
+              <a:rPr lang="fr-CH" dirty="0" smtClean="0"/>
+              <a:t>Carte unique</a:t>
             </a:r>
           </a:p>
         </p:txBody>
@@ -4548,6 +4610,16 @@
   <p:clrMapOvr>
     <a:masterClrMapping/>
   </p:clrMapOvr>
+  <p:transition>
+    <p:fade/>
+  </p:transition>
+  <p:timing>
+    <p:tnLst>
+      <p:par>
+        <p:cTn id="1" dur="indefinite" restart="never" nodeType="tmRoot"/>
+      </p:par>
+    </p:tnLst>
+  </p:timing>
 </p:sld>
 </file>
 
@@ -4584,6 +4656,269 @@
           <a:lstStyle/>
           <a:p>
             <a:r>
+              <a:rPr lang="fr-CH" dirty="0" smtClean="0"/>
+              <a:t>Jeu</a:t>
+            </a:r>
+            <a:endParaRPr lang="fr-CH" dirty="0"/>
+          </a:p>
+        </p:txBody>
+      </p:sp>
+      <p:sp>
+        <p:nvSpPr>
+          <p:cNvPr id="3" name="Espace réservé du contenu 2"/>
+          <p:cNvSpPr>
+            <a:spLocks noGrp="1"/>
+          </p:cNvSpPr>
+          <p:nvPr>
+            <p:ph idx="1"/>
+          </p:nvPr>
+        </p:nvSpPr>
+        <p:spPr/>
+        <p:txBody>
+          <a:bodyPr/>
+          <a:lstStyle/>
+          <a:p>
+            <a:endParaRPr lang="fr-CH" dirty="0"/>
+          </a:p>
+        </p:txBody>
+      </p:sp>
+      <p:pic>
+        <p:nvPicPr>
+          <p:cNvPr id="4" name="Picture 2" descr="D:\HEIG-VD\GEN\Labo\KillerBox\Documentation\jeu1.png"/>
+          <p:cNvPicPr>
+            <a:picLocks noChangeAspect="1" noChangeArrowheads="1"/>
+          </p:cNvPicPr>
+          <p:nvPr/>
+        </p:nvPicPr>
+        <p:blipFill>
+          <a:blip r:embed="rId2" cstate="print"/>
+          <a:srcRect/>
+          <a:stretch>
+            <a:fillRect/>
+          </a:stretch>
+        </p:blipFill>
+        <p:spPr bwMode="auto">
+          <a:xfrm>
+            <a:off x="1428728" y="1428736"/>
+            <a:ext cx="7429552" cy="4831776"/>
+          </a:xfrm>
+          <a:prstGeom prst="rect">
+            <a:avLst/>
+          </a:prstGeom>
+          <a:noFill/>
+        </p:spPr>
+      </p:pic>
+    </p:spTree>
+  </p:cSld>
+  <p:clrMapOvr>
+    <a:masterClrMapping/>
+  </p:clrMapOvr>
+  <p:transition>
+    <p:fade/>
+  </p:transition>
+  <p:timing>
+    <p:tnLst>
+      <p:par>
+        <p:cTn id="1" dur="indefinite" restart="never" nodeType="tmRoot"/>
+      </p:par>
+    </p:tnLst>
+  </p:timing>
+</p:sld>
+</file>
+
+<file path=ppt/slides/slide14.xml><?xml version="1.0" encoding="utf-8"?>
+<p:sld xmlns:a="http://schemas.openxmlformats.org/drawingml/2006/main" xmlns:r="http://schemas.openxmlformats.org/officeDocument/2006/relationships" xmlns:p="http://schemas.openxmlformats.org/presentationml/2006/main">
+  <p:cSld>
+    <p:spTree>
+      <p:nvGrpSpPr>
+        <p:cNvPr id="1" name=""/>
+        <p:cNvGrpSpPr/>
+        <p:nvPr/>
+      </p:nvGrpSpPr>
+      <p:grpSpPr>
+        <a:xfrm>
+          <a:off x="0" y="0"/>
+          <a:ext cx="0" cy="0"/>
+          <a:chOff x="0" y="0"/>
+          <a:chExt cx="0" cy="0"/>
+        </a:xfrm>
+      </p:grpSpPr>
+      <p:sp>
+        <p:nvSpPr>
+          <p:cNvPr id="2" name="Titre 1"/>
+          <p:cNvSpPr>
+            <a:spLocks noGrp="1"/>
+          </p:cNvSpPr>
+          <p:nvPr>
+            <p:ph type="title"/>
+          </p:nvPr>
+        </p:nvSpPr>
+        <p:spPr/>
+        <p:txBody>
+          <a:bodyPr/>
+          <a:lstStyle/>
+          <a:p>
+            <a:r>
+              <a:rPr lang="fr-CH" dirty="0" smtClean="0"/>
+              <a:t>Démonstration</a:t>
+            </a:r>
+            <a:endParaRPr lang="fr-CH" dirty="0"/>
+          </a:p>
+        </p:txBody>
+      </p:sp>
+      <p:sp>
+        <p:nvSpPr>
+          <p:cNvPr id="3" name="Espace réservé du contenu 2"/>
+          <p:cNvSpPr>
+            <a:spLocks noGrp="1"/>
+          </p:cNvSpPr>
+          <p:nvPr>
+            <p:ph idx="1"/>
+          </p:nvPr>
+        </p:nvSpPr>
+        <p:spPr/>
+        <p:txBody>
+          <a:bodyPr/>
+          <a:lstStyle/>
+          <a:p>
+            <a:pPr>
+              <a:buNone/>
+            </a:pPr>
+            <a:endParaRPr lang="fr-CH" dirty="0"/>
+          </a:p>
+        </p:txBody>
+      </p:sp>
+    </p:spTree>
+  </p:cSld>
+  <p:clrMapOvr>
+    <a:masterClrMapping/>
+  </p:clrMapOvr>
+  <p:transition>
+    <p:fade/>
+  </p:transition>
+  <p:timing>
+    <p:tnLst>
+      <p:par>
+        <p:cTn id="1" dur="indefinite" restart="never" nodeType="tmRoot"/>
+      </p:par>
+    </p:tnLst>
+  </p:timing>
+</p:sld>
+</file>
+
+<file path=ppt/slides/slide15.xml><?xml version="1.0" encoding="utf-8"?>
+<p:sld xmlns:a="http://schemas.openxmlformats.org/drawingml/2006/main" xmlns:r="http://schemas.openxmlformats.org/officeDocument/2006/relationships" xmlns:p="http://schemas.openxmlformats.org/presentationml/2006/main">
+  <p:cSld>
+    <p:spTree>
+      <p:nvGrpSpPr>
+        <p:cNvPr id="1" name=""/>
+        <p:cNvGrpSpPr/>
+        <p:nvPr/>
+      </p:nvGrpSpPr>
+      <p:grpSpPr>
+        <a:xfrm>
+          <a:off x="0" y="0"/>
+          <a:ext cx="0" cy="0"/>
+          <a:chOff x="0" y="0"/>
+          <a:chExt cx="0" cy="0"/>
+        </a:xfrm>
+      </p:grpSpPr>
+      <p:sp>
+        <p:nvSpPr>
+          <p:cNvPr id="2" name="Titre 1"/>
+          <p:cNvSpPr>
+            <a:spLocks noGrp="1"/>
+          </p:cNvSpPr>
+          <p:nvPr>
+            <p:ph type="title"/>
+          </p:nvPr>
+        </p:nvSpPr>
+        <p:spPr/>
+        <p:txBody>
+          <a:bodyPr/>
+          <a:lstStyle/>
+          <a:p>
+            <a:r>
+              <a:rPr lang="it-CH" dirty="0" smtClean="0"/>
+              <a:t>Conclusion</a:t>
+            </a:r>
+            <a:endParaRPr lang="it-CH" dirty="0"/>
+          </a:p>
+        </p:txBody>
+      </p:sp>
+      <p:sp>
+        <p:nvSpPr>
+          <p:cNvPr id="3" name="Espace réservé du contenu 2"/>
+          <p:cNvSpPr>
+            <a:spLocks noGrp="1"/>
+          </p:cNvSpPr>
+          <p:nvPr>
+            <p:ph idx="1"/>
+          </p:nvPr>
+        </p:nvSpPr>
+        <p:spPr/>
+        <p:txBody>
+          <a:bodyPr/>
+          <a:lstStyle/>
+          <a:p>
+            <a:r>
+              <a:rPr lang="it-CH" dirty="0" smtClean="0"/>
+              <a:t>Pas de mode par équipe</a:t>
+            </a:r>
+          </a:p>
+        </p:txBody>
+      </p:sp>
+    </p:spTree>
+  </p:cSld>
+  <p:clrMapOvr>
+    <a:masterClrMapping/>
+  </p:clrMapOvr>
+  <p:transition>
+    <p:fade/>
+  </p:transition>
+  <p:timing>
+    <p:tnLst>
+      <p:par>
+        <p:cTn id="1" dur="indefinite" restart="never" nodeType="tmRoot"/>
+      </p:par>
+    </p:tnLst>
+  </p:timing>
+</p:sld>
+</file>
+
+<file path=ppt/slides/slide16.xml><?xml version="1.0" encoding="utf-8"?>
+<p:sld xmlns:a="http://schemas.openxmlformats.org/drawingml/2006/main" xmlns:r="http://schemas.openxmlformats.org/officeDocument/2006/relationships" xmlns:p="http://schemas.openxmlformats.org/presentationml/2006/main">
+  <p:cSld>
+    <p:spTree>
+      <p:nvGrpSpPr>
+        <p:cNvPr id="1" name=""/>
+        <p:cNvGrpSpPr/>
+        <p:nvPr/>
+      </p:nvGrpSpPr>
+      <p:grpSpPr>
+        <a:xfrm>
+          <a:off x="0" y="0"/>
+          <a:ext cx="0" cy="0"/>
+          <a:chOff x="0" y="0"/>
+          <a:chExt cx="0" cy="0"/>
+        </a:xfrm>
+      </p:grpSpPr>
+      <p:sp>
+        <p:nvSpPr>
+          <p:cNvPr id="2" name="Titre 1"/>
+          <p:cNvSpPr>
+            <a:spLocks noGrp="1"/>
+          </p:cNvSpPr>
+          <p:nvPr>
+            <p:ph type="title"/>
+          </p:nvPr>
+        </p:nvSpPr>
+        <p:spPr/>
+        <p:txBody>
+          <a:bodyPr/>
+          <a:lstStyle/>
+          <a:p>
+            <a:r>
               <a:rPr lang="it-CH" dirty="0" smtClean="0"/>
               <a:t>Questions ?</a:t>
             </a:r>
@@ -4619,6 +4954,16 @@
   <p:clrMapOvr>
     <a:masterClrMapping/>
   </p:clrMapOvr>
+  <p:transition>
+    <p:fade/>
+  </p:transition>
+  <p:timing>
+    <p:tnLst>
+      <p:par>
+        <p:cTn id="1" dur="indefinite" restart="never" nodeType="tmRoot"/>
+      </p:par>
+    </p:tnLst>
+  </p:timing>
 </p:sld>
 </file>
 
@@ -4744,6 +5089,9 @@
   <p:clrMapOvr>
     <a:masterClrMapping/>
   </p:clrMapOvr>
+  <p:transition>
+    <p:fade/>
+  </p:transition>
   <p:timing>
     <p:tnLst>
       <p:par>
@@ -4827,6 +5175,9 @@
   <p:clrMapOvr>
     <a:masterClrMapping/>
   </p:clrMapOvr>
+  <p:transition>
+    <p:fade/>
+  </p:transition>
   <p:timing>
     <p:tnLst>
       <p:par>
@@ -4934,6 +5285,9 @@
   <p:clrMapOvr>
     <a:masterClrMapping/>
   </p:clrMapOvr>
+  <p:transition>
+    <p:fade/>
+  </p:transition>
   <p:timing>
     <p:tnLst>
       <p:par>
@@ -5036,6 +5390,9 @@
   <p:clrMapOvr>
     <a:masterClrMapping/>
   </p:clrMapOvr>
+  <p:transition>
+    <p:fade/>
+  </p:transition>
   <p:timing>
     <p:tnLst>
       <p:par>
@@ -5173,6 +5530,16 @@
   <p:clrMapOvr>
     <a:masterClrMapping/>
   </p:clrMapOvr>
+  <p:transition>
+    <p:fade/>
+  </p:transition>
+  <p:timing>
+    <p:tnLst>
+      <p:par>
+        <p:cTn id="1" dur="indefinite" restart="never" nodeType="tmRoot"/>
+      </p:par>
+    </p:tnLst>
+  </p:timing>
 </p:sld>
 </file>
 
@@ -5304,6 +5671,16 @@
   <p:clrMapOvr>
     <a:masterClrMapping/>
   </p:clrMapOvr>
+  <p:transition>
+    <p:fade/>
+  </p:transition>
+  <p:timing>
+    <p:tnLst>
+      <p:par>
+        <p:cTn id="1" dur="indefinite" restart="never" nodeType="tmRoot"/>
+      </p:par>
+    </p:tnLst>
+  </p:timing>
 </p:sld>
 </file>
 
@@ -5355,6 +5732,9 @@
   <p:clrMapOvr>
     <a:masterClrMapping/>
   </p:clrMapOvr>
+  <p:transition>
+    <p:fade/>
+  </p:transition>
   <p:timing>
     <p:tnLst>
       <p:par>
@@ -5460,6 +5840,9 @@
   <p:clrMapOvr>
     <a:masterClrMapping/>
   </p:clrMapOvr>
+  <p:transition>
+    <p:fade/>
+  </p:transition>
   <p:timing>
     <p:tnLst>
       <p:par>

--- a/Documentation/presentation.pptx
+++ b/Documentation/presentation.pptx
@@ -19,8 +19,9 @@
     <p:sldId id="275" r:id="rId13"/>
     <p:sldId id="276" r:id="rId14"/>
     <p:sldId id="277" r:id="rId15"/>
-    <p:sldId id="269" r:id="rId16"/>
-    <p:sldId id="258" r:id="rId17"/>
+    <p:sldId id="278" r:id="rId16"/>
+    <p:sldId id="269" r:id="rId17"/>
+    <p:sldId id="258" r:id="rId18"/>
   </p:sldIdLst>
   <p:sldSz cx="9144000" cy="6858000" type="screen4x3"/>
   <p:notesSz cx="6858000" cy="9144000"/>
@@ -4344,11 +4345,7 @@
           <a:p>
             <a:r>
               <a:rPr lang="fr-CH" dirty="0" smtClean="0"/>
-              <a:t>j</a:t>
-            </a:r>
-            <a:r>
-              <a:rPr lang="fr-CH" dirty="0" smtClean="0"/>
-              <a:t>uin 2010</a:t>
+              <a:t>juin 2010</a:t>
             </a:r>
             <a:endParaRPr lang="fr-CH" dirty="0"/>
           </a:p>
@@ -4457,7 +4454,6 @@
               <a:rPr lang="it-CH" dirty="0" smtClean="0"/>
               <a:t>killerbox.gui</a:t>
             </a:r>
-            <a:endParaRPr lang="it-CH" dirty="0" smtClean="0"/>
           </a:p>
           <a:p>
             <a:endParaRPr lang="fr-CH" dirty="0"/>
@@ -4600,7 +4596,11 @@
           <a:p>
             <a:r>
               <a:rPr lang="fr-CH" dirty="0" smtClean="0"/>
-              <a:t>Carte unique</a:t>
+              <a:t>Carte </a:t>
+            </a:r>
+            <a:r>
+              <a:rPr lang="fr-CH" dirty="0" smtClean="0"/>
+              <a:t>unique</a:t>
             </a:r>
           </a:p>
         </p:txBody>
@@ -4839,6 +4839,79 @@
           <a:lstStyle/>
           <a:p>
             <a:r>
+              <a:rPr lang="fr-CH" dirty="0" smtClean="0"/>
+              <a:t>Améliorations</a:t>
+            </a:r>
+            <a:endParaRPr lang="fr-CH" dirty="0"/>
+          </a:p>
+        </p:txBody>
+      </p:sp>
+      <p:sp>
+        <p:nvSpPr>
+          <p:cNvPr id="3" name="Espace réservé du contenu 2"/>
+          <p:cNvSpPr>
+            <a:spLocks noGrp="1"/>
+          </p:cNvSpPr>
+          <p:nvPr>
+            <p:ph idx="1"/>
+          </p:nvPr>
+        </p:nvSpPr>
+        <p:spPr/>
+        <p:txBody>
+          <a:bodyPr/>
+          <a:lstStyle/>
+          <a:p>
+            <a:pPr>
+              <a:buNone/>
+            </a:pPr>
+            <a:endParaRPr lang="fr-CH" dirty="0" smtClean="0"/>
+          </a:p>
+        </p:txBody>
+      </p:sp>
+    </p:spTree>
+  </p:cSld>
+  <p:clrMapOvr>
+    <a:masterClrMapping/>
+  </p:clrMapOvr>
+  <p:transition>
+    <p:fade/>
+  </p:transition>
+</p:sld>
+</file>
+
+<file path=ppt/slides/slide16.xml><?xml version="1.0" encoding="utf-8"?>
+<p:sld xmlns:a="http://schemas.openxmlformats.org/drawingml/2006/main" xmlns:r="http://schemas.openxmlformats.org/officeDocument/2006/relationships" xmlns:p="http://schemas.openxmlformats.org/presentationml/2006/main">
+  <p:cSld>
+    <p:spTree>
+      <p:nvGrpSpPr>
+        <p:cNvPr id="1" name=""/>
+        <p:cNvGrpSpPr/>
+        <p:nvPr/>
+      </p:nvGrpSpPr>
+      <p:grpSpPr>
+        <a:xfrm>
+          <a:off x="0" y="0"/>
+          <a:ext cx="0" cy="0"/>
+          <a:chOff x="0" y="0"/>
+          <a:chExt cx="0" cy="0"/>
+        </a:xfrm>
+      </p:grpSpPr>
+      <p:sp>
+        <p:nvSpPr>
+          <p:cNvPr id="2" name="Titre 1"/>
+          <p:cNvSpPr>
+            <a:spLocks noGrp="1"/>
+          </p:cNvSpPr>
+          <p:nvPr>
+            <p:ph type="title"/>
+          </p:nvPr>
+        </p:nvSpPr>
+        <p:spPr/>
+        <p:txBody>
+          <a:bodyPr/>
+          <a:lstStyle/>
+          <a:p>
+            <a:r>
               <a:rPr lang="it-CH" dirty="0" smtClean="0"/>
               <a:t>Conclusion</a:t>
             </a:r>
@@ -4886,7 +4959,7 @@
 </p:sld>
 </file>
 
-<file path=ppt/slides/slide16.xml><?xml version="1.0" encoding="utf-8"?>
+<file path=ppt/slides/slide17.xml><?xml version="1.0" encoding="utf-8"?>
 <p:sld xmlns:a="http://schemas.openxmlformats.org/drawingml/2006/main" xmlns:r="http://schemas.openxmlformats.org/officeDocument/2006/relationships" xmlns:p="http://schemas.openxmlformats.org/presentationml/2006/main">
   <p:cSld>
     <p:spTree>
@@ -5034,7 +5107,6 @@
               <a:rPr lang="it-CH" dirty="0" smtClean="0"/>
               <a:t>Objectifs</a:t>
             </a:r>
-            <a:endParaRPr lang="it-CH" dirty="0" smtClean="0"/>
           </a:p>
           <a:p>
             <a:r>
@@ -5047,7 +5119,6 @@
               <a:rPr lang="it-CH" dirty="0" smtClean="0"/>
               <a:t>Serveur</a:t>
             </a:r>
-            <a:endParaRPr lang="it-CH" dirty="0" smtClean="0"/>
           </a:p>
           <a:p>
             <a:r>
@@ -5066,14 +5137,12 @@
               <a:rPr lang="it-CH" dirty="0" smtClean="0"/>
               <a:t>Démonstration</a:t>
             </a:r>
-            <a:endParaRPr lang="it-CH" dirty="0" smtClean="0"/>
           </a:p>
           <a:p>
             <a:r>
               <a:rPr lang="it-CH" dirty="0" smtClean="0"/>
               <a:t>Conclusion</a:t>
             </a:r>
-            <a:endParaRPr lang="it-CH" dirty="0" smtClean="0"/>
           </a:p>
           <a:p>
             <a:r>
@@ -5165,7 +5234,11 @@
           <a:p>
             <a:r>
               <a:rPr lang="it-CH" dirty="0" smtClean="0"/>
-              <a:t>Jouable de 2 à 8 joueurs en réseau</a:t>
+              <a:t>Jouable de 2 à 8 joueurs en </a:t>
+            </a:r>
+            <a:r>
+              <a:rPr lang="it-CH" dirty="0" smtClean="0"/>
+              <a:t>réseau</a:t>
             </a:r>
           </a:p>
         </p:txBody>
@@ -5332,11 +5405,7 @@
           <a:p>
             <a:r>
               <a:rPr lang="it-CH" dirty="0" smtClean="0"/>
-              <a:t>Règles </a:t>
-            </a:r>
-            <a:r>
-              <a:rPr lang="it-CH" dirty="0" smtClean="0"/>
-              <a:t>du jeu</a:t>
+              <a:t>Règles du jeu</a:t>
             </a:r>
             <a:endParaRPr lang="it-CH" dirty="0"/>
           </a:p>
@@ -5502,7 +5571,6 @@
               <a:rPr lang="it-CH" dirty="0" smtClean="0"/>
               <a:t>Vues</a:t>
             </a:r>
-            <a:endParaRPr lang="it-CH" dirty="0" smtClean="0"/>
           </a:p>
           <a:p>
             <a:pPr lvl="1"/>
@@ -5515,11 +5583,7 @@
             <a:pPr lvl="1"/>
             <a:r>
               <a:rPr lang="it-CH" dirty="0" smtClean="0"/>
-              <a:t>Vue </a:t>
-            </a:r>
-            <a:r>
-              <a:rPr lang="it-CH" dirty="0" smtClean="0"/>
-              <a:t>graphique</a:t>
+              <a:t>Vue graphique</a:t>
             </a:r>
             <a:endParaRPr lang="fr-FR" dirty="0" smtClean="0"/>
           </a:p>
@@ -5608,35 +5672,19 @@
           <a:p>
             <a:r>
               <a:rPr lang="fr-FR" dirty="0" smtClean="0"/>
-              <a:t>Utilisateurs </a:t>
-            </a:r>
+              <a:t>Utilisateurs invités ou authentifiés</a:t>
+            </a:r>
+          </a:p>
+          <a:p>
             <a:r>
               <a:rPr lang="fr-FR" dirty="0" smtClean="0"/>
-              <a:t>invités ou authentifiés</a:t>
+              <a:t>Base de données MySQL</a:t>
             </a:r>
           </a:p>
           <a:p>
             <a:r>
               <a:rPr lang="fr-FR" dirty="0" smtClean="0"/>
-              <a:t>Base de </a:t>
-            </a:r>
-            <a:r>
-              <a:rPr lang="fr-FR" dirty="0" smtClean="0"/>
-              <a:t>données </a:t>
-            </a:r>
-            <a:r>
-              <a:rPr lang="fr-FR" dirty="0" smtClean="0"/>
-              <a:t>MySQL</a:t>
-            </a:r>
-          </a:p>
-          <a:p>
-            <a:r>
-              <a:rPr lang="fr-FR" dirty="0" smtClean="0"/>
-              <a:t>Plusieurs parties </a:t>
-            </a:r>
-            <a:r>
-              <a:rPr lang="fr-FR" dirty="0" smtClean="0"/>
-              <a:t>simultanément</a:t>
+              <a:t>Plusieurs parties simultanément</a:t>
             </a:r>
             <a:endParaRPr lang="it-CH" dirty="0" smtClean="0"/>
           </a:p>
@@ -5645,7 +5693,6 @@
               <a:rPr lang="it-CH" dirty="0" smtClean="0"/>
               <a:t>Packages</a:t>
             </a:r>
-            <a:endParaRPr lang="it-CH" dirty="0" smtClean="0"/>
           </a:p>
           <a:p>
             <a:pPr lvl="1"/>

--- a/Documentation/presentation.pptx
+++ b/Documentation/presentation.pptx
@@ -16,12 +16,16 @@
     <p:sldId id="270" r:id="rId10"/>
     <p:sldId id="273" r:id="rId11"/>
     <p:sldId id="272" r:id="rId12"/>
-    <p:sldId id="275" r:id="rId13"/>
-    <p:sldId id="276" r:id="rId14"/>
-    <p:sldId id="277" r:id="rId15"/>
-    <p:sldId id="278" r:id="rId16"/>
-    <p:sldId id="269" r:id="rId17"/>
-    <p:sldId id="258" r:id="rId18"/>
+    <p:sldId id="279" r:id="rId13"/>
+    <p:sldId id="280" r:id="rId14"/>
+    <p:sldId id="281" r:id="rId15"/>
+    <p:sldId id="282" r:id="rId16"/>
+    <p:sldId id="283" r:id="rId17"/>
+    <p:sldId id="284" r:id="rId18"/>
+    <p:sldId id="277" r:id="rId19"/>
+    <p:sldId id="278" r:id="rId20"/>
+    <p:sldId id="269" r:id="rId21"/>
+    <p:sldId id="258" r:id="rId22"/>
   </p:sldIdLst>
   <p:sldSz cx="9144000" cy="6858000" type="screen4x3"/>
   <p:notesSz cx="6858000" cy="9144000"/>
@@ -258,7 +262,7 @@
             <a:fld id="{4A640E62-3FA3-431E-88CE-8557D458FA1E}" type="datetimeFigureOut">
               <a:rPr lang="it-CH" smtClean="0"/>
               <a:pPr/>
-              <a:t>10.06.2010</a:t>
+              <a:t>11.06.2010</a:t>
             </a:fld>
             <a:endParaRPr lang="it-CH"/>
           </a:p>
@@ -576,7 +580,7 @@
             <a:fld id="{4A640E62-3FA3-431E-88CE-8557D458FA1E}" type="datetimeFigureOut">
               <a:rPr lang="it-CH" smtClean="0"/>
               <a:pPr/>
-              <a:t>10.06.2010</a:t>
+              <a:t>11.06.2010</a:t>
             </a:fld>
             <a:endParaRPr lang="it-CH"/>
           </a:p>
@@ -766,7 +770,7 @@
             <a:fld id="{4A640E62-3FA3-431E-88CE-8557D458FA1E}" type="datetimeFigureOut">
               <a:rPr lang="it-CH" smtClean="0"/>
               <a:pPr/>
-              <a:t>10.06.2010</a:t>
+              <a:t>11.06.2010</a:t>
             </a:fld>
             <a:endParaRPr lang="it-CH"/>
           </a:p>
@@ -946,7 +950,7 @@
             <a:fld id="{4A640E62-3FA3-431E-88CE-8557D458FA1E}" type="datetimeFigureOut">
               <a:rPr lang="it-CH" smtClean="0"/>
               <a:pPr/>
-              <a:t>10.06.2010</a:t>
+              <a:t>11.06.2010</a:t>
             </a:fld>
             <a:endParaRPr lang="it-CH"/>
           </a:p>
@@ -1219,7 +1223,7 @@
             <a:fld id="{4A640E62-3FA3-431E-88CE-8557D458FA1E}" type="datetimeFigureOut">
               <a:rPr lang="it-CH" smtClean="0"/>
               <a:pPr/>
-              <a:t>10.06.2010</a:t>
+              <a:t>11.06.2010</a:t>
             </a:fld>
             <a:endParaRPr lang="it-CH"/>
           </a:p>
@@ -1692,7 +1696,7 @@
             <a:fld id="{4A640E62-3FA3-431E-88CE-8557D458FA1E}" type="datetimeFigureOut">
               <a:rPr lang="it-CH" smtClean="0"/>
               <a:pPr/>
-              <a:t>10.06.2010</a:t>
+              <a:t>11.06.2010</a:t>
             </a:fld>
             <a:endParaRPr lang="it-CH"/>
           </a:p>
@@ -2186,7 +2190,7 @@
             <a:fld id="{4A640E62-3FA3-431E-88CE-8557D458FA1E}" type="datetimeFigureOut">
               <a:rPr lang="it-CH" smtClean="0"/>
               <a:pPr/>
-              <a:t>10.06.2010</a:t>
+              <a:t>11.06.2010</a:t>
             </a:fld>
             <a:endParaRPr lang="it-CH"/>
           </a:p>
@@ -2317,7 +2321,7 @@
             <a:fld id="{4A640E62-3FA3-431E-88CE-8557D458FA1E}" type="datetimeFigureOut">
               <a:rPr lang="it-CH" smtClean="0"/>
               <a:pPr/>
-              <a:t>10.06.2010</a:t>
+              <a:t>11.06.2010</a:t>
             </a:fld>
             <a:endParaRPr lang="it-CH"/>
           </a:p>
@@ -2466,7 +2470,7 @@
             <a:fld id="{4A640E62-3FA3-431E-88CE-8557D458FA1E}" type="datetimeFigureOut">
               <a:rPr lang="it-CH" smtClean="0"/>
               <a:pPr/>
-              <a:t>10.06.2010</a:t>
+              <a:t>11.06.2010</a:t>
             </a:fld>
             <a:endParaRPr lang="it-CH"/>
           </a:p>
@@ -2793,7 +2797,7 @@
             <a:fld id="{4A640E62-3FA3-431E-88CE-8557D458FA1E}" type="datetimeFigureOut">
               <a:rPr lang="it-CH" smtClean="0"/>
               <a:pPr/>
-              <a:t>10.06.2010</a:t>
+              <a:t>11.06.2010</a:t>
             </a:fld>
             <a:endParaRPr lang="it-CH"/>
           </a:p>
@@ -2932,7 +2936,7 @@
             <a:fld id="{4A640E62-3FA3-431E-88CE-8557D458FA1E}" type="datetimeFigureOut">
               <a:rPr lang="it-CH" smtClean="0"/>
               <a:pPr/>
-              <a:t>10.06.2010</a:t>
+              <a:t>11.06.2010</a:t>
             </a:fld>
             <a:endParaRPr lang="it-CH"/>
           </a:p>
@@ -3718,7 +3722,7 @@
             <a:fld id="{4A640E62-3FA3-431E-88CE-8557D458FA1E}" type="datetimeFigureOut">
               <a:rPr lang="it-CH" smtClean="0"/>
               <a:pPr/>
-              <a:t>10.06.2010</a:t>
+              <a:t>11.06.2010</a:t>
             </a:fld>
             <a:endParaRPr lang="it-CH"/>
           </a:p>
@@ -4497,7 +4501,7 @@
       </p:grpSpPr>
       <p:pic>
         <p:nvPicPr>
-          <p:cNvPr id="2050" name="Picture 2" descr="D:\HEIG-VD\GEN\Labo\KillerBox\Conception\Client.png"/>
+          <p:cNvPr id="1026" name="Picture 2" descr="D:\HEIG-VD\GEN\Labo\KillerBox\Conception\Client.png"/>
           <p:cNvPicPr>
             <a:picLocks noChangeAspect="1" noChangeArrowheads="1"/>
           </p:cNvPicPr>
@@ -4512,8 +4516,8 @@
         </p:blipFill>
         <p:spPr bwMode="auto">
           <a:xfrm>
-            <a:off x="1000100" y="357165"/>
-            <a:ext cx="8143900" cy="5729227"/>
+            <a:off x="1020265" y="457656"/>
+            <a:ext cx="7980891" cy="5614549"/>
           </a:xfrm>
           <a:prstGeom prst="rect">
             <a:avLst/>
@@ -4573,38 +4577,645 @@
           <a:p>
             <a:r>
               <a:rPr lang="fr-CH" dirty="0" smtClean="0"/>
-              <a:t>Jeu</a:t>
+              <a:t>Moteur du jeu</a:t>
             </a:r>
             <a:endParaRPr lang="fr-CH" dirty="0"/>
           </a:p>
         </p:txBody>
       </p:sp>
-      <p:sp>
-        <p:nvSpPr>
-          <p:cNvPr id="3" name="Espace réservé du contenu 2"/>
-          <p:cNvSpPr>
-            <a:spLocks noGrp="1"/>
-          </p:cNvSpPr>
-          <p:nvPr>
-            <p:ph idx="1"/>
-          </p:nvPr>
-        </p:nvSpPr>
-        <p:spPr/>
-        <p:txBody>
-          <a:bodyPr/>
-          <a:lstStyle/>
-          <a:p>
-            <a:r>
-              <a:rPr lang="fr-CH" dirty="0" smtClean="0"/>
-              <a:t>Carte </a:t>
-            </a:r>
-            <a:r>
-              <a:rPr lang="fr-CH" dirty="0" smtClean="0"/>
-              <a:t>unique</a:t>
-            </a:r>
-          </a:p>
-        </p:txBody>
-      </p:sp>
+      <p:grpSp>
+        <p:nvGrpSpPr>
+          <p:cNvPr id="20" name="Groupe 19"/>
+          <p:cNvGrpSpPr/>
+          <p:nvPr/>
+        </p:nvGrpSpPr>
+        <p:grpSpPr>
+          <a:xfrm>
+            <a:off x="1643042" y="1857364"/>
+            <a:ext cx="6500858" cy="3500462"/>
+            <a:chOff x="1500166" y="1928802"/>
+            <a:chExt cx="6500858" cy="3500462"/>
+          </a:xfrm>
+        </p:grpSpPr>
+        <p:sp>
+          <p:nvSpPr>
+            <p:cNvPr id="4" name="Rectangle 3"/>
+            <p:cNvSpPr/>
+            <p:nvPr/>
+          </p:nvSpPr>
+          <p:spPr>
+            <a:xfrm>
+              <a:off x="2857488" y="2143116"/>
+              <a:ext cx="1143008" cy="500066"/>
+            </a:xfrm>
+            <a:prstGeom prst="rect">
+              <a:avLst/>
+            </a:prstGeom>
+          </p:spPr>
+          <p:style>
+            <a:lnRef idx="2">
+              <a:schemeClr val="accent6"/>
+            </a:lnRef>
+            <a:fillRef idx="1">
+              <a:schemeClr val="lt1"/>
+            </a:fillRef>
+            <a:effectRef idx="0">
+              <a:schemeClr val="accent6"/>
+            </a:effectRef>
+            <a:fontRef idx="minor">
+              <a:schemeClr val="dk1"/>
+            </a:fontRef>
+          </p:style>
+          <p:txBody>
+            <a:bodyPr rtlCol="0" anchor="ctr"/>
+            <a:lstStyle/>
+            <a:p>
+              <a:pPr algn="ctr"/>
+              <a:r>
+                <a:rPr lang="fr-CH" dirty="0" smtClean="0"/>
+                <a:t>Carte</a:t>
+              </a:r>
+              <a:endParaRPr lang="fr-CH" dirty="0"/>
+            </a:p>
+          </p:txBody>
+        </p:sp>
+        <p:sp>
+          <p:nvSpPr>
+            <p:cNvPr id="5" name="Rectangle 4"/>
+            <p:cNvSpPr/>
+            <p:nvPr/>
+          </p:nvSpPr>
+          <p:spPr>
+            <a:xfrm>
+              <a:off x="1500166" y="2928934"/>
+              <a:ext cx="1143008" cy="500066"/>
+            </a:xfrm>
+            <a:prstGeom prst="rect">
+              <a:avLst/>
+            </a:prstGeom>
+          </p:spPr>
+          <p:style>
+            <a:lnRef idx="2">
+              <a:schemeClr val="accent6"/>
+            </a:lnRef>
+            <a:fillRef idx="1">
+              <a:schemeClr val="lt1"/>
+            </a:fillRef>
+            <a:effectRef idx="0">
+              <a:schemeClr val="accent6"/>
+            </a:effectRef>
+            <a:fontRef idx="minor">
+              <a:schemeClr val="dk1"/>
+            </a:fontRef>
+          </p:style>
+          <p:txBody>
+            <a:bodyPr rtlCol="0" anchor="ctr"/>
+            <a:lstStyle/>
+            <a:p>
+              <a:pPr algn="ctr"/>
+              <a:r>
+                <a:rPr lang="fr-CH" dirty="0" smtClean="0"/>
+                <a:t>Joueurs</a:t>
+              </a:r>
+              <a:endParaRPr lang="fr-CH" dirty="0"/>
+            </a:p>
+          </p:txBody>
+        </p:sp>
+        <p:sp>
+          <p:nvSpPr>
+            <p:cNvPr id="6" name="Rectangle 5"/>
+            <p:cNvSpPr/>
+            <p:nvPr/>
+          </p:nvSpPr>
+          <p:spPr>
+            <a:xfrm>
+              <a:off x="1500166" y="3857628"/>
+              <a:ext cx="1143008" cy="500066"/>
+            </a:xfrm>
+            <a:prstGeom prst="rect">
+              <a:avLst/>
+            </a:prstGeom>
+          </p:spPr>
+          <p:style>
+            <a:lnRef idx="2">
+              <a:schemeClr val="accent6"/>
+            </a:lnRef>
+            <a:fillRef idx="1">
+              <a:schemeClr val="lt1"/>
+            </a:fillRef>
+            <a:effectRef idx="0">
+              <a:schemeClr val="accent6"/>
+            </a:effectRef>
+            <a:fontRef idx="minor">
+              <a:schemeClr val="dk1"/>
+            </a:fontRef>
+          </p:style>
+          <p:txBody>
+            <a:bodyPr rtlCol="0" anchor="ctr"/>
+            <a:lstStyle/>
+            <a:p>
+              <a:pPr algn="ctr"/>
+              <a:r>
+                <a:rPr lang="fr-CH" dirty="0" smtClean="0"/>
+                <a:t>Tirs</a:t>
+              </a:r>
+              <a:endParaRPr lang="fr-CH" dirty="0"/>
+            </a:p>
+          </p:txBody>
+        </p:sp>
+        <p:sp>
+          <p:nvSpPr>
+            <p:cNvPr id="7" name="Rectangle 6"/>
+            <p:cNvSpPr/>
+            <p:nvPr/>
+          </p:nvSpPr>
+          <p:spPr>
+            <a:xfrm>
+              <a:off x="2071670" y="4929198"/>
+              <a:ext cx="1143008" cy="500066"/>
+            </a:xfrm>
+            <a:prstGeom prst="rect">
+              <a:avLst/>
+            </a:prstGeom>
+          </p:spPr>
+          <p:style>
+            <a:lnRef idx="2">
+              <a:schemeClr val="accent6"/>
+            </a:lnRef>
+            <a:fillRef idx="1">
+              <a:schemeClr val="lt1"/>
+            </a:fillRef>
+            <a:effectRef idx="0">
+              <a:schemeClr val="accent6"/>
+            </a:effectRef>
+            <a:fontRef idx="minor">
+              <a:schemeClr val="dk1"/>
+            </a:fontRef>
+          </p:style>
+          <p:txBody>
+            <a:bodyPr rtlCol="0" anchor="ctr"/>
+            <a:lstStyle/>
+            <a:p>
+              <a:pPr algn="ctr"/>
+              <a:r>
+                <a:rPr lang="fr-CH" dirty="0" smtClean="0"/>
+                <a:t>Messages</a:t>
+              </a:r>
+              <a:endParaRPr lang="fr-CH" dirty="0"/>
+            </a:p>
+          </p:txBody>
+        </p:sp>
+        <p:cxnSp>
+          <p:nvCxnSpPr>
+            <p:cNvPr id="8" name="Connecteur droit avec flèche 7"/>
+            <p:cNvCxnSpPr>
+              <a:endCxn id="4" idx="2"/>
+            </p:cNvCxnSpPr>
+            <p:nvPr/>
+          </p:nvCxnSpPr>
+          <p:spPr>
+            <a:xfrm rot="16200000" flipV="1">
+              <a:off x="3071802" y="3000372"/>
+              <a:ext cx="1143008" cy="428628"/>
+            </a:xfrm>
+            <a:prstGeom prst="straightConnector1">
+              <a:avLst/>
+            </a:prstGeom>
+            <a:ln>
+              <a:tailEnd type="arrow"/>
+            </a:ln>
+          </p:spPr>
+          <p:style>
+            <a:lnRef idx="2">
+              <a:schemeClr val="accent6"/>
+            </a:lnRef>
+            <a:fillRef idx="0">
+              <a:schemeClr val="accent6"/>
+            </a:fillRef>
+            <a:effectRef idx="1">
+              <a:schemeClr val="accent6"/>
+            </a:effectRef>
+            <a:fontRef idx="minor">
+              <a:schemeClr val="tx1"/>
+            </a:fontRef>
+          </p:style>
+        </p:cxnSp>
+        <p:cxnSp>
+          <p:nvCxnSpPr>
+            <p:cNvPr id="9" name="Connecteur droit avec flèche 8"/>
+            <p:cNvCxnSpPr>
+              <a:endCxn id="5" idx="3"/>
+            </p:cNvCxnSpPr>
+            <p:nvPr/>
+          </p:nvCxnSpPr>
+          <p:spPr>
+            <a:xfrm rot="10800000">
+              <a:off x="2643174" y="3178968"/>
+              <a:ext cx="1143008" cy="607223"/>
+            </a:xfrm>
+            <a:prstGeom prst="straightConnector1">
+              <a:avLst/>
+            </a:prstGeom>
+            <a:ln>
+              <a:tailEnd type="arrow"/>
+            </a:ln>
+          </p:spPr>
+          <p:style>
+            <a:lnRef idx="2">
+              <a:schemeClr val="accent6"/>
+            </a:lnRef>
+            <a:fillRef idx="0">
+              <a:schemeClr val="accent6"/>
+            </a:fillRef>
+            <a:effectRef idx="1">
+              <a:schemeClr val="accent6"/>
+            </a:effectRef>
+            <a:fontRef idx="minor">
+              <a:schemeClr val="tx1"/>
+            </a:fontRef>
+          </p:style>
+        </p:cxnSp>
+        <p:cxnSp>
+          <p:nvCxnSpPr>
+            <p:cNvPr id="10" name="Connecteur droit avec flèche 9"/>
+            <p:cNvCxnSpPr>
+              <a:endCxn id="6" idx="3"/>
+            </p:cNvCxnSpPr>
+            <p:nvPr/>
+          </p:nvCxnSpPr>
+          <p:spPr>
+            <a:xfrm rot="10800000" flipV="1">
+              <a:off x="2643174" y="3857627"/>
+              <a:ext cx="1214446" cy="250033"/>
+            </a:xfrm>
+            <a:prstGeom prst="straightConnector1">
+              <a:avLst/>
+            </a:prstGeom>
+            <a:ln>
+              <a:tailEnd type="arrow"/>
+            </a:ln>
+          </p:spPr>
+          <p:style>
+            <a:lnRef idx="2">
+              <a:schemeClr val="accent6"/>
+            </a:lnRef>
+            <a:fillRef idx="0">
+              <a:schemeClr val="accent6"/>
+            </a:fillRef>
+            <a:effectRef idx="1">
+              <a:schemeClr val="accent6"/>
+            </a:effectRef>
+            <a:fontRef idx="minor">
+              <a:schemeClr val="tx1"/>
+            </a:fontRef>
+          </p:style>
+        </p:cxnSp>
+        <p:cxnSp>
+          <p:nvCxnSpPr>
+            <p:cNvPr id="11" name="Connecteur droit avec flèche 10"/>
+            <p:cNvCxnSpPr>
+              <a:endCxn id="7" idx="0"/>
+            </p:cNvCxnSpPr>
+            <p:nvPr/>
+          </p:nvCxnSpPr>
+          <p:spPr>
+            <a:xfrm rot="5400000">
+              <a:off x="2571736" y="4000504"/>
+              <a:ext cx="1000132" cy="857256"/>
+            </a:xfrm>
+            <a:prstGeom prst="straightConnector1">
+              <a:avLst/>
+            </a:prstGeom>
+            <a:ln>
+              <a:tailEnd type="arrow"/>
+            </a:ln>
+          </p:spPr>
+          <p:style>
+            <a:lnRef idx="2">
+              <a:schemeClr val="accent6"/>
+            </a:lnRef>
+            <a:fillRef idx="0">
+              <a:schemeClr val="accent6"/>
+            </a:fillRef>
+            <a:effectRef idx="1">
+              <a:schemeClr val="accent6"/>
+            </a:effectRef>
+            <a:fontRef idx="minor">
+              <a:schemeClr val="tx1"/>
+            </a:fontRef>
+          </p:style>
+        </p:cxnSp>
+        <p:cxnSp>
+          <p:nvCxnSpPr>
+            <p:cNvPr id="12" name="Connecteur droit avec flèche 11"/>
+            <p:cNvCxnSpPr/>
+            <p:nvPr/>
+          </p:nvCxnSpPr>
+          <p:spPr>
+            <a:xfrm rot="10800000" flipV="1">
+              <a:off x="4429125" y="2428866"/>
+              <a:ext cx="1000133" cy="928697"/>
+            </a:xfrm>
+            <a:prstGeom prst="straightConnector1">
+              <a:avLst/>
+            </a:prstGeom>
+            <a:ln>
+              <a:tailEnd type="arrow"/>
+            </a:ln>
+          </p:spPr>
+          <p:style>
+            <a:lnRef idx="2">
+              <a:schemeClr val="accent6"/>
+            </a:lnRef>
+            <a:fillRef idx="0">
+              <a:schemeClr val="accent6"/>
+            </a:fillRef>
+            <a:effectRef idx="1">
+              <a:schemeClr val="accent6"/>
+            </a:effectRef>
+            <a:fontRef idx="minor">
+              <a:schemeClr val="tx1"/>
+            </a:fontRef>
+          </p:style>
+        </p:cxnSp>
+        <p:cxnSp>
+          <p:nvCxnSpPr>
+            <p:cNvPr id="13" name="Connecteur droit avec flèche 12"/>
+            <p:cNvCxnSpPr/>
+            <p:nvPr/>
+          </p:nvCxnSpPr>
+          <p:spPr>
+            <a:xfrm>
+              <a:off x="5429256" y="2500305"/>
+              <a:ext cx="1214446" cy="857257"/>
+            </a:xfrm>
+            <a:prstGeom prst="straightConnector1">
+              <a:avLst/>
+            </a:prstGeom>
+            <a:ln>
+              <a:tailEnd type="arrow"/>
+            </a:ln>
+          </p:spPr>
+          <p:style>
+            <a:lnRef idx="2">
+              <a:schemeClr val="accent6"/>
+            </a:lnRef>
+            <a:fillRef idx="0">
+              <a:schemeClr val="accent6"/>
+            </a:fillRef>
+            <a:effectRef idx="1">
+              <a:schemeClr val="accent6"/>
+            </a:effectRef>
+            <a:fontRef idx="minor">
+              <a:schemeClr val="tx1"/>
+            </a:fontRef>
+          </p:style>
+        </p:cxnSp>
+        <p:sp>
+          <p:nvSpPr>
+            <p:cNvPr id="14" name="Rectangle 13"/>
+            <p:cNvSpPr/>
+            <p:nvPr/>
+          </p:nvSpPr>
+          <p:spPr>
+            <a:xfrm>
+              <a:off x="4929190" y="1928802"/>
+              <a:ext cx="1143008" cy="928694"/>
+            </a:xfrm>
+            <a:prstGeom prst="rect">
+              <a:avLst/>
+            </a:prstGeom>
+          </p:spPr>
+          <p:style>
+            <a:lnRef idx="2">
+              <a:schemeClr val="accent6">
+                <a:shade val="50000"/>
+              </a:schemeClr>
+            </a:lnRef>
+            <a:fillRef idx="1">
+              <a:schemeClr val="accent6"/>
+            </a:fillRef>
+            <a:effectRef idx="0">
+              <a:schemeClr val="accent6"/>
+            </a:effectRef>
+            <a:fontRef idx="minor">
+              <a:schemeClr val="lt1"/>
+            </a:fontRef>
+          </p:style>
+          <p:txBody>
+            <a:bodyPr rtlCol="0" anchor="ctr"/>
+            <a:lstStyle/>
+            <a:p>
+              <a:pPr algn="ctr"/>
+              <a:r>
+                <a:rPr lang="fr-CH" dirty="0" smtClean="0"/>
+                <a:t>Panel</a:t>
+              </a:r>
+              <a:endParaRPr lang="fr-CH" dirty="0"/>
+            </a:p>
+          </p:txBody>
+        </p:sp>
+        <p:cxnSp>
+          <p:nvCxnSpPr>
+            <p:cNvPr id="15" name="Connecteur droit avec flèche 14"/>
+            <p:cNvCxnSpPr>
+              <a:endCxn id="19" idx="3"/>
+            </p:cNvCxnSpPr>
+            <p:nvPr/>
+          </p:nvCxnSpPr>
+          <p:spPr>
+            <a:xfrm rot="10800000">
+              <a:off x="4429124" y="3821910"/>
+              <a:ext cx="2928958" cy="35719"/>
+            </a:xfrm>
+            <a:prstGeom prst="straightConnector1">
+              <a:avLst/>
+            </a:prstGeom>
+            <a:ln>
+              <a:tailEnd type="arrow"/>
+            </a:ln>
+          </p:spPr>
+          <p:style>
+            <a:lnRef idx="2">
+              <a:schemeClr val="accent6"/>
+            </a:lnRef>
+            <a:fillRef idx="0">
+              <a:schemeClr val="accent6"/>
+            </a:fillRef>
+            <a:effectRef idx="1">
+              <a:schemeClr val="accent6"/>
+            </a:effectRef>
+            <a:fontRef idx="minor">
+              <a:schemeClr val="tx1"/>
+            </a:fontRef>
+          </p:style>
+        </p:cxnSp>
+        <p:sp>
+          <p:nvSpPr>
+            <p:cNvPr id="16" name="Rectangle 15"/>
+            <p:cNvSpPr/>
+            <p:nvPr/>
+          </p:nvSpPr>
+          <p:spPr>
+            <a:xfrm>
+              <a:off x="6643702" y="3357562"/>
+              <a:ext cx="1357322" cy="928694"/>
+            </a:xfrm>
+            <a:prstGeom prst="rect">
+              <a:avLst/>
+            </a:prstGeom>
+          </p:spPr>
+          <p:style>
+            <a:lnRef idx="2">
+              <a:schemeClr val="accent6">
+                <a:shade val="50000"/>
+              </a:schemeClr>
+            </a:lnRef>
+            <a:fillRef idx="1">
+              <a:schemeClr val="accent6"/>
+            </a:fillRef>
+            <a:effectRef idx="0">
+              <a:schemeClr val="accent6"/>
+            </a:effectRef>
+            <a:fontRef idx="minor">
+              <a:schemeClr val="lt1"/>
+            </a:fontRef>
+          </p:style>
+          <p:txBody>
+            <a:bodyPr rtlCol="0" anchor="ctr"/>
+            <a:lstStyle/>
+            <a:p>
+              <a:pPr algn="ctr"/>
+              <a:r>
+                <a:rPr lang="fr-CH" dirty="0" smtClean="0"/>
+                <a:t>Contrôleur</a:t>
+              </a:r>
+              <a:endParaRPr lang="fr-CH" dirty="0"/>
+            </a:p>
+          </p:txBody>
+        </p:sp>
+        <p:sp>
+          <p:nvSpPr>
+            <p:cNvPr id="17" name="Rectangle 16"/>
+            <p:cNvSpPr/>
+            <p:nvPr/>
+          </p:nvSpPr>
+          <p:spPr>
+            <a:xfrm>
+              <a:off x="3786182" y="4929198"/>
+              <a:ext cx="1143008" cy="500066"/>
+            </a:xfrm>
+            <a:prstGeom prst="rect">
+              <a:avLst/>
+            </a:prstGeom>
+          </p:spPr>
+          <p:style>
+            <a:lnRef idx="2">
+              <a:schemeClr val="accent6"/>
+            </a:lnRef>
+            <a:fillRef idx="1">
+              <a:schemeClr val="lt1"/>
+            </a:fillRef>
+            <a:effectRef idx="0">
+              <a:schemeClr val="accent6"/>
+            </a:effectRef>
+            <a:fontRef idx="minor">
+              <a:schemeClr val="dk1"/>
+            </a:fontRef>
+          </p:style>
+          <p:txBody>
+            <a:bodyPr rtlCol="0" anchor="ctr"/>
+            <a:lstStyle/>
+            <a:p>
+              <a:pPr algn="ctr"/>
+              <a:r>
+                <a:rPr lang="fr-CH" dirty="0" smtClean="0"/>
+                <a:t>Scores</a:t>
+              </a:r>
+              <a:endParaRPr lang="fr-CH" dirty="0"/>
+            </a:p>
+          </p:txBody>
+        </p:sp>
+        <p:cxnSp>
+          <p:nvCxnSpPr>
+            <p:cNvPr id="18" name="Connecteur droit avec flèche 17"/>
+            <p:cNvCxnSpPr>
+              <a:endCxn id="17" idx="0"/>
+            </p:cNvCxnSpPr>
+            <p:nvPr/>
+          </p:nvCxnSpPr>
+          <p:spPr>
+            <a:xfrm rot="16200000" flipH="1">
+              <a:off x="3571868" y="4143380"/>
+              <a:ext cx="1071570" cy="500066"/>
+            </a:xfrm>
+            <a:prstGeom prst="straightConnector1">
+              <a:avLst/>
+            </a:prstGeom>
+            <a:ln>
+              <a:tailEnd type="arrow"/>
+            </a:ln>
+          </p:spPr>
+          <p:style>
+            <a:lnRef idx="2">
+              <a:schemeClr val="accent6"/>
+            </a:lnRef>
+            <a:fillRef idx="0">
+              <a:schemeClr val="accent6"/>
+            </a:fillRef>
+            <a:effectRef idx="1">
+              <a:schemeClr val="accent6"/>
+            </a:effectRef>
+            <a:fontRef idx="minor">
+              <a:schemeClr val="tx1"/>
+            </a:fontRef>
+          </p:style>
+        </p:cxnSp>
+        <p:sp>
+          <p:nvSpPr>
+            <p:cNvPr id="19" name="Rectangle 18"/>
+            <p:cNvSpPr/>
+            <p:nvPr/>
+          </p:nvSpPr>
+          <p:spPr>
+            <a:xfrm>
+              <a:off x="3286116" y="3357562"/>
+              <a:ext cx="1143008" cy="928694"/>
+            </a:xfrm>
+            <a:prstGeom prst="rect">
+              <a:avLst/>
+            </a:prstGeom>
+          </p:spPr>
+          <p:style>
+            <a:lnRef idx="2">
+              <a:schemeClr val="accent6">
+                <a:shade val="50000"/>
+              </a:schemeClr>
+            </a:lnRef>
+            <a:fillRef idx="1">
+              <a:schemeClr val="accent6"/>
+            </a:fillRef>
+            <a:effectRef idx="0">
+              <a:schemeClr val="accent6"/>
+            </a:effectRef>
+            <a:fontRef idx="minor">
+              <a:schemeClr val="lt1"/>
+            </a:fontRef>
+          </p:style>
+          <p:txBody>
+            <a:bodyPr rtlCol="0" anchor="ctr"/>
+            <a:lstStyle/>
+            <a:p>
+              <a:pPr algn="ctr"/>
+              <a:r>
+                <a:rPr lang="fr-CH" dirty="0" smtClean="0"/>
+                <a:t>Modèle</a:t>
+              </a:r>
+              <a:endParaRPr lang="fr-CH" dirty="0"/>
+            </a:p>
+          </p:txBody>
+        </p:sp>
+      </p:grpSp>
     </p:spTree>
   </p:cSld>
   <p:clrMapOvr>
@@ -4613,13 +5224,6 @@
   <p:transition>
     <p:fade/>
   </p:transition>
-  <p:timing>
-    <p:tnLst>
-      <p:par>
-        <p:cTn id="1" dur="indefinite" restart="never" nodeType="tmRoot"/>
-      </p:par>
-    </p:tnLst>
-  </p:timing>
 </p:sld>
 </file>
 
@@ -4657,7 +5261,7 @@
           <a:p>
             <a:r>
               <a:rPr lang="fr-CH" dirty="0" smtClean="0"/>
-              <a:t>Jeu</a:t>
+              <a:t>Moteur du jeu</a:t>
             </a:r>
             <a:endParaRPr lang="fr-CH" dirty="0"/>
           </a:p>
@@ -4678,13 +5282,42 @@
           <a:bodyPr/>
           <a:lstStyle/>
           <a:p>
+            <a:r>
+              <a:rPr lang="fr-CH" dirty="0" smtClean="0"/>
+              <a:t>Répartition de la charge de calcul</a:t>
+            </a:r>
+          </a:p>
+          <a:p>
+            <a:r>
+              <a:rPr lang="fr-CH" dirty="0" smtClean="0"/>
+              <a:t>Tout est calculé et </a:t>
+            </a:r>
+            <a:r>
+              <a:rPr lang="fr-CH" dirty="0" smtClean="0"/>
+              <a:t>contrôlé </a:t>
+            </a:r>
+            <a:r>
+              <a:rPr lang="fr-CH" dirty="0" smtClean="0"/>
+              <a:t>sur le client</a:t>
+            </a:r>
+          </a:p>
+          <a:p>
+            <a:r>
+              <a:rPr lang="fr-CH" dirty="0" smtClean="0"/>
+              <a:t>Serveur broadcast les paquets aux clients d’une même partie</a:t>
+            </a:r>
+          </a:p>
+          <a:p>
+            <a:pPr>
+              <a:buNone/>
+            </a:pPr>
             <a:endParaRPr lang="fr-CH" dirty="0"/>
           </a:p>
         </p:txBody>
       </p:sp>
       <p:pic>
         <p:nvPicPr>
-          <p:cNvPr id="4" name="Picture 2" descr="D:\HEIG-VD\GEN\Labo\KillerBox\Documentation\jeu1.png"/>
+          <p:cNvPr id="4" name="Picture 2" descr="http://www.tulanelink.com/legal/balance2.gif"/>
           <p:cNvPicPr>
             <a:picLocks noChangeAspect="1" noChangeArrowheads="1"/>
           </p:cNvPicPr>
@@ -4699,8 +5332,8 @@
         </p:blipFill>
         <p:spPr bwMode="auto">
           <a:xfrm>
-            <a:off x="1428728" y="1428736"/>
-            <a:ext cx="7429552" cy="4831776"/>
+            <a:off x="3714744" y="4071942"/>
+            <a:ext cx="2381224" cy="1741270"/>
           </a:xfrm>
           <a:prstGeom prst="rect">
             <a:avLst/>
@@ -4708,6 +5341,66 @@
           <a:noFill/>
         </p:spPr>
       </p:pic>
+      <p:sp>
+        <p:nvSpPr>
+          <p:cNvPr id="5" name="ZoneTexte 4"/>
+          <p:cNvSpPr txBox="1"/>
+          <p:nvPr/>
+        </p:nvSpPr>
+        <p:spPr>
+          <a:xfrm>
+            <a:off x="5643570" y="5643578"/>
+            <a:ext cx="744114" cy="369332"/>
+          </a:xfrm>
+          <a:prstGeom prst="rect">
+            <a:avLst/>
+          </a:prstGeom>
+          <a:noFill/>
+        </p:spPr>
+        <p:txBody>
+          <a:bodyPr wrap="none" rtlCol="0">
+            <a:spAutoFit/>
+          </a:bodyPr>
+          <a:lstStyle/>
+          <a:p>
+            <a:r>
+              <a:rPr lang="fr-CH" dirty="0" smtClean="0"/>
+              <a:t>Client</a:t>
+            </a:r>
+            <a:endParaRPr lang="fr-CH" dirty="0"/>
+          </a:p>
+        </p:txBody>
+      </p:sp>
+      <p:sp>
+        <p:nvSpPr>
+          <p:cNvPr id="6" name="ZoneTexte 5"/>
+          <p:cNvSpPr txBox="1"/>
+          <p:nvPr/>
+        </p:nvSpPr>
+        <p:spPr>
+          <a:xfrm>
+            <a:off x="3643306" y="5286388"/>
+            <a:ext cx="923651" cy="369332"/>
+          </a:xfrm>
+          <a:prstGeom prst="rect">
+            <a:avLst/>
+          </a:prstGeom>
+          <a:noFill/>
+        </p:spPr>
+        <p:txBody>
+          <a:bodyPr wrap="none" rtlCol="0">
+            <a:spAutoFit/>
+          </a:bodyPr>
+          <a:lstStyle/>
+          <a:p>
+            <a:r>
+              <a:rPr lang="fr-CH" dirty="0" smtClean="0"/>
+              <a:t>Serveur</a:t>
+            </a:r>
+            <a:endParaRPr lang="fr-CH" dirty="0"/>
+          </a:p>
+        </p:txBody>
+      </p:sp>
     </p:spTree>
   </p:cSld>
   <p:clrMapOvr>
@@ -4716,13 +5409,6 @@
   <p:transition>
     <p:fade/>
   </p:transition>
-  <p:timing>
-    <p:tnLst>
-      <p:par>
-        <p:cTn id="1" dur="indefinite" restart="never" nodeType="tmRoot"/>
-      </p:par>
-    </p:tnLst>
-  </p:timing>
 </p:sld>
 </file>
 
@@ -4760,7 +5446,7 @@
           <a:p>
             <a:r>
               <a:rPr lang="fr-CH" dirty="0" smtClean="0"/>
-              <a:t>Démonstration</a:t>
+              <a:t>Coté créateur</a:t>
             </a:r>
             <a:endParaRPr lang="fr-CH" dirty="0"/>
           </a:p>
@@ -4781,13 +5467,104 @@
           <a:bodyPr/>
           <a:lstStyle/>
           <a:p>
-            <a:pPr>
-              <a:buNone/>
+            <a:pPr marL="633222" indent="-514350">
+              <a:buFont typeface="+mj-lt"/>
+              <a:buAutoNum type="arabicPeriod"/>
             </a:pPr>
-            <a:endParaRPr lang="fr-CH" dirty="0"/>
-          </a:p>
-        </p:txBody>
-      </p:sp>
+            <a:r>
+              <a:rPr lang="fr-CH" dirty="0" smtClean="0"/>
+              <a:t>Création du modèle et contrôleur</a:t>
+            </a:r>
+          </a:p>
+          <a:p>
+            <a:pPr marL="633222" indent="-514350">
+              <a:buFont typeface="+mj-lt"/>
+              <a:buAutoNum type="arabicPeriod"/>
+            </a:pPr>
+            <a:r>
+              <a:rPr lang="fr-CH" dirty="0" smtClean="0"/>
+              <a:t>Choix de la carte de jeu (Background)</a:t>
+            </a:r>
+          </a:p>
+          <a:p>
+            <a:pPr marL="633222" indent="-514350">
+              <a:buFont typeface="+mj-lt"/>
+              <a:buAutoNum type="arabicPeriod"/>
+            </a:pPr>
+            <a:r>
+              <a:rPr lang="fr-CH" dirty="0" smtClean="0"/>
+              <a:t>Génère une position aléatoire des joueurs</a:t>
+            </a:r>
+          </a:p>
+          <a:p>
+            <a:pPr marL="633222" indent="-514350">
+              <a:buFont typeface="+mj-lt"/>
+              <a:buAutoNum type="arabicPeriod"/>
+            </a:pPr>
+            <a:r>
+              <a:rPr lang="fr-CH" dirty="0" smtClean="0"/>
+              <a:t>Ordonne aux autres clients de changer de panel</a:t>
+            </a:r>
+          </a:p>
+          <a:p>
+            <a:pPr marL="633222" indent="-514350">
+              <a:buFont typeface="+mj-lt"/>
+              <a:buAutoNum type="arabicPeriod"/>
+            </a:pPr>
+            <a:r>
+              <a:rPr lang="fr-CH" dirty="0" smtClean="0"/>
+              <a:t>Envoi les données du modèle aux clients</a:t>
+            </a:r>
+          </a:p>
+          <a:p>
+            <a:pPr marL="633222" indent="-514350">
+              <a:buFont typeface="+mj-lt"/>
+              <a:buAutoNum type="arabicPeriod"/>
+            </a:pPr>
+            <a:r>
+              <a:rPr lang="fr-CH" dirty="0" smtClean="0"/>
+              <a:t>Indique que la partie </a:t>
+            </a:r>
+            <a:r>
+              <a:rPr lang="fr-CH" dirty="0" smtClean="0"/>
+              <a:t>commence !</a:t>
+            </a:r>
+            <a:endParaRPr lang="fr-CH" dirty="0" smtClean="0"/>
+          </a:p>
+        </p:txBody>
+      </p:sp>
+      <p:pic>
+        <p:nvPicPr>
+          <p:cNvPr id="4" name="Picture 2"/>
+          <p:cNvPicPr>
+            <a:picLocks noChangeAspect="1" noChangeArrowheads="1"/>
+          </p:cNvPicPr>
+          <p:nvPr/>
+        </p:nvPicPr>
+        <p:blipFill>
+          <a:blip r:embed="rId2" cstate="print"/>
+          <a:srcRect/>
+          <a:stretch>
+            <a:fillRect/>
+          </a:stretch>
+        </p:blipFill>
+        <p:spPr bwMode="auto">
+          <a:xfrm>
+            <a:off x="5786446" y="642918"/>
+            <a:ext cx="2415065" cy="571504"/>
+          </a:xfrm>
+          <a:prstGeom prst="rect">
+            <a:avLst/>
+          </a:prstGeom>
+          <a:noFill/>
+          <a:ln w="9525">
+            <a:noFill/>
+            <a:miter lim="800000"/>
+            <a:headEnd/>
+            <a:tailEnd/>
+          </a:ln>
+        </p:spPr>
+      </p:pic>
     </p:spTree>
   </p:cSld>
   <p:clrMapOvr>
@@ -4796,13 +5573,6 @@
   <p:transition>
     <p:fade/>
   </p:transition>
-  <p:timing>
-    <p:tnLst>
-      <p:par>
-        <p:cTn id="1" dur="indefinite" restart="never" nodeType="tmRoot"/>
-      </p:par>
-    </p:tnLst>
-  </p:timing>
 </p:sld>
 </file>
 
@@ -4840,7 +5610,7 @@
           <a:p>
             <a:r>
               <a:rPr lang="fr-CH" dirty="0" smtClean="0"/>
-              <a:t>Améliorations</a:t>
+              <a:t>Affichage et actions</a:t>
             </a:r>
             <a:endParaRPr lang="fr-CH" dirty="0"/>
           </a:p>
@@ -4856,18 +5626,145 @@
             <p:ph idx="1"/>
           </p:nvPr>
         </p:nvSpPr>
-        <p:spPr/>
-        <p:txBody>
-          <a:bodyPr/>
+        <p:spPr>
+          <a:xfrm>
+            <a:off x="1435608" y="1447800"/>
+            <a:ext cx="4065086" cy="4800600"/>
+          </a:xfrm>
+        </p:spPr>
+        <p:txBody>
+          <a:bodyPr>
+            <a:normAutofit fontScale="92500" lnSpcReduction="10000"/>
+          </a:bodyPr>
           <a:lstStyle/>
           <a:p>
-            <a:pPr>
-              <a:buNone/>
-            </a:pPr>
-            <a:endParaRPr lang="fr-CH" dirty="0" smtClean="0"/>
-          </a:p>
-        </p:txBody>
-      </p:sp>
+            <a:r>
+              <a:rPr lang="it-CH" dirty="0" smtClean="0"/>
+              <a:t>2 threads principales</a:t>
+            </a:r>
+          </a:p>
+          <a:p>
+            <a:pPr lvl="1"/>
+            <a:r>
+              <a:rPr lang="it-CH" dirty="0" smtClean="0"/>
+              <a:t>Affichage</a:t>
+            </a:r>
+          </a:p>
+          <a:p>
+            <a:pPr lvl="2"/>
+            <a:r>
+              <a:rPr lang="it-CH" dirty="0" smtClean="0"/>
+              <a:t>Dessine la zone de </a:t>
+            </a:r>
+            <a:r>
+              <a:rPr lang="it-CH" dirty="0" smtClean="0"/>
+              <a:t>jeu</a:t>
+            </a:r>
+            <a:br>
+              <a:rPr lang="it-CH" dirty="0" smtClean="0"/>
+            </a:br>
+            <a:r>
+              <a:rPr lang="it-CH" dirty="0" smtClean="0"/>
+              <a:t>(modèle</a:t>
+            </a:r>
+            <a:r>
+              <a:rPr lang="it-CH" dirty="0" smtClean="0"/>
+              <a:t>)</a:t>
+            </a:r>
+          </a:p>
+          <a:p>
+            <a:pPr lvl="2"/>
+            <a:r>
+              <a:rPr lang="it-CH" dirty="0" smtClean="0"/>
+              <a:t>Carte</a:t>
+            </a:r>
+          </a:p>
+          <a:p>
+            <a:pPr lvl="2"/>
+            <a:r>
+              <a:rPr lang="it-CH" dirty="0" smtClean="0"/>
+              <a:t>Tirs</a:t>
+            </a:r>
+          </a:p>
+          <a:p>
+            <a:pPr lvl="2"/>
+            <a:r>
+              <a:rPr lang="it-CH" dirty="0" smtClean="0"/>
+              <a:t>Joueurs</a:t>
+            </a:r>
+          </a:p>
+          <a:p>
+            <a:pPr lvl="2"/>
+            <a:r>
+              <a:rPr lang="it-CH" dirty="0" smtClean="0"/>
+              <a:t>Messages</a:t>
+            </a:r>
+          </a:p>
+          <a:p>
+            <a:pPr lvl="1"/>
+            <a:r>
+              <a:rPr lang="it-CH" dirty="0" smtClean="0"/>
+              <a:t>Action</a:t>
+            </a:r>
+          </a:p>
+          <a:p>
+            <a:pPr lvl="2"/>
+            <a:r>
+              <a:rPr lang="it-CH" dirty="0" smtClean="0"/>
+              <a:t>Gestion des déplacements</a:t>
+            </a:r>
+          </a:p>
+          <a:p>
+            <a:pPr lvl="2"/>
+            <a:r>
+              <a:rPr lang="it-CH" dirty="0" smtClean="0"/>
+              <a:t>Rotation</a:t>
+            </a:r>
+          </a:p>
+          <a:p>
+            <a:pPr lvl="2"/>
+            <a:r>
+              <a:rPr lang="it-CH" dirty="0" smtClean="0"/>
+              <a:t>Tirs</a:t>
+            </a:r>
+          </a:p>
+          <a:p>
+            <a:endParaRPr lang="fr-CH" dirty="0"/>
+          </a:p>
+        </p:txBody>
+      </p:sp>
+      <p:pic>
+        <p:nvPicPr>
+          <p:cNvPr id="4" name="Picture 2"/>
+          <p:cNvPicPr>
+            <a:picLocks noChangeAspect="1" noChangeArrowheads="1"/>
+          </p:cNvPicPr>
+          <p:nvPr/>
+        </p:nvPicPr>
+        <p:blipFill>
+          <a:blip r:embed="rId2" cstate="print"/>
+          <a:srcRect/>
+          <a:stretch>
+            <a:fillRect/>
+          </a:stretch>
+        </p:blipFill>
+        <p:spPr bwMode="auto">
+          <a:xfrm>
+            <a:off x="5643570" y="1571612"/>
+            <a:ext cx="3299425" cy="3990971"/>
+          </a:xfrm>
+          <a:prstGeom prst="rect">
+            <a:avLst/>
+          </a:prstGeom>
+          <a:noFill/>
+          <a:ln w="9525">
+            <a:noFill/>
+            <a:miter lim="800000"/>
+            <a:headEnd/>
+            <a:tailEnd/>
+          </a:ln>
+        </p:spPr>
+      </p:pic>
     </p:spTree>
   </p:cSld>
   <p:clrMapOvr>
@@ -4912,10 +5809,10 @@
           <a:lstStyle/>
           <a:p>
             <a:r>
-              <a:rPr lang="it-CH" dirty="0" smtClean="0"/>
-              <a:t>Conclusion</a:t>
-            </a:r>
-            <a:endParaRPr lang="it-CH" dirty="0"/>
+              <a:rPr lang="fr-CH" dirty="0" smtClean="0"/>
+              <a:t>Rafraichissement </a:t>
+            </a:r>
+            <a:endParaRPr lang="fr-CH" dirty="0"/>
           </a:p>
         </p:txBody>
       </p:sp>
@@ -4935,12 +5832,50 @@
           <a:lstStyle/>
           <a:p>
             <a:r>
-              <a:rPr lang="it-CH" dirty="0" smtClean="0"/>
-              <a:t>Pas de mode par équipe</a:t>
-            </a:r>
-          </a:p>
-        </p:txBody>
-      </p:sp>
+              <a:rPr lang="fr-CH" dirty="0" smtClean="0"/>
+              <a:t>25 FPS (Image par seconde)</a:t>
+            </a:r>
+          </a:p>
+          <a:p>
+            <a:pPr lvl="1"/>
+            <a:r>
+              <a:rPr lang="fr-CH" dirty="0" smtClean="0"/>
+              <a:t>Télévision (PAL</a:t>
+            </a:r>
+            <a:r>
+              <a:rPr lang="fr-CH" dirty="0" smtClean="0"/>
+              <a:t>)</a:t>
+            </a:r>
+            <a:endParaRPr lang="fr-CH" dirty="0" smtClean="0"/>
+          </a:p>
+        </p:txBody>
+      </p:sp>
+      <p:pic>
+        <p:nvPicPr>
+          <p:cNvPr id="4" name="Picture 4" descr="http://www.wildwestweb.net/flicks/carriage.jpg"/>
+          <p:cNvPicPr>
+            <a:picLocks noChangeAspect="1" noChangeArrowheads="1"/>
+          </p:cNvPicPr>
+          <p:nvPr/>
+        </p:nvPicPr>
+        <p:blipFill>
+          <a:blip r:embed="rId2" cstate="print"/>
+          <a:srcRect/>
+          <a:stretch>
+            <a:fillRect/>
+          </a:stretch>
+        </p:blipFill>
+        <p:spPr bwMode="auto">
+          <a:xfrm>
+            <a:off x="2928926" y="3214686"/>
+            <a:ext cx="3460616" cy="2295519"/>
+          </a:xfrm>
+          <a:prstGeom prst="rect">
+            <a:avLst/>
+          </a:prstGeom>
+          <a:noFill/>
+        </p:spPr>
+      </p:pic>
     </p:spTree>
   </p:cSld>
   <p:clrMapOvr>
@@ -4949,13 +5884,6 @@
   <p:transition>
     <p:fade/>
   </p:transition>
-  <p:timing>
-    <p:tnLst>
-      <p:par>
-        <p:cTn id="1" dur="indefinite" restart="never" nodeType="tmRoot"/>
-      </p:par>
-    </p:tnLst>
-  </p:timing>
 </p:sld>
 </file>
 
@@ -4992,36 +5920,215 @@
           <a:lstStyle/>
           <a:p>
             <a:r>
-              <a:rPr lang="it-CH" dirty="0" smtClean="0"/>
-              <a:t>Questions ?</a:t>
-            </a:r>
-            <a:endParaRPr lang="it-CH" dirty="0"/>
-          </a:p>
-        </p:txBody>
-      </p:sp>
-      <p:pic>
-        <p:nvPicPr>
-          <p:cNvPr id="4" name="Espace réservé du contenu 3" descr="domande-risposte.jpg"/>
-          <p:cNvPicPr>
-            <a:picLocks noGrp="1" noChangeAspect="1"/>
-          </p:cNvPicPr>
+              <a:rPr lang="fr-CH" dirty="0" smtClean="0"/>
+              <a:t>Paquets</a:t>
+            </a:r>
+            <a:endParaRPr lang="fr-CH" dirty="0"/>
+          </a:p>
+        </p:txBody>
+      </p:sp>
+      <p:sp>
+        <p:nvSpPr>
+          <p:cNvPr id="3" name="Espace réservé du contenu 2"/>
+          <p:cNvSpPr>
+            <a:spLocks noGrp="1"/>
+          </p:cNvSpPr>
           <p:nvPr>
             <p:ph idx="1"/>
           </p:nvPr>
-        </p:nvPicPr>
-        <p:blipFill>
-          <a:blip r:embed="rId2" cstate="print"/>
-          <a:stretch>
-            <a:fillRect/>
-          </a:stretch>
-        </p:blipFill>
-        <p:spPr>
-          <a:xfrm>
-            <a:off x="3279775" y="1987550"/>
-            <a:ext cx="3810000" cy="3721100"/>
-          </a:xfrm>
-        </p:spPr>
-      </p:pic>
+        </p:nvSpPr>
+        <p:spPr/>
+        <p:txBody>
+          <a:bodyPr/>
+          <a:lstStyle/>
+          <a:p>
+            <a:r>
+              <a:rPr lang="fr-CH" dirty="0" smtClean="0"/>
+              <a:t>Type : chaine de caractères</a:t>
+            </a:r>
+          </a:p>
+          <a:p>
+            <a:r>
+              <a:rPr lang="fr-CH" dirty="0" smtClean="0"/>
+              <a:t>Exemple :</a:t>
+            </a:r>
+          </a:p>
+          <a:p>
+            <a:pPr lvl="1"/>
+            <a:r>
+              <a:rPr lang="fr-CH" dirty="0" smtClean="0"/>
+              <a:t>Déplacement</a:t>
+            </a:r>
+          </a:p>
+          <a:p>
+            <a:pPr lvl="2"/>
+            <a:r>
+              <a:rPr lang="fr-CH" dirty="0" smtClean="0"/>
+              <a:t>#</a:t>
+            </a:r>
+            <a:r>
+              <a:rPr lang="fr-CH" dirty="0" err="1" smtClean="0"/>
+              <a:t>game</a:t>
+            </a:r>
+            <a:r>
+              <a:rPr lang="fr-CH" dirty="0" smtClean="0"/>
+              <a:t>#infos#</a:t>
+            </a:r>
+            <a:r>
+              <a:rPr lang="fr-CH" dirty="0" err="1" smtClean="0"/>
+              <a:t>others</a:t>
+            </a:r>
+            <a:r>
+              <a:rPr lang="fr-CH" dirty="0" smtClean="0"/>
+              <a:t>#</a:t>
+            </a:r>
+            <a:r>
+              <a:rPr lang="fr-CH" dirty="0" err="1" smtClean="0"/>
+              <a:t>positionJoueur</a:t>
+            </a:r>
+            <a:r>
+              <a:rPr lang="fr-CH" dirty="0" smtClean="0"/>
+              <a:t>#a#244#89#49#2.4172296967820337#</a:t>
+            </a:r>
+          </a:p>
+          <a:p>
+            <a:pPr lvl="1"/>
+            <a:r>
+              <a:rPr lang="fr-CH" dirty="0" smtClean="0"/>
+              <a:t>Tir</a:t>
+            </a:r>
+          </a:p>
+          <a:p>
+            <a:pPr lvl="2"/>
+            <a:r>
+              <a:rPr lang="fr-CH" dirty="0" smtClean="0"/>
+              <a:t>#</a:t>
+            </a:r>
+            <a:r>
+              <a:rPr lang="fr-CH" dirty="0" err="1" smtClean="0"/>
+              <a:t>game</a:t>
+            </a:r>
+            <a:r>
+              <a:rPr lang="fr-CH" dirty="0" smtClean="0"/>
+              <a:t>#infos#</a:t>
+            </a:r>
+            <a:r>
+              <a:rPr lang="fr-CH" dirty="0" err="1" smtClean="0"/>
+              <a:t>others</a:t>
+            </a:r>
+            <a:r>
+              <a:rPr lang="fr-CH" dirty="0" smtClean="0"/>
+              <a:t>#tir#b#2.6158946265454195#10#</a:t>
+            </a:r>
+          </a:p>
+          <a:p>
+            <a:pPr lvl="1"/>
+            <a:r>
+              <a:rPr lang="fr-CH" dirty="0" smtClean="0"/>
+              <a:t>Message</a:t>
+            </a:r>
+          </a:p>
+          <a:p>
+            <a:pPr lvl="2"/>
+            <a:r>
+              <a:rPr lang="fr-CH" dirty="0" smtClean="0"/>
+              <a:t>#</a:t>
+            </a:r>
+            <a:r>
+              <a:rPr lang="fr-CH" dirty="0" err="1" smtClean="0"/>
+              <a:t>game</a:t>
+            </a:r>
+            <a:r>
+              <a:rPr lang="fr-CH" dirty="0" smtClean="0"/>
+              <a:t>#infos#</a:t>
+            </a:r>
+            <a:r>
+              <a:rPr lang="fr-CH" dirty="0" err="1" smtClean="0"/>
+              <a:t>message#b</a:t>
+            </a:r>
+            <a:r>
+              <a:rPr lang="fr-CH" dirty="0" smtClean="0"/>
+              <a:t> a touché a#</a:t>
+            </a:r>
+          </a:p>
+          <a:p>
+            <a:endParaRPr lang="fr-CH" dirty="0"/>
+          </a:p>
+        </p:txBody>
+      </p:sp>
+    </p:spTree>
+  </p:cSld>
+  <p:clrMapOvr>
+    <a:masterClrMapping/>
+  </p:clrMapOvr>
+  <p:transition>
+    <p:fade/>
+  </p:transition>
+</p:sld>
+</file>
+
+<file path=ppt/slides/slide18.xml><?xml version="1.0" encoding="utf-8"?>
+<p:sld xmlns:a="http://schemas.openxmlformats.org/drawingml/2006/main" xmlns:r="http://schemas.openxmlformats.org/officeDocument/2006/relationships" xmlns:p="http://schemas.openxmlformats.org/presentationml/2006/main">
+  <p:cSld>
+    <p:spTree>
+      <p:nvGrpSpPr>
+        <p:cNvPr id="1" name=""/>
+        <p:cNvGrpSpPr/>
+        <p:nvPr/>
+      </p:nvGrpSpPr>
+      <p:grpSpPr>
+        <a:xfrm>
+          <a:off x="0" y="0"/>
+          <a:ext cx="0" cy="0"/>
+          <a:chOff x="0" y="0"/>
+          <a:chExt cx="0" cy="0"/>
+        </a:xfrm>
+      </p:grpSpPr>
+      <p:sp>
+        <p:nvSpPr>
+          <p:cNvPr id="2" name="Titre 1"/>
+          <p:cNvSpPr>
+            <a:spLocks noGrp="1"/>
+          </p:cNvSpPr>
+          <p:nvPr>
+            <p:ph type="title"/>
+          </p:nvPr>
+        </p:nvSpPr>
+        <p:spPr/>
+        <p:txBody>
+          <a:bodyPr/>
+          <a:lstStyle/>
+          <a:p>
+            <a:r>
+              <a:rPr lang="fr-CH" dirty="0" smtClean="0"/>
+              <a:t>Démonstration</a:t>
+            </a:r>
+            <a:endParaRPr lang="fr-CH" dirty="0"/>
+          </a:p>
+        </p:txBody>
+      </p:sp>
+      <p:sp>
+        <p:nvSpPr>
+          <p:cNvPr id="3" name="Espace réservé du contenu 2"/>
+          <p:cNvSpPr>
+            <a:spLocks noGrp="1"/>
+          </p:cNvSpPr>
+          <p:nvPr>
+            <p:ph idx="1"/>
+          </p:nvPr>
+        </p:nvSpPr>
+        <p:spPr/>
+        <p:txBody>
+          <a:bodyPr/>
+          <a:lstStyle/>
+          <a:p>
+            <a:pPr>
+              <a:buNone/>
+            </a:pPr>
+            <a:endParaRPr lang="fr-CH" dirty="0"/>
+          </a:p>
+        </p:txBody>
+      </p:sp>
     </p:spTree>
   </p:cSld>
   <p:clrMapOvr>
@@ -5037,6 +6144,79 @@
       </p:par>
     </p:tnLst>
   </p:timing>
+</p:sld>
+</file>
+
+<file path=ppt/slides/slide19.xml><?xml version="1.0" encoding="utf-8"?>
+<p:sld xmlns:a="http://schemas.openxmlformats.org/drawingml/2006/main" xmlns:r="http://schemas.openxmlformats.org/officeDocument/2006/relationships" xmlns:p="http://schemas.openxmlformats.org/presentationml/2006/main">
+  <p:cSld>
+    <p:spTree>
+      <p:nvGrpSpPr>
+        <p:cNvPr id="1" name=""/>
+        <p:cNvGrpSpPr/>
+        <p:nvPr/>
+      </p:nvGrpSpPr>
+      <p:grpSpPr>
+        <a:xfrm>
+          <a:off x="0" y="0"/>
+          <a:ext cx="0" cy="0"/>
+          <a:chOff x="0" y="0"/>
+          <a:chExt cx="0" cy="0"/>
+        </a:xfrm>
+      </p:grpSpPr>
+      <p:sp>
+        <p:nvSpPr>
+          <p:cNvPr id="2" name="Titre 1"/>
+          <p:cNvSpPr>
+            <a:spLocks noGrp="1"/>
+          </p:cNvSpPr>
+          <p:nvPr>
+            <p:ph type="title"/>
+          </p:nvPr>
+        </p:nvSpPr>
+        <p:spPr/>
+        <p:txBody>
+          <a:bodyPr/>
+          <a:lstStyle/>
+          <a:p>
+            <a:r>
+              <a:rPr lang="fr-CH" dirty="0" smtClean="0"/>
+              <a:t>Améliorations</a:t>
+            </a:r>
+            <a:endParaRPr lang="fr-CH" dirty="0"/>
+          </a:p>
+        </p:txBody>
+      </p:sp>
+      <p:sp>
+        <p:nvSpPr>
+          <p:cNvPr id="3" name="Espace réservé du contenu 2"/>
+          <p:cNvSpPr>
+            <a:spLocks noGrp="1"/>
+          </p:cNvSpPr>
+          <p:nvPr>
+            <p:ph idx="1"/>
+          </p:nvPr>
+        </p:nvSpPr>
+        <p:spPr/>
+        <p:txBody>
+          <a:bodyPr/>
+          <a:lstStyle/>
+          <a:p>
+            <a:pPr>
+              <a:buNone/>
+            </a:pPr>
+            <a:endParaRPr lang="fr-CH" dirty="0" smtClean="0"/>
+          </a:p>
+        </p:txBody>
+      </p:sp>
+    </p:spTree>
+  </p:cSld>
+  <p:clrMapOvr>
+    <a:masterClrMapping/>
+  </p:clrMapOvr>
+  <p:transition>
+    <p:fade/>
+  </p:transition>
 </p:sld>
 </file>
 
@@ -5153,6 +6333,167 @@
           </a:p>
         </p:txBody>
       </p:sp>
+    </p:spTree>
+  </p:cSld>
+  <p:clrMapOvr>
+    <a:masterClrMapping/>
+  </p:clrMapOvr>
+  <p:transition>
+    <p:fade/>
+  </p:transition>
+  <p:timing>
+    <p:tnLst>
+      <p:par>
+        <p:cTn id="1" dur="indefinite" restart="never" nodeType="tmRoot"/>
+      </p:par>
+    </p:tnLst>
+  </p:timing>
+</p:sld>
+</file>
+
+<file path=ppt/slides/slide20.xml><?xml version="1.0" encoding="utf-8"?>
+<p:sld xmlns:a="http://schemas.openxmlformats.org/drawingml/2006/main" xmlns:r="http://schemas.openxmlformats.org/officeDocument/2006/relationships" xmlns:p="http://schemas.openxmlformats.org/presentationml/2006/main">
+  <p:cSld>
+    <p:spTree>
+      <p:nvGrpSpPr>
+        <p:cNvPr id="1" name=""/>
+        <p:cNvGrpSpPr/>
+        <p:nvPr/>
+      </p:nvGrpSpPr>
+      <p:grpSpPr>
+        <a:xfrm>
+          <a:off x="0" y="0"/>
+          <a:ext cx="0" cy="0"/>
+          <a:chOff x="0" y="0"/>
+          <a:chExt cx="0" cy="0"/>
+        </a:xfrm>
+      </p:grpSpPr>
+      <p:sp>
+        <p:nvSpPr>
+          <p:cNvPr id="2" name="Titre 1"/>
+          <p:cNvSpPr>
+            <a:spLocks noGrp="1"/>
+          </p:cNvSpPr>
+          <p:nvPr>
+            <p:ph type="title"/>
+          </p:nvPr>
+        </p:nvSpPr>
+        <p:spPr/>
+        <p:txBody>
+          <a:bodyPr/>
+          <a:lstStyle/>
+          <a:p>
+            <a:r>
+              <a:rPr lang="it-CH" dirty="0" smtClean="0"/>
+              <a:t>Conclusion</a:t>
+            </a:r>
+            <a:endParaRPr lang="it-CH" dirty="0"/>
+          </a:p>
+        </p:txBody>
+      </p:sp>
+      <p:sp>
+        <p:nvSpPr>
+          <p:cNvPr id="3" name="Espace réservé du contenu 2"/>
+          <p:cNvSpPr>
+            <a:spLocks noGrp="1"/>
+          </p:cNvSpPr>
+          <p:nvPr>
+            <p:ph idx="1"/>
+          </p:nvPr>
+        </p:nvSpPr>
+        <p:spPr/>
+        <p:txBody>
+          <a:bodyPr/>
+          <a:lstStyle/>
+          <a:p>
+            <a:r>
+              <a:rPr lang="it-CH" dirty="0" smtClean="0"/>
+              <a:t>Pas de mode par équipe</a:t>
+            </a:r>
+          </a:p>
+        </p:txBody>
+      </p:sp>
+    </p:spTree>
+  </p:cSld>
+  <p:clrMapOvr>
+    <a:masterClrMapping/>
+  </p:clrMapOvr>
+  <p:transition>
+    <p:fade/>
+  </p:transition>
+  <p:timing>
+    <p:tnLst>
+      <p:par>
+        <p:cTn id="1" dur="indefinite" restart="never" nodeType="tmRoot"/>
+      </p:par>
+    </p:tnLst>
+  </p:timing>
+</p:sld>
+</file>
+
+<file path=ppt/slides/slide21.xml><?xml version="1.0" encoding="utf-8"?>
+<p:sld xmlns:a="http://schemas.openxmlformats.org/drawingml/2006/main" xmlns:r="http://schemas.openxmlformats.org/officeDocument/2006/relationships" xmlns:p="http://schemas.openxmlformats.org/presentationml/2006/main">
+  <p:cSld>
+    <p:spTree>
+      <p:nvGrpSpPr>
+        <p:cNvPr id="1" name=""/>
+        <p:cNvGrpSpPr/>
+        <p:nvPr/>
+      </p:nvGrpSpPr>
+      <p:grpSpPr>
+        <a:xfrm>
+          <a:off x="0" y="0"/>
+          <a:ext cx="0" cy="0"/>
+          <a:chOff x="0" y="0"/>
+          <a:chExt cx="0" cy="0"/>
+        </a:xfrm>
+      </p:grpSpPr>
+      <p:sp>
+        <p:nvSpPr>
+          <p:cNvPr id="2" name="Titre 1"/>
+          <p:cNvSpPr>
+            <a:spLocks noGrp="1"/>
+          </p:cNvSpPr>
+          <p:nvPr>
+            <p:ph type="title"/>
+          </p:nvPr>
+        </p:nvSpPr>
+        <p:spPr/>
+        <p:txBody>
+          <a:bodyPr/>
+          <a:lstStyle/>
+          <a:p>
+            <a:r>
+              <a:rPr lang="it-CH" dirty="0" smtClean="0"/>
+              <a:t>Questions ?</a:t>
+            </a:r>
+            <a:endParaRPr lang="it-CH" dirty="0"/>
+          </a:p>
+        </p:txBody>
+      </p:sp>
+      <p:pic>
+        <p:nvPicPr>
+          <p:cNvPr id="4" name="Espace réservé du contenu 3" descr="domande-risposte.jpg"/>
+          <p:cNvPicPr>
+            <a:picLocks noGrp="1" noChangeAspect="1"/>
+          </p:cNvPicPr>
+          <p:nvPr>
+            <p:ph idx="1"/>
+          </p:nvPr>
+        </p:nvPicPr>
+        <p:blipFill>
+          <a:blip r:embed="rId2" cstate="print"/>
+          <a:stretch>
+            <a:fillRect/>
+          </a:stretch>
+        </p:blipFill>
+        <p:spPr>
+          <a:xfrm>
+            <a:off x="3279775" y="1987550"/>
+            <a:ext cx="3810000" cy="3721100"/>
+          </a:xfrm>
+        </p:spPr>
+      </p:pic>
     </p:spTree>
   </p:cSld>
   <p:clrMapOvr>
@@ -5234,11 +6575,7 @@
           <a:p>
             <a:r>
               <a:rPr lang="it-CH" dirty="0" smtClean="0"/>
-              <a:t>Jouable de 2 à 8 joueurs en </a:t>
-            </a:r>
-            <a:r>
-              <a:rPr lang="it-CH" dirty="0" smtClean="0"/>
-              <a:t>réseau</a:t>
+              <a:t>Jouable de 2 à 8 joueurs en réseau</a:t>
             </a:r>
           </a:p>
         </p:txBody>
@@ -5750,7 +7087,7 @@
       </p:grpSpPr>
       <p:pic>
         <p:nvPicPr>
-          <p:cNvPr id="1026" name="Picture 2" descr="D:\HEIG-VD\GEN\Labo\KillerBox\Conception\ClassDiagramServer.png"/>
+          <p:cNvPr id="2050" name="Picture 2" descr="D:\HEIG-VD\GEN\Labo\KillerBox\Conception\ClassDiagramServer.png"/>
           <p:cNvPicPr>
             <a:picLocks noChangeAspect="1" noChangeArrowheads="1"/>
           </p:cNvPicPr>
@@ -5765,8 +7102,8 @@
         </p:blipFill>
         <p:spPr bwMode="auto">
           <a:xfrm>
-            <a:off x="1000100" y="500042"/>
-            <a:ext cx="8143900" cy="5650386"/>
+            <a:off x="1000100" y="428604"/>
+            <a:ext cx="8043501" cy="5572164"/>
           </a:xfrm>
           <a:prstGeom prst="rect">
             <a:avLst/>

--- a/Documentation/presentation.pptx
+++ b/Documentation/presentation.pptx
@@ -4436,7 +4436,7 @@
           <a:p>
             <a:r>
               <a:rPr lang="fr-CH" dirty="0" smtClean="0"/>
-              <a:t>Plusieurs panels</a:t>
+              <a:t>Différents panels</a:t>
             </a:r>
           </a:p>
           <a:p>
@@ -4444,6 +4444,7 @@
               <a:rPr lang="it-CH" dirty="0" smtClean="0"/>
               <a:t>Packages</a:t>
             </a:r>
+            <a:endParaRPr lang="it-CH" dirty="0" smtClean="0"/>
           </a:p>
           <a:p>
             <a:pPr lvl="1"/>
@@ -4501,7 +4502,7 @@
       </p:grpSpPr>
       <p:pic>
         <p:nvPicPr>
-          <p:cNvPr id="1026" name="Picture 2" descr="D:\HEIG-VD\GEN\Labo\KillerBox\Conception\Client.png"/>
+          <p:cNvPr id="2" name="Picture 2" descr="D:\HEIG-VD\GEN\Labo\KillerBox\Conception\ClassDiagramClient.png"/>
           <p:cNvPicPr>
             <a:picLocks noChangeAspect="1" noChangeArrowheads="1"/>
           </p:cNvPicPr>
@@ -4516,8 +4517,8 @@
         </p:blipFill>
         <p:spPr bwMode="auto">
           <a:xfrm>
-            <a:off x="1020265" y="457656"/>
-            <a:ext cx="7980891" cy="5614549"/>
+            <a:off x="1043608" y="620688"/>
+            <a:ext cx="7973405" cy="5616624"/>
           </a:xfrm>
           <a:prstGeom prst="rect">
             <a:avLst/>
@@ -5290,15 +5291,7 @@
           <a:p>
             <a:r>
               <a:rPr lang="fr-CH" dirty="0" smtClean="0"/>
-              <a:t>Tout est calculé et </a:t>
-            </a:r>
-            <a:r>
-              <a:rPr lang="fr-CH" dirty="0" smtClean="0"/>
-              <a:t>contrôlé </a:t>
-            </a:r>
-            <a:r>
-              <a:rPr lang="fr-CH" dirty="0" smtClean="0"/>
-              <a:t>sur le client</a:t>
+              <a:t>Tout est calculé et contrôlé sur le client</a:t>
             </a:r>
           </a:p>
           <a:p>
@@ -5523,13 +5516,8 @@
             </a:pPr>
             <a:r>
               <a:rPr lang="fr-CH" dirty="0" smtClean="0"/>
-              <a:t>Indique que la partie </a:t>
-            </a:r>
-            <a:r>
-              <a:rPr lang="fr-CH" dirty="0" smtClean="0"/>
-              <a:t>commence !</a:t>
-            </a:r>
-            <a:endParaRPr lang="fr-CH" dirty="0" smtClean="0"/>
+              <a:t>Indique que la partie commence !</a:t>
+            </a:r>
           </a:p>
         </p:txBody>
       </p:sp>
@@ -5654,22 +5642,14 @@
             <a:pPr lvl="2"/>
             <a:r>
               <a:rPr lang="it-CH" dirty="0" smtClean="0"/>
-              <a:t>Dessine la zone de </a:t>
-            </a:r>
-            <a:r>
-              <a:rPr lang="it-CH" dirty="0" smtClean="0"/>
-              <a:t>jeu</a:t>
+              <a:t>Dessine la zone de jeu</a:t>
             </a:r>
             <a:br>
               <a:rPr lang="it-CH" dirty="0" smtClean="0"/>
             </a:br>
             <a:r>
               <a:rPr lang="it-CH" dirty="0" smtClean="0"/>
-              <a:t>(modèle</a:t>
-            </a:r>
-            <a:r>
-              <a:rPr lang="it-CH" dirty="0" smtClean="0"/>
-              <a:t>)</a:t>
+              <a:t>(modèle)</a:t>
             </a:r>
           </a:p>
           <a:p>
@@ -5840,13 +5820,8 @@
             <a:pPr lvl="1"/>
             <a:r>
               <a:rPr lang="fr-CH" dirty="0" smtClean="0"/>
-              <a:t>Télévision (PAL</a:t>
-            </a:r>
-            <a:r>
-              <a:rPr lang="fr-CH" dirty="0" smtClean="0"/>
-              <a:t>)</a:t>
-            </a:r>
-            <a:endParaRPr lang="fr-CH" dirty="0" smtClean="0"/>
+              <a:t>Télévision (PAL)</a:t>
+            </a:r>
           </a:p>
         </p:txBody>
       </p:sp>
@@ -6107,28 +6082,6 @@
           </a:p>
         </p:txBody>
       </p:sp>
-      <p:sp>
-        <p:nvSpPr>
-          <p:cNvPr id="3" name="Espace réservé du contenu 2"/>
-          <p:cNvSpPr>
-            <a:spLocks noGrp="1"/>
-          </p:cNvSpPr>
-          <p:nvPr>
-            <p:ph idx="1"/>
-          </p:nvPr>
-        </p:nvSpPr>
-        <p:spPr/>
-        <p:txBody>
-          <a:bodyPr/>
-          <a:lstStyle/>
-          <a:p>
-            <a:pPr>
-              <a:buNone/>
-            </a:pPr>
-            <a:endParaRPr lang="fr-CH" dirty="0"/>
-          </a:p>
-        </p:txBody>
-      </p:sp>
     </p:spTree>
   </p:cSld>
   <p:clrMapOvr>
@@ -6779,8 +6732,26 @@
             <a:pPr lvl="1"/>
             <a:r>
               <a:rPr lang="it-CH" dirty="0" smtClean="0"/>
-              <a:t>Par équipe</a:t>
-            </a:r>
+              <a:t>Par </a:t>
+            </a:r>
+            <a:r>
+              <a:rPr lang="it-CH" dirty="0" smtClean="0"/>
+              <a:t>équipe</a:t>
+            </a:r>
+          </a:p>
+          <a:p>
+            <a:r>
+              <a:rPr lang="it-CH" dirty="0" smtClean="0"/>
+              <a:t>But</a:t>
+            </a:r>
+          </a:p>
+          <a:p>
+            <a:pPr lvl="1"/>
+            <a:r>
+              <a:rPr lang="it-CH" dirty="0" smtClean="0"/>
+              <a:t>Eliminer ses adversaires</a:t>
+            </a:r>
+            <a:endParaRPr lang="it-CH" dirty="0" smtClean="0"/>
           </a:p>
           <a:p>
             <a:pPr lvl="1"/>
@@ -6859,36 +6830,69 @@
             <p:ph idx="1"/>
           </p:nvPr>
         </p:nvSpPr>
-        <p:spPr/>
+        <p:spPr>
+          <a:xfrm>
+            <a:off x="1435608" y="1447800"/>
+            <a:ext cx="7498080" cy="5221560"/>
+          </a:xfrm>
+        </p:spPr>
         <p:txBody>
           <a:bodyPr>
-            <a:normAutofit lnSpcReduction="10000"/>
+            <a:normAutofit fontScale="92500" lnSpcReduction="20000"/>
           </a:bodyPr>
           <a:lstStyle/>
           <a:p>
             <a:r>
               <a:rPr lang="fr-FR" dirty="0" smtClean="0"/>
-              <a:t>Architecture MVC</a:t>
-            </a:r>
-          </a:p>
-          <a:p>
+              <a:t>Architecture </a:t>
+            </a:r>
             <a:r>
               <a:rPr lang="fr-FR" dirty="0" smtClean="0"/>
-              <a:t>Modèle de serveur</a:t>
+              <a:t>MVC</a:t>
             </a:r>
           </a:p>
           <a:p>
             <a:r>
               <a:rPr lang="fr-FR" dirty="0" smtClean="0"/>
-              <a:t>Contrôleur</a:t>
+              <a:t>Serveur</a:t>
             </a:r>
           </a:p>
           <a:p>
             <a:pPr lvl="1"/>
             <a:r>
               <a:rPr lang="fr-FR" dirty="0" smtClean="0"/>
-              <a:t>Envoi d’informations aux clients</a:t>
-            </a:r>
+              <a:t>Informations</a:t>
+            </a:r>
+          </a:p>
+          <a:p>
+            <a:pPr lvl="1"/>
+            <a:r>
+              <a:rPr lang="fr-FR" dirty="0" smtClean="0"/>
+              <a:t>Changement d’état</a:t>
+            </a:r>
+            <a:endParaRPr lang="fr-FR" dirty="0" smtClean="0"/>
+          </a:p>
+          <a:p>
+            <a:r>
+              <a:rPr lang="fr-FR" dirty="0" smtClean="0"/>
+              <a:t>Contrôleurs</a:t>
+            </a:r>
+          </a:p>
+          <a:p>
+            <a:pPr lvl="1"/>
+            <a:r>
+              <a:rPr lang="fr-FR" dirty="0" smtClean="0"/>
+              <a:t>Un par client</a:t>
+            </a:r>
+            <a:endParaRPr lang="fr-FR" dirty="0" smtClean="0"/>
+          </a:p>
+          <a:p>
+            <a:pPr lvl="1"/>
+            <a:r>
+              <a:rPr lang="fr-FR" dirty="0" smtClean="0"/>
+              <a:t>Envoi d’informations</a:t>
+            </a:r>
+            <a:endParaRPr lang="fr-FR" dirty="0" smtClean="0"/>
           </a:p>
           <a:p>
             <a:r>
@@ -6913,14 +6917,15 @@
             <a:pPr lvl="1"/>
             <a:r>
               <a:rPr lang="it-CH" dirty="0" smtClean="0"/>
-              <a:t>Vue console</a:t>
-            </a:r>
+              <a:t>Console</a:t>
+            </a:r>
+            <a:endParaRPr lang="it-CH" dirty="0" smtClean="0"/>
           </a:p>
           <a:p>
             <a:pPr lvl="1"/>
             <a:r>
               <a:rPr lang="it-CH" dirty="0" smtClean="0"/>
-              <a:t>Vue graphique</a:t>
+              <a:t>Graphique</a:t>
             </a:r>
             <a:endParaRPr lang="fr-FR" dirty="0" smtClean="0"/>
           </a:p>
@@ -7188,8 +7193,16 @@
           <a:p>
             <a:r>
               <a:rPr lang="fr-CH" dirty="0" smtClean="0"/>
-              <a:t>Utilisation d’un modèle de client</a:t>
-            </a:r>
+              <a:t>Client</a:t>
+            </a:r>
+          </a:p>
+          <a:p>
+            <a:pPr lvl="1"/>
+            <a:r>
+              <a:rPr lang="fr-CH" dirty="0" smtClean="0"/>
+              <a:t>Informations de connexion (port, ip, …)</a:t>
+            </a:r>
+            <a:endParaRPr lang="fr-CH" dirty="0" smtClean="0"/>
           </a:p>
           <a:p>
             <a:r>
@@ -7216,6 +7229,13 @@
               <a:rPr lang="fr-CH" dirty="0" smtClean="0"/>
               <a:t>Protocole</a:t>
             </a:r>
+          </a:p>
+          <a:p>
+            <a:r>
+              <a:rPr lang="fr-CH" dirty="0" smtClean="0"/>
+              <a:t>Vue graphique</a:t>
+            </a:r>
+            <a:endParaRPr lang="fr-CH" dirty="0" smtClean="0"/>
           </a:p>
         </p:txBody>
       </p:sp>

--- a/Documentation/presentation.pptx
+++ b/Documentation/presentation.pptx
@@ -4444,7 +4444,6 @@
               <a:rPr lang="it-CH" dirty="0" smtClean="0"/>
               <a:t>Packages</a:t>
             </a:r>
-            <a:endParaRPr lang="it-CH" dirty="0" smtClean="0"/>
           </a:p>
           <a:p>
             <a:pPr lvl="1"/>
@@ -6156,7 +6155,60 @@
           <a:lstStyle/>
           <a:p>
             <a:pPr>
+              <a:buFont typeface="Arial" pitchFamily="34" charset="0"/>
+              <a:buChar char="•"/>
+            </a:pPr>
+            <a:r>
+              <a:rPr lang="fr-CH" dirty="0" smtClean="0"/>
+              <a:t>Partie en équipe</a:t>
+            </a:r>
+          </a:p>
+          <a:p>
+            <a:pPr>
+              <a:buFont typeface="Arial" pitchFamily="34" charset="0"/>
+              <a:buChar char="•"/>
+            </a:pPr>
+            <a:endParaRPr lang="fr-CH" dirty="0" smtClean="0"/>
+          </a:p>
+          <a:p>
+            <a:pPr>
+              <a:buFont typeface="Arial" pitchFamily="34" charset="0"/>
+              <a:buChar char="•"/>
+            </a:pPr>
+            <a:r>
+              <a:rPr lang="fr-CH" dirty="0" smtClean="0"/>
+              <a:t>Nouvelles cartes</a:t>
+            </a:r>
+          </a:p>
+          <a:p>
+            <a:pPr>
               <a:buNone/>
+            </a:pPr>
+            <a:r>
+              <a:rPr lang="fr-CH" dirty="0" smtClean="0"/>
+              <a:t> </a:t>
+            </a:r>
+          </a:p>
+          <a:p>
+            <a:pPr>
+              <a:buFont typeface="Arial" pitchFamily="34" charset="0"/>
+              <a:buChar char="•"/>
+            </a:pPr>
+            <a:r>
+              <a:rPr lang="fr-CH" dirty="0" smtClean="0"/>
+              <a:t>Nouvelles armes</a:t>
+            </a:r>
+          </a:p>
+          <a:p>
+            <a:pPr>
+              <a:buNone/>
+            </a:pPr>
+            <a:endParaRPr lang="fr-CH" dirty="0" smtClean="0"/>
+          </a:p>
+          <a:p>
+            <a:pPr>
+              <a:buFont typeface="Arial" pitchFamily="34" charset="0"/>
+              <a:buChar char="•"/>
             </a:pPr>
             <a:endParaRPr lang="fr-CH" dirty="0" smtClean="0"/>
           </a:p>
@@ -6361,8 +6413,32 @@
           <a:p>
             <a:r>
               <a:rPr lang="it-CH" dirty="0" smtClean="0"/>
-              <a:t>Pas de mode par équipe</a:t>
-            </a:r>
+              <a:t>Bonne entente dans le groupe</a:t>
+            </a:r>
+          </a:p>
+          <a:p>
+            <a:pPr>
+              <a:buNone/>
+            </a:pPr>
+            <a:endParaRPr lang="it-CH" dirty="0" smtClean="0"/>
+          </a:p>
+          <a:p>
+            <a:r>
+              <a:rPr lang="it-CH" dirty="0" smtClean="0"/>
+              <a:t>Echange positif de informations</a:t>
+            </a:r>
+          </a:p>
+          <a:p>
+            <a:endParaRPr lang="it-CH" dirty="0" smtClean="0"/>
+          </a:p>
+          <a:p>
+            <a:r>
+              <a:rPr lang="it-CH" dirty="0" smtClean="0"/>
+              <a:t>Programmation Client - Serveur </a:t>
+            </a:r>
+          </a:p>
+          <a:p>
+            <a:endParaRPr lang="it-CH" dirty="0" smtClean="0"/>
           </a:p>
         </p:txBody>
       </p:sp>
@@ -6522,13 +6598,47 @@
           <a:p>
             <a:r>
               <a:rPr lang="it-CH" dirty="0" smtClean="0"/>
-              <a:t>Jeu de combat 2D</a:t>
-            </a:r>
-          </a:p>
-          <a:p>
+              <a:t>Jeu de combat </a:t>
+            </a:r>
             <a:r>
               <a:rPr lang="it-CH" dirty="0" smtClean="0"/>
-              <a:t>Jouable de 2 à 8 joueurs en réseau</a:t>
+              <a:t>2D</a:t>
+            </a:r>
+          </a:p>
+          <a:p>
+            <a:endParaRPr lang="it-CH" dirty="0" smtClean="0"/>
+          </a:p>
+          <a:p>
+            <a:r>
+              <a:rPr lang="it-CH" dirty="0" smtClean="0"/>
+              <a:t>Jouable de 2 à 8 joueurs en </a:t>
+            </a:r>
+            <a:r>
+              <a:rPr lang="it-CH" dirty="0" smtClean="0"/>
+              <a:t>réseau</a:t>
+            </a:r>
+          </a:p>
+          <a:p>
+            <a:endParaRPr lang="it-CH" dirty="0" smtClean="0"/>
+          </a:p>
+          <a:p>
+            <a:r>
+              <a:rPr lang="it-CH" dirty="0" smtClean="0"/>
+              <a:t>2 applications :</a:t>
+            </a:r>
+          </a:p>
+          <a:p>
+            <a:pPr lvl="1"/>
+            <a:r>
+              <a:rPr lang="it-CH" dirty="0" smtClean="0"/>
+              <a:t>Client </a:t>
+            </a:r>
+          </a:p>
+          <a:p>
+            <a:pPr lvl="1"/>
+            <a:r>
+              <a:rPr lang="it-CH" dirty="0" smtClean="0"/>
+              <a:t>Serveur</a:t>
             </a:r>
           </a:p>
         </p:txBody>
@@ -6608,8 +6718,13 @@
           <a:p>
             <a:r>
               <a:rPr lang="it-CH" dirty="0" smtClean="0"/>
-              <a:t>Gestion de projet</a:t>
-            </a:r>
+              <a:t>Gestion de </a:t>
+            </a:r>
+            <a:r>
+              <a:rPr lang="it-CH" dirty="0" smtClean="0"/>
+              <a:t>projet à 4 pp.</a:t>
+            </a:r>
+            <a:endParaRPr lang="it-CH" dirty="0" smtClean="0"/>
           </a:p>
           <a:p>
             <a:r>
@@ -6631,9 +6746,14 @@
           </a:p>
           <a:p>
             <a:r>
-              <a:rPr lang="it-CH" dirty="0" smtClean="0"/>
-              <a:t>Utilisation JDBC</a:t>
-            </a:r>
+              <a:rPr lang="it-CH" smtClean="0"/>
+              <a:t>Utilisation </a:t>
+            </a:r>
+            <a:r>
+              <a:rPr lang="it-CH" smtClean="0"/>
+              <a:t>JDBC</a:t>
+            </a:r>
+            <a:endParaRPr lang="it-CH" dirty="0" smtClean="0"/>
           </a:p>
           <a:p>
             <a:pPr>
@@ -6732,11 +6852,7 @@
             <a:pPr lvl="1"/>
             <a:r>
               <a:rPr lang="it-CH" dirty="0" smtClean="0"/>
-              <a:t>Par </a:t>
-            </a:r>
-            <a:r>
-              <a:rPr lang="it-CH" dirty="0" smtClean="0"/>
-              <a:t>équipe</a:t>
+              <a:t>Par équipe</a:t>
             </a:r>
           </a:p>
           <a:p>
@@ -6751,7 +6867,6 @@
               <a:rPr lang="it-CH" dirty="0" smtClean="0"/>
               <a:t>Eliminer ses adversaires</a:t>
             </a:r>
-            <a:endParaRPr lang="it-CH" dirty="0" smtClean="0"/>
           </a:p>
           <a:p>
             <a:pPr lvl="1"/>
@@ -6844,11 +6959,7 @@
           <a:p>
             <a:r>
               <a:rPr lang="fr-FR" dirty="0" smtClean="0"/>
-              <a:t>Architecture </a:t>
-            </a:r>
-            <a:r>
-              <a:rPr lang="fr-FR" dirty="0" smtClean="0"/>
-              <a:t>MVC</a:t>
+              <a:t>Architecture MVC</a:t>
             </a:r>
           </a:p>
           <a:p>
@@ -6870,7 +6981,6 @@
               <a:rPr lang="fr-FR" dirty="0" smtClean="0"/>
               <a:t>Changement d’état</a:t>
             </a:r>
-            <a:endParaRPr lang="fr-FR" dirty="0" smtClean="0"/>
           </a:p>
           <a:p>
             <a:r>
@@ -6884,7 +6994,6 @@
               <a:rPr lang="fr-FR" dirty="0" smtClean="0"/>
               <a:t>Un par client</a:t>
             </a:r>
-            <a:endParaRPr lang="fr-FR" dirty="0" smtClean="0"/>
           </a:p>
           <a:p>
             <a:pPr lvl="1"/>
@@ -6892,7 +7001,6 @@
               <a:rPr lang="fr-FR" dirty="0" smtClean="0"/>
               <a:t>Envoi d’informations</a:t>
             </a:r>
-            <a:endParaRPr lang="fr-FR" dirty="0" smtClean="0"/>
           </a:p>
           <a:p>
             <a:r>
@@ -6919,7 +7027,6 @@
               <a:rPr lang="it-CH" dirty="0" smtClean="0"/>
               <a:t>Console</a:t>
             </a:r>
-            <a:endParaRPr lang="it-CH" dirty="0" smtClean="0"/>
           </a:p>
           <a:p>
             <a:pPr lvl="1"/>
@@ -7202,7 +7309,6 @@
               <a:rPr lang="fr-CH" dirty="0" smtClean="0"/>
               <a:t>Informations de connexion (port, ip, …)</a:t>
             </a:r>
-            <a:endParaRPr lang="fr-CH" dirty="0" smtClean="0"/>
           </a:p>
           <a:p>
             <a:r>
@@ -7235,7 +7341,6 @@
               <a:rPr lang="fr-CH" dirty="0" smtClean="0"/>
               <a:t>Vue graphique</a:t>
             </a:r>
-            <a:endParaRPr lang="fr-CH" dirty="0" smtClean="0"/>
           </a:p>
         </p:txBody>
       </p:sp>
